--- a/thesis/BaoCaoCKLVTN_LamMinhPhuong_51202846.pptx
+++ b/thesis/BaoCaoCKLVTN_LamMinhPhuong_51202846.pptx
@@ -36,6 +36,13 @@
     <p:sldId id="283" r:id="rId30"/>
     <p:sldId id="285" r:id="rId31"/>
     <p:sldId id="286" r:id="rId32"/>
+    <p:sldId id="287" r:id="rId33"/>
+    <p:sldId id="288" r:id="rId34"/>
+    <p:sldId id="289" r:id="rId35"/>
+    <p:sldId id="290" r:id="rId36"/>
+    <p:sldId id="291" r:id="rId37"/>
+    <p:sldId id="292" r:id="rId38"/>
+    <p:sldId id="293" r:id="rId39"/>
   </p:sldIdLst>
   <p:sldSz cx="12192000" cy="6858000"/>
   <p:notesSz cx="6858000" cy="9144000"/>
@@ -32219,6 +32226,6596 @@
 </p:sld>
 </file>
 
+<file path=ppt/slides/slide32.xml><?xml version="1.0" encoding="utf-8"?>
+<p:sld xmlns:a="http://schemas.openxmlformats.org/drawingml/2006/main" xmlns:r="http://schemas.openxmlformats.org/officeDocument/2006/relationships" xmlns:p="http://schemas.openxmlformats.org/presentationml/2006/main">
+  <p:cSld>
+    <p:spTree>
+      <p:nvGrpSpPr>
+        <p:cNvPr id="1" name=""/>
+        <p:cNvGrpSpPr/>
+        <p:nvPr/>
+      </p:nvGrpSpPr>
+      <p:grpSpPr>
+        <a:xfrm>
+          <a:off x="0" y="0"/>
+          <a:ext cx="0" cy="0"/>
+          <a:chOff x="0" y="0"/>
+          <a:chExt cx="0" cy="0"/>
+        </a:xfrm>
+      </p:grpSpPr>
+      <p:sp>
+        <p:nvSpPr>
+          <p:cNvPr id="2" name="Title 1"/>
+          <p:cNvSpPr>
+            <a:spLocks noGrp="1"/>
+          </p:cNvSpPr>
+          <p:nvPr>
+            <p:ph type="title"/>
+          </p:nvPr>
+        </p:nvSpPr>
+        <p:spPr>
+          <a:xfrm>
+            <a:off x="1614939" y="0"/>
+            <a:ext cx="10018713" cy="1752599"/>
+          </a:xfrm>
+        </p:spPr>
+        <p:txBody>
+          <a:bodyPr/>
+          <a:lstStyle/>
+          <a:p>
+            <a:r>
+              <a:rPr lang="en-US" dirty="0" smtClean="0"/>
+              <a:t>3.2 </a:t>
+            </a:r>
+            <a:r>
+              <a:rPr lang="en-US" dirty="0" err="1" smtClean="0"/>
+              <a:t>Suy</a:t>
+            </a:r>
+            <a:r>
+              <a:rPr lang="en-US" dirty="0" smtClean="0"/>
+              <a:t> </a:t>
+            </a:r>
+            <a:r>
+              <a:rPr lang="en-US" dirty="0" err="1" smtClean="0"/>
+              <a:t>luận</a:t>
+            </a:r>
+            <a:r>
+              <a:rPr lang="en-US" dirty="0" smtClean="0"/>
+              <a:t> </a:t>
+            </a:r>
+            <a:r>
+              <a:rPr lang="en-US" dirty="0" err="1" smtClean="0"/>
+              <a:t>kiểu</a:t>
+            </a:r>
+            <a:r>
+              <a:rPr lang="en-US" dirty="0" smtClean="0"/>
+              <a:t> </a:t>
+            </a:r>
+            <a:r>
+              <a:rPr lang="mr-IN" dirty="0" smtClean="0"/>
+              <a:t>–</a:t>
+            </a:r>
+            <a:r>
+              <a:rPr lang="en-US" dirty="0" smtClean="0"/>
+              <a:t> </a:t>
+            </a:r>
+            <a:r>
+              <a:rPr lang="en-US" dirty="0" err="1" smtClean="0"/>
+              <a:t>Xác</a:t>
+            </a:r>
+            <a:r>
+              <a:rPr lang="en-US" dirty="0" smtClean="0"/>
+              <a:t> </a:t>
+            </a:r>
+            <a:r>
+              <a:rPr lang="en-US" dirty="0" err="1"/>
+              <a:t>định</a:t>
+            </a:r>
+            <a:r>
+              <a:rPr lang="en-US" dirty="0"/>
+              <a:t> </a:t>
+            </a:r>
+            <a:r>
+              <a:rPr lang="en-US" dirty="0" err="1"/>
+              <a:t>giá</a:t>
+            </a:r>
+            <a:r>
+              <a:rPr lang="en-US" dirty="0"/>
+              <a:t> </a:t>
+            </a:r>
+            <a:r>
+              <a:rPr lang="en-US" dirty="0" err="1"/>
+              <a:t>trị</a:t>
+            </a:r>
+            <a:r>
+              <a:rPr lang="en-US" dirty="0"/>
+              <a:t> </a:t>
+            </a:r>
+            <a:r>
+              <a:rPr lang="en-US" dirty="0" err="1"/>
+              <a:t>thanh</a:t>
+            </a:r>
+            <a:r>
+              <a:rPr lang="en-US" dirty="0"/>
+              <a:t> </a:t>
+            </a:r>
+            <a:r>
+              <a:rPr lang="en-US" dirty="0" err="1"/>
+              <a:t>ghi</a:t>
+            </a:r>
+            <a:r>
+              <a:rPr lang="en-US" dirty="0"/>
+              <a:t> </a:t>
+            </a:r>
+            <a:r>
+              <a:rPr lang="en-US" dirty="0" smtClean="0"/>
+              <a:t>ACC  </a:t>
+            </a:r>
+            <a:endParaRPr lang="en-US" dirty="0"/>
+          </a:p>
+        </p:txBody>
+      </p:sp>
+      <p:sp>
+        <p:nvSpPr>
+          <p:cNvPr id="19" name="TextBox 18"/>
+          <p:cNvSpPr txBox="1"/>
+          <p:nvPr/>
+        </p:nvSpPr>
+        <p:spPr>
+          <a:xfrm>
+            <a:off x="12046857" y="5936343"/>
+            <a:ext cx="184731" cy="369332"/>
+          </a:xfrm>
+          <a:prstGeom prst="rect">
+            <a:avLst/>
+          </a:prstGeom>
+          <a:noFill/>
+        </p:spPr>
+        <p:txBody>
+          <a:bodyPr wrap="none" rtlCol="0">
+            <a:spAutoFit/>
+          </a:bodyPr>
+          <a:lstStyle/>
+          <a:p>
+            <a:endParaRPr lang="en-US"/>
+          </a:p>
+        </p:txBody>
+      </p:sp>
+      <p:sp>
+        <p:nvSpPr>
+          <p:cNvPr id="4" name="TextBox 3"/>
+          <p:cNvSpPr txBox="1"/>
+          <p:nvPr/>
+        </p:nvSpPr>
+        <p:spPr>
+          <a:xfrm>
+            <a:off x="1986980" y="1937265"/>
+            <a:ext cx="9274629" cy="2031325"/>
+          </a:xfrm>
+          <a:prstGeom prst="rect">
+            <a:avLst/>
+          </a:prstGeom>
+          <a:noFill/>
+        </p:spPr>
+        <p:txBody>
+          <a:bodyPr wrap="square" rtlCol="0">
+            <a:spAutoFit/>
+          </a:bodyPr>
+          <a:lstStyle/>
+          <a:p>
+            <a:pPr marL="285750" indent="-285750">
+              <a:buFont typeface="Arial" charset="0"/>
+              <a:buChar char="•"/>
+            </a:pPr>
+            <a:r>
+              <a:rPr lang="en-US" dirty="0" err="1"/>
+              <a:t>Như</a:t>
+            </a:r>
+            <a:r>
+              <a:rPr lang="en-US" dirty="0"/>
+              <a:t> </a:t>
+            </a:r>
+            <a:r>
+              <a:rPr lang="en-US" dirty="0" err="1"/>
+              <a:t>vậy</a:t>
+            </a:r>
+            <a:r>
+              <a:rPr lang="en-US" dirty="0"/>
+              <a:t>, </a:t>
+            </a:r>
+            <a:r>
+              <a:rPr lang="en-US" dirty="0" err="1"/>
+              <a:t>với</a:t>
+            </a:r>
+            <a:r>
+              <a:rPr lang="en-US" dirty="0"/>
+              <a:t> </a:t>
+            </a:r>
+            <a:r>
+              <a:rPr lang="en-US" dirty="0" err="1"/>
+              <a:t>phương</a:t>
+            </a:r>
+            <a:r>
+              <a:rPr lang="en-US" dirty="0"/>
+              <a:t> </a:t>
+            </a:r>
+            <a:r>
+              <a:rPr lang="en-US" dirty="0" err="1"/>
+              <a:t>pháp</a:t>
+            </a:r>
+            <a:r>
+              <a:rPr lang="en-US" dirty="0"/>
+              <a:t> </a:t>
+            </a:r>
+            <a:r>
+              <a:rPr lang="en-US" dirty="0" err="1"/>
+              <a:t>phân</a:t>
+            </a:r>
+            <a:r>
+              <a:rPr lang="en-US" dirty="0"/>
+              <a:t> </a:t>
+            </a:r>
+            <a:r>
+              <a:rPr lang="en-US" dirty="0" err="1"/>
+              <a:t>tích</a:t>
+            </a:r>
+            <a:r>
+              <a:rPr lang="en-US" dirty="0"/>
+              <a:t> </a:t>
+            </a:r>
+            <a:r>
+              <a:rPr lang="en-US" dirty="0" err="1"/>
+              <a:t>này</a:t>
+            </a:r>
+            <a:r>
+              <a:rPr lang="en-US" dirty="0"/>
+              <a:t>, </a:t>
+            </a:r>
+            <a:r>
+              <a:rPr lang="en-US" dirty="0" err="1"/>
+              <a:t>vấn</a:t>
+            </a:r>
+            <a:r>
+              <a:rPr lang="en-US" dirty="0"/>
+              <a:t> </a:t>
+            </a:r>
+            <a:r>
+              <a:rPr lang="en-US" dirty="0" err="1"/>
+              <a:t>đề</a:t>
+            </a:r>
+            <a:r>
+              <a:rPr lang="en-US" dirty="0"/>
+              <a:t> </a:t>
+            </a:r>
+            <a:r>
+              <a:rPr lang="en-US" dirty="0" err="1"/>
+              <a:t>vế</a:t>
+            </a:r>
+            <a:r>
+              <a:rPr lang="en-US" dirty="0"/>
+              <a:t> </a:t>
+            </a:r>
+            <a:r>
+              <a:rPr lang="en-US" dirty="0" err="1"/>
+              <a:t>phải</a:t>
+            </a:r>
+            <a:r>
+              <a:rPr lang="en-US" dirty="0"/>
+              <a:t> </a:t>
+            </a:r>
+            <a:r>
+              <a:rPr lang="en-US" dirty="0" err="1"/>
+              <a:t>của</a:t>
+            </a:r>
+            <a:r>
+              <a:rPr lang="en-US" dirty="0"/>
+              <a:t> </a:t>
+            </a:r>
+            <a:r>
+              <a:rPr lang="en-US" dirty="0" err="1"/>
+              <a:t>phép</a:t>
+            </a:r>
+            <a:r>
+              <a:rPr lang="en-US" dirty="0"/>
+              <a:t> </a:t>
+            </a:r>
+            <a:r>
+              <a:rPr lang="en-US" dirty="0" err="1"/>
+              <a:t>gán</a:t>
+            </a:r>
+            <a:r>
+              <a:rPr lang="en-US" dirty="0"/>
+              <a:t> </a:t>
+            </a:r>
+            <a:r>
+              <a:rPr lang="en-US" dirty="0" err="1"/>
+              <a:t>thanh</a:t>
+            </a:r>
+            <a:r>
+              <a:rPr lang="en-US" dirty="0"/>
+              <a:t> </a:t>
+            </a:r>
+            <a:r>
+              <a:rPr lang="en-US" dirty="0" err="1"/>
+              <a:t>ghi</a:t>
+            </a:r>
+            <a:r>
+              <a:rPr lang="en-US" dirty="0"/>
+              <a:t> </a:t>
+            </a:r>
+            <a:r>
+              <a:rPr lang="en-US" dirty="0" err="1"/>
+              <a:t>là</a:t>
+            </a:r>
+            <a:r>
+              <a:rPr lang="en-US" dirty="0"/>
+              <a:t> </a:t>
+            </a:r>
+            <a:r>
+              <a:rPr lang="en-US" dirty="0" err="1"/>
+              <a:t>những</a:t>
+            </a:r>
+            <a:r>
+              <a:rPr lang="en-US" dirty="0"/>
+              <a:t> </a:t>
+            </a:r>
+            <a:r>
+              <a:rPr lang="en-US" dirty="0" err="1"/>
+              <a:t>biểu</a:t>
+            </a:r>
+            <a:r>
+              <a:rPr lang="en-US" dirty="0"/>
+              <a:t> </a:t>
+            </a:r>
+            <a:r>
+              <a:rPr lang="en-US" dirty="0" err="1"/>
+              <a:t>thức</a:t>
+            </a:r>
+            <a:r>
+              <a:rPr lang="en-US" dirty="0"/>
+              <a:t> </a:t>
+            </a:r>
+            <a:r>
+              <a:rPr lang="en-US" dirty="0" err="1"/>
+              <a:t>phức</a:t>
+            </a:r>
+            <a:r>
+              <a:rPr lang="en-US" dirty="0"/>
+              <a:t> </a:t>
+            </a:r>
+            <a:r>
+              <a:rPr lang="en-US" dirty="0" err="1"/>
+              <a:t>tạp</a:t>
+            </a:r>
+            <a:r>
+              <a:rPr lang="en-US" dirty="0"/>
+              <a:t> </a:t>
+            </a:r>
+            <a:r>
+              <a:rPr lang="en-US" dirty="0" err="1"/>
+              <a:t>có</a:t>
+            </a:r>
+            <a:r>
+              <a:rPr lang="en-US" dirty="0"/>
+              <a:t> </a:t>
+            </a:r>
+            <a:r>
+              <a:rPr lang="en-US" dirty="0" err="1"/>
+              <a:t>hai</a:t>
+            </a:r>
+            <a:r>
+              <a:rPr lang="en-US" dirty="0"/>
+              <a:t> </a:t>
+            </a:r>
+            <a:r>
+              <a:rPr lang="en-US" dirty="0" err="1"/>
+              <a:t>toán</a:t>
+            </a:r>
+            <a:r>
+              <a:rPr lang="en-US" dirty="0"/>
+              <a:t> </a:t>
+            </a:r>
+            <a:r>
+              <a:rPr lang="en-US" dirty="0" err="1"/>
+              <a:t>hạng</a:t>
+            </a:r>
+            <a:r>
+              <a:rPr lang="en-US" dirty="0"/>
+              <a:t> </a:t>
+            </a:r>
+            <a:r>
+              <a:rPr lang="en-US" dirty="0" err="1"/>
+              <a:t>đã</a:t>
+            </a:r>
+            <a:r>
+              <a:rPr lang="en-US" dirty="0"/>
+              <a:t> </a:t>
+            </a:r>
+            <a:r>
+              <a:rPr lang="en-US" dirty="0" err="1"/>
+              <a:t>được</a:t>
+            </a:r>
+            <a:r>
+              <a:rPr lang="en-US" dirty="0"/>
+              <a:t> </a:t>
+            </a:r>
+            <a:r>
+              <a:rPr lang="en-US" dirty="0" err="1"/>
+              <a:t>giải</a:t>
+            </a:r>
+            <a:r>
+              <a:rPr lang="en-US" dirty="0"/>
+              <a:t> </a:t>
+            </a:r>
+            <a:r>
+              <a:rPr lang="en-US" dirty="0" err="1"/>
+              <a:t>quyết</a:t>
+            </a:r>
+            <a:r>
+              <a:rPr lang="en-US" dirty="0" smtClean="0"/>
+              <a:t>. </a:t>
+            </a:r>
+            <a:r>
+              <a:rPr lang="en-US" dirty="0" err="1" smtClean="0"/>
+              <a:t>Tương</a:t>
+            </a:r>
+            <a:r>
+              <a:rPr lang="en-US" dirty="0" smtClean="0"/>
+              <a:t> </a:t>
+            </a:r>
+            <a:r>
+              <a:rPr lang="en-US" dirty="0" err="1" smtClean="0"/>
+              <a:t>tự</a:t>
+            </a:r>
+            <a:r>
+              <a:rPr lang="en-US" dirty="0" smtClean="0"/>
+              <a:t>, </a:t>
+            </a:r>
+            <a:r>
+              <a:rPr lang="en-US" dirty="0" err="1" smtClean="0"/>
+              <a:t>khi</a:t>
+            </a:r>
+            <a:r>
+              <a:rPr lang="en-US" dirty="0" smtClean="0"/>
+              <a:t> </a:t>
+            </a:r>
+            <a:r>
+              <a:rPr lang="en-US" dirty="0" err="1" smtClean="0"/>
+              <a:t>gặp</a:t>
+            </a:r>
+            <a:r>
+              <a:rPr lang="en-US" dirty="0" smtClean="0"/>
+              <a:t> </a:t>
+            </a:r>
+            <a:r>
+              <a:rPr lang="en-US" dirty="0" err="1" smtClean="0"/>
+              <a:t>trường</a:t>
+            </a:r>
+            <a:r>
+              <a:rPr lang="en-US" dirty="0" smtClean="0"/>
+              <a:t> </a:t>
+            </a:r>
+            <a:r>
+              <a:rPr lang="en-US" dirty="0" err="1" smtClean="0"/>
+              <a:t>hợp</a:t>
+            </a:r>
+            <a:r>
+              <a:rPr lang="en-US" dirty="0" smtClean="0"/>
+              <a:t> ACC </a:t>
+            </a:r>
+            <a:r>
+              <a:rPr lang="en-US" dirty="0" err="1" smtClean="0"/>
+              <a:t>có</a:t>
+            </a:r>
+            <a:r>
+              <a:rPr lang="en-US" dirty="0" smtClean="0"/>
+              <a:t> </a:t>
+            </a:r>
+            <a:r>
+              <a:rPr lang="en-US" dirty="0" err="1" smtClean="0"/>
+              <a:t>thể</a:t>
+            </a:r>
+            <a:r>
+              <a:rPr lang="en-US" dirty="0" smtClean="0"/>
+              <a:t> </a:t>
+            </a:r>
+            <a:r>
+              <a:rPr lang="en-US" dirty="0" err="1" smtClean="0"/>
+              <a:t>mang</a:t>
+            </a:r>
+            <a:r>
+              <a:rPr lang="en-US" dirty="0" smtClean="0"/>
+              <a:t> </a:t>
+            </a:r>
+            <a:r>
+              <a:rPr lang="en-US" dirty="0" err="1" smtClean="0"/>
+              <a:t>những</a:t>
+            </a:r>
+            <a:r>
+              <a:rPr lang="en-US" dirty="0" smtClean="0"/>
+              <a:t> </a:t>
+            </a:r>
+            <a:r>
+              <a:rPr lang="en-US" dirty="0" err="1" smtClean="0"/>
+              <a:t>giá</a:t>
+            </a:r>
+            <a:r>
+              <a:rPr lang="en-US" dirty="0" smtClean="0"/>
+              <a:t> </a:t>
+            </a:r>
+            <a:r>
+              <a:rPr lang="en-US" dirty="0" err="1" smtClean="0"/>
+              <a:t>trị</a:t>
+            </a:r>
+            <a:r>
+              <a:rPr lang="en-US" dirty="0" smtClean="0"/>
+              <a:t> </a:t>
+            </a:r>
+            <a:r>
+              <a:rPr lang="en-US" dirty="0" err="1" smtClean="0"/>
+              <a:t>khác</a:t>
+            </a:r>
+            <a:r>
+              <a:rPr lang="en-US" dirty="0" smtClean="0"/>
+              <a:t> </a:t>
+            </a:r>
+            <a:r>
+              <a:rPr lang="en-US" dirty="0" err="1" smtClean="0"/>
+              <a:t>nhau</a:t>
+            </a:r>
+            <a:r>
+              <a:rPr lang="en-US" dirty="0" smtClean="0"/>
+              <a:t>, </a:t>
+            </a:r>
+            <a:r>
+              <a:rPr lang="en-US" dirty="0" err="1" smtClean="0"/>
+              <a:t>phương</a:t>
+            </a:r>
+            <a:r>
+              <a:rPr lang="en-US" dirty="0" smtClean="0"/>
+              <a:t> </a:t>
+            </a:r>
+            <a:r>
+              <a:rPr lang="en-US" dirty="0" err="1" smtClean="0"/>
+              <a:t>pháp</a:t>
+            </a:r>
+            <a:r>
+              <a:rPr lang="en-US" dirty="0"/>
+              <a:t> </a:t>
+            </a:r>
+            <a:r>
+              <a:rPr lang="en-US" dirty="0" err="1" smtClean="0"/>
+              <a:t>này</a:t>
+            </a:r>
+            <a:r>
+              <a:rPr lang="en-US" dirty="0" smtClean="0"/>
+              <a:t> </a:t>
+            </a:r>
+            <a:r>
+              <a:rPr lang="en-US" dirty="0" err="1" smtClean="0"/>
+              <a:t>cũng</a:t>
+            </a:r>
+            <a:r>
+              <a:rPr lang="en-US" dirty="0" smtClean="0"/>
+              <a:t> </a:t>
+            </a:r>
+            <a:r>
+              <a:rPr lang="en-US" dirty="0" err="1" smtClean="0"/>
+              <a:t>kiểm</a:t>
+            </a:r>
+            <a:r>
+              <a:rPr lang="en-US" dirty="0" smtClean="0"/>
+              <a:t> </a:t>
+            </a:r>
+            <a:r>
+              <a:rPr lang="en-US" dirty="0" err="1" smtClean="0"/>
+              <a:t>tra</a:t>
+            </a:r>
+            <a:r>
+              <a:rPr lang="en-US" dirty="0" smtClean="0"/>
+              <a:t> </a:t>
+            </a:r>
+            <a:r>
+              <a:rPr lang="en-US" dirty="0" err="1" smtClean="0"/>
+              <a:t>những</a:t>
+            </a:r>
+            <a:r>
+              <a:rPr lang="en-US" dirty="0" smtClean="0"/>
+              <a:t> </a:t>
+            </a:r>
+            <a:r>
+              <a:rPr lang="en-US" dirty="0" err="1" smtClean="0"/>
+              <a:t>giá</a:t>
+            </a:r>
+            <a:r>
+              <a:rPr lang="en-US" dirty="0" smtClean="0"/>
+              <a:t> </a:t>
+            </a:r>
+            <a:r>
+              <a:rPr lang="en-US" dirty="0" err="1" smtClean="0"/>
+              <a:t>trị</a:t>
+            </a:r>
+            <a:r>
+              <a:rPr lang="en-US" dirty="0" smtClean="0"/>
+              <a:t> </a:t>
+            </a:r>
+            <a:r>
+              <a:rPr lang="en-US" dirty="0" err="1" smtClean="0"/>
+              <a:t>đó</a:t>
+            </a:r>
+            <a:r>
+              <a:rPr lang="en-US" dirty="0" smtClean="0"/>
+              <a:t> </a:t>
+            </a:r>
+            <a:r>
+              <a:rPr lang="en-US" dirty="0" err="1" smtClean="0"/>
+              <a:t>xem</a:t>
+            </a:r>
+            <a:r>
+              <a:rPr lang="en-US" dirty="0" smtClean="0"/>
+              <a:t> </a:t>
+            </a:r>
+            <a:r>
+              <a:rPr lang="en-US" dirty="0" err="1" smtClean="0"/>
+              <a:t>có</a:t>
+            </a:r>
+            <a:r>
+              <a:rPr lang="en-US" dirty="0" smtClean="0"/>
+              <a:t> </a:t>
+            </a:r>
+            <a:r>
+              <a:rPr lang="en-US" dirty="0" err="1" smtClean="0"/>
+              <a:t>bằng</a:t>
+            </a:r>
+            <a:r>
+              <a:rPr lang="en-US" dirty="0" smtClean="0"/>
+              <a:t> </a:t>
+            </a:r>
+            <a:r>
+              <a:rPr lang="en-US" dirty="0" err="1" smtClean="0"/>
+              <a:t>nhau</a:t>
+            </a:r>
+            <a:r>
+              <a:rPr lang="en-US" dirty="0" smtClean="0"/>
+              <a:t> </a:t>
+            </a:r>
+            <a:r>
+              <a:rPr lang="en-US" dirty="0" err="1" smtClean="0"/>
+              <a:t>không</a:t>
+            </a:r>
+            <a:r>
+              <a:rPr lang="en-US" dirty="0" smtClean="0"/>
+              <a:t>, </a:t>
+            </a:r>
+            <a:r>
+              <a:rPr lang="en-US" dirty="0" err="1" smtClean="0"/>
+              <a:t>nên</a:t>
+            </a:r>
+            <a:r>
+              <a:rPr lang="en-US" dirty="0" smtClean="0"/>
+              <a:t> </a:t>
+            </a:r>
+            <a:r>
+              <a:rPr lang="en-US" dirty="0" err="1" smtClean="0"/>
+              <a:t>sẽ</a:t>
+            </a:r>
+            <a:r>
+              <a:rPr lang="en-US" dirty="0" smtClean="0"/>
+              <a:t> </a:t>
+            </a:r>
+            <a:r>
+              <a:rPr lang="en-US" dirty="0" err="1" smtClean="0"/>
+              <a:t>không</a:t>
+            </a:r>
+            <a:r>
+              <a:rPr lang="en-US" dirty="0" smtClean="0"/>
+              <a:t> </a:t>
+            </a:r>
+            <a:r>
+              <a:rPr lang="en-US" dirty="0" err="1" smtClean="0"/>
+              <a:t>bỏ</a:t>
+            </a:r>
+            <a:r>
+              <a:rPr lang="en-US" dirty="0" smtClean="0"/>
+              <a:t> qua </a:t>
+            </a:r>
+            <a:r>
+              <a:rPr lang="en-US" dirty="0" err="1" smtClean="0"/>
+              <a:t>những</a:t>
+            </a:r>
+            <a:r>
+              <a:rPr lang="en-US" dirty="0" smtClean="0"/>
+              <a:t> </a:t>
+            </a:r>
+            <a:r>
+              <a:rPr lang="en-US" dirty="0" err="1" smtClean="0"/>
+              <a:t>trường</a:t>
+            </a:r>
+            <a:r>
+              <a:rPr lang="en-US" dirty="0" smtClean="0"/>
+              <a:t> </a:t>
+            </a:r>
+            <a:r>
+              <a:rPr lang="en-US" dirty="0" err="1" smtClean="0"/>
+              <a:t>hợp</a:t>
+            </a:r>
+            <a:r>
+              <a:rPr lang="en-US" dirty="0" smtClean="0"/>
+              <a:t> </a:t>
+            </a:r>
+            <a:r>
+              <a:rPr lang="en-US" dirty="0" err="1" smtClean="0"/>
+              <a:t>tất</a:t>
+            </a:r>
+            <a:r>
+              <a:rPr lang="en-US" dirty="0" smtClean="0"/>
+              <a:t> </a:t>
+            </a:r>
+            <a:r>
+              <a:rPr lang="en-US" dirty="0" err="1" smtClean="0"/>
+              <a:t>cả</a:t>
+            </a:r>
+            <a:r>
+              <a:rPr lang="en-US" dirty="0" smtClean="0"/>
+              <a:t> </a:t>
+            </a:r>
+            <a:r>
+              <a:rPr lang="en-US" dirty="0" err="1" smtClean="0"/>
+              <a:t>giá</a:t>
+            </a:r>
+            <a:r>
+              <a:rPr lang="en-US" dirty="0" smtClean="0"/>
+              <a:t> </a:t>
+            </a:r>
+            <a:r>
+              <a:rPr lang="en-US" dirty="0" err="1" smtClean="0"/>
+              <a:t>trị</a:t>
+            </a:r>
+            <a:r>
+              <a:rPr lang="en-US" dirty="0" smtClean="0"/>
+              <a:t> </a:t>
+            </a:r>
+            <a:r>
+              <a:rPr lang="en-US" dirty="0" err="1" smtClean="0"/>
+              <a:t>có</a:t>
+            </a:r>
+            <a:r>
+              <a:rPr lang="en-US" dirty="0" smtClean="0"/>
+              <a:t> </a:t>
+            </a:r>
+            <a:r>
+              <a:rPr lang="en-US" dirty="0" err="1" smtClean="0"/>
+              <a:t>thể</a:t>
+            </a:r>
+            <a:r>
+              <a:rPr lang="en-US" dirty="0" smtClean="0"/>
+              <a:t> </a:t>
+            </a:r>
+            <a:r>
+              <a:rPr lang="en-US" dirty="0" err="1" smtClean="0"/>
+              <a:t>của</a:t>
+            </a:r>
+            <a:r>
+              <a:rPr lang="en-US" dirty="0" smtClean="0"/>
+              <a:t> ACC </a:t>
+            </a:r>
+            <a:r>
+              <a:rPr lang="en-US" dirty="0" err="1" smtClean="0"/>
+              <a:t>đều</a:t>
+            </a:r>
+            <a:r>
+              <a:rPr lang="en-US" dirty="0" smtClean="0"/>
+              <a:t> </a:t>
+            </a:r>
+            <a:r>
+              <a:rPr lang="en-US" dirty="0" err="1" smtClean="0"/>
+              <a:t>như</a:t>
+            </a:r>
+            <a:r>
+              <a:rPr lang="en-US" dirty="0" smtClean="0"/>
+              <a:t> </a:t>
+            </a:r>
+            <a:r>
+              <a:rPr lang="en-US" dirty="0" err="1" smtClean="0"/>
+              <a:t>nhau</a:t>
+            </a:r>
+            <a:r>
+              <a:rPr lang="en-US" dirty="0" smtClean="0"/>
+              <a:t> </a:t>
+            </a:r>
+            <a:r>
+              <a:rPr lang="en-US" dirty="0" err="1" smtClean="0"/>
+              <a:t>và</a:t>
+            </a:r>
+            <a:r>
+              <a:rPr lang="en-US" dirty="0" smtClean="0"/>
+              <a:t> </a:t>
+            </a:r>
+            <a:r>
+              <a:rPr lang="en-US" dirty="0" err="1" smtClean="0"/>
+              <a:t>thực</a:t>
+            </a:r>
+            <a:r>
+              <a:rPr lang="en-US" dirty="0" smtClean="0"/>
+              <a:t> </a:t>
+            </a:r>
+            <a:r>
+              <a:rPr lang="en-US" dirty="0" err="1" smtClean="0"/>
+              <a:t>tế</a:t>
+            </a:r>
+            <a:r>
+              <a:rPr lang="en-US" dirty="0" smtClean="0"/>
+              <a:t> ACC </a:t>
+            </a:r>
+            <a:r>
+              <a:rPr lang="en-US" dirty="0" err="1" smtClean="0"/>
+              <a:t>vẫn</a:t>
+            </a:r>
+            <a:r>
+              <a:rPr lang="en-US" dirty="0" smtClean="0"/>
+              <a:t> </a:t>
+            </a:r>
+            <a:r>
+              <a:rPr lang="en-US" dirty="0" err="1" smtClean="0"/>
+              <a:t>là</a:t>
+            </a:r>
+            <a:r>
+              <a:rPr lang="en-US" dirty="0" smtClean="0"/>
+              <a:t> </a:t>
+            </a:r>
+            <a:r>
+              <a:rPr lang="en-US" dirty="0" err="1" smtClean="0"/>
+              <a:t>một</a:t>
+            </a:r>
+            <a:r>
+              <a:rPr lang="en-US" dirty="0" smtClean="0"/>
+              <a:t> </a:t>
+            </a:r>
+            <a:r>
+              <a:rPr lang="en-US" dirty="0" err="1" smtClean="0"/>
+              <a:t>hằng</a:t>
+            </a:r>
+            <a:r>
+              <a:rPr lang="en-US" dirty="0" smtClean="0"/>
+              <a:t> </a:t>
+            </a:r>
+            <a:r>
+              <a:rPr lang="en-US" dirty="0" err="1" smtClean="0"/>
+              <a:t>số</a:t>
+            </a:r>
+            <a:r>
+              <a:rPr lang="en-US" dirty="0" smtClean="0"/>
+              <a:t> </a:t>
+            </a:r>
+            <a:r>
+              <a:rPr lang="en-US" dirty="0" err="1" smtClean="0"/>
+              <a:t>dù</a:t>
+            </a:r>
+            <a:r>
+              <a:rPr lang="en-US" dirty="0" smtClean="0"/>
+              <a:t> </a:t>
+            </a:r>
+            <a:r>
+              <a:rPr lang="en-US" dirty="0" err="1" smtClean="0"/>
+              <a:t>luồng</a:t>
+            </a:r>
+            <a:r>
+              <a:rPr lang="en-US" dirty="0" smtClean="0"/>
+              <a:t> </a:t>
+            </a:r>
+            <a:r>
+              <a:rPr lang="en-US" dirty="0" err="1" smtClean="0"/>
+              <a:t>đi</a:t>
+            </a:r>
+            <a:r>
+              <a:rPr lang="en-US" dirty="0" smtClean="0"/>
+              <a:t> </a:t>
+            </a:r>
+            <a:r>
+              <a:rPr lang="en-US" dirty="0" err="1" smtClean="0"/>
+              <a:t>chương</a:t>
+            </a:r>
+            <a:r>
+              <a:rPr lang="en-US" dirty="0" smtClean="0"/>
+              <a:t> </a:t>
+            </a:r>
+            <a:r>
+              <a:rPr lang="en-US" dirty="0" err="1" smtClean="0"/>
+              <a:t>trình</a:t>
+            </a:r>
+            <a:r>
+              <a:rPr lang="en-US" dirty="0" smtClean="0"/>
+              <a:t> </a:t>
+            </a:r>
+            <a:r>
+              <a:rPr lang="en-US" dirty="0" err="1" smtClean="0"/>
+              <a:t>thế</a:t>
+            </a:r>
+            <a:r>
+              <a:rPr lang="en-US" dirty="0" smtClean="0"/>
+              <a:t> </a:t>
+            </a:r>
+            <a:r>
+              <a:rPr lang="en-US" dirty="0" err="1" smtClean="0"/>
+              <a:t>nào</a:t>
+            </a:r>
+            <a:r>
+              <a:rPr lang="en-US" dirty="0" smtClean="0"/>
+              <a:t>.</a:t>
+            </a:r>
+          </a:p>
+          <a:p>
+            <a:pPr marL="285750" indent="-285750">
+              <a:buFont typeface="Arial" charset="0"/>
+              <a:buChar char="•"/>
+            </a:pPr>
+            <a:r>
+              <a:rPr lang="en-US" dirty="0" err="1"/>
+              <a:t>Ngoài</a:t>
+            </a:r>
+            <a:r>
+              <a:rPr lang="en-US" dirty="0"/>
+              <a:t> </a:t>
+            </a:r>
+            <a:r>
+              <a:rPr lang="en-US" dirty="0" err="1"/>
+              <a:t>ra</a:t>
+            </a:r>
+            <a:r>
+              <a:rPr lang="en-US" dirty="0"/>
+              <a:t>, </a:t>
+            </a:r>
+            <a:r>
+              <a:rPr lang="en-US" dirty="0" err="1"/>
+              <a:t>phân</a:t>
+            </a:r>
+            <a:r>
+              <a:rPr lang="en-US" dirty="0"/>
+              <a:t> </a:t>
+            </a:r>
+            <a:r>
+              <a:rPr lang="en-US" dirty="0" err="1"/>
+              <a:t>tích</a:t>
+            </a:r>
+            <a:r>
+              <a:rPr lang="en-US" dirty="0"/>
+              <a:t> </a:t>
+            </a:r>
+            <a:r>
+              <a:rPr lang="en-US" dirty="0" err="1"/>
+              <a:t>này</a:t>
+            </a:r>
+            <a:r>
+              <a:rPr lang="en-US" dirty="0"/>
+              <a:t> </a:t>
+            </a:r>
+            <a:r>
+              <a:rPr lang="en-US" dirty="0" err="1"/>
+              <a:t>còn</a:t>
+            </a:r>
+            <a:r>
+              <a:rPr lang="en-US" dirty="0"/>
+              <a:t> </a:t>
+            </a:r>
+            <a:r>
+              <a:rPr lang="en-US" dirty="0" err="1"/>
+              <a:t>nhận</a:t>
+            </a:r>
+            <a:r>
+              <a:rPr lang="en-US" dirty="0"/>
+              <a:t> </a:t>
+            </a:r>
+            <a:r>
+              <a:rPr lang="en-US" dirty="0" err="1"/>
+              <a:t>biết</a:t>
+            </a:r>
+            <a:r>
+              <a:rPr lang="en-US" dirty="0"/>
+              <a:t> </a:t>
+            </a:r>
+            <a:r>
+              <a:rPr lang="en-US" dirty="0" err="1"/>
+              <a:t>được</a:t>
+            </a:r>
+            <a:r>
+              <a:rPr lang="en-US" dirty="0"/>
+              <a:t> </a:t>
+            </a:r>
+            <a:r>
+              <a:rPr lang="en-US" dirty="0" err="1"/>
+              <a:t>các</a:t>
+            </a:r>
+            <a:r>
+              <a:rPr lang="en-US" dirty="0"/>
+              <a:t> </a:t>
+            </a:r>
+            <a:r>
+              <a:rPr lang="en-US" dirty="0" err="1"/>
+              <a:t>biểu</a:t>
+            </a:r>
+            <a:r>
+              <a:rPr lang="en-US" dirty="0"/>
+              <a:t> </a:t>
+            </a:r>
+            <a:r>
+              <a:rPr lang="en-US" dirty="0" err="1"/>
+              <a:t>thức</a:t>
+            </a:r>
+            <a:r>
+              <a:rPr lang="en-US" dirty="0"/>
+              <a:t> </a:t>
+            </a:r>
+            <a:r>
+              <a:rPr lang="en-US" dirty="0" err="1"/>
+              <a:t>có</a:t>
+            </a:r>
+            <a:r>
+              <a:rPr lang="en-US" dirty="0"/>
+              <a:t> </a:t>
+            </a:r>
+            <a:r>
+              <a:rPr lang="en-US" dirty="0" err="1"/>
+              <a:t>giá</a:t>
+            </a:r>
+            <a:r>
+              <a:rPr lang="en-US" dirty="0"/>
+              <a:t> </a:t>
+            </a:r>
+            <a:r>
+              <a:rPr lang="en-US" dirty="0" err="1"/>
+              <a:t>trị</a:t>
+            </a:r>
+            <a:r>
+              <a:rPr lang="en-US" dirty="0"/>
+              <a:t> </a:t>
+            </a:r>
+            <a:r>
+              <a:rPr lang="en-US" dirty="0" err="1"/>
+              <a:t>giống</a:t>
+            </a:r>
+            <a:r>
+              <a:rPr lang="en-US" dirty="0"/>
+              <a:t> </a:t>
+            </a:r>
+            <a:r>
+              <a:rPr lang="en-US" dirty="0" err="1"/>
+              <a:t>nhau</a:t>
+            </a:r>
+            <a:r>
+              <a:rPr lang="en-US" dirty="0"/>
+              <a:t> </a:t>
+            </a:r>
+            <a:r>
+              <a:rPr lang="en-US" dirty="0" err="1"/>
+              <a:t>mặc</a:t>
+            </a:r>
+            <a:r>
+              <a:rPr lang="en-US" dirty="0"/>
+              <a:t> </a:t>
+            </a:r>
+            <a:r>
+              <a:rPr lang="en-US" dirty="0" err="1"/>
+              <a:t>dù</a:t>
+            </a:r>
+            <a:r>
+              <a:rPr lang="en-US" dirty="0"/>
+              <a:t> </a:t>
+            </a:r>
+            <a:r>
+              <a:rPr lang="en-US" dirty="0" err="1"/>
+              <a:t>hình</a:t>
+            </a:r>
+            <a:r>
+              <a:rPr lang="en-US" dirty="0"/>
+              <a:t> </a:t>
+            </a:r>
+            <a:r>
+              <a:rPr lang="en-US" dirty="0" err="1"/>
+              <a:t>thức</a:t>
+            </a:r>
+            <a:r>
+              <a:rPr lang="en-US" dirty="0"/>
+              <a:t> </a:t>
+            </a:r>
+            <a:r>
+              <a:rPr lang="en-US" dirty="0" err="1"/>
+              <a:t>bên</a:t>
+            </a:r>
+            <a:r>
+              <a:rPr lang="en-US" dirty="0"/>
+              <a:t> </a:t>
+            </a:r>
+            <a:r>
+              <a:rPr lang="en-US" dirty="0" err="1"/>
+              <a:t>ngoài</a:t>
+            </a:r>
+            <a:r>
+              <a:rPr lang="en-US" dirty="0"/>
+              <a:t> </a:t>
+            </a:r>
+            <a:r>
+              <a:rPr lang="en-US" dirty="0" err="1"/>
+              <a:t>khác</a:t>
+            </a:r>
+            <a:r>
+              <a:rPr lang="en-US" dirty="0"/>
+              <a:t> </a:t>
+            </a:r>
+            <a:r>
+              <a:rPr lang="en-US" dirty="0" err="1"/>
+              <a:t>nhau</a:t>
+            </a:r>
+            <a:r>
+              <a:rPr lang="en-US" dirty="0" smtClean="0"/>
+              <a:t>.</a:t>
+            </a:r>
+            <a:endParaRPr lang="en-US" dirty="0"/>
+          </a:p>
+        </p:txBody>
+      </p:sp>
+      <p:sp>
+        <p:nvSpPr>
+          <p:cNvPr id="5" name="Rectangle 4"/>
+          <p:cNvSpPr/>
+          <p:nvPr/>
+        </p:nvSpPr>
+        <p:spPr>
+          <a:xfrm>
+            <a:off x="1986980" y="4365269"/>
+            <a:ext cx="6096000" cy="1477328"/>
+          </a:xfrm>
+          <a:prstGeom prst="rect">
+            <a:avLst/>
+          </a:prstGeom>
+        </p:spPr>
+        <p:txBody>
+          <a:bodyPr>
+            <a:spAutoFit/>
+          </a:bodyPr>
+          <a:lstStyle/>
+          <a:p>
+            <a:r>
+              <a:rPr lang="en-US" dirty="0">
+                <a:solidFill>
+                  <a:schemeClr val="accent1">
+                    <a:lumMod val="75000"/>
+                  </a:schemeClr>
+                </a:solidFill>
+              </a:rPr>
+              <a:t>#DEFINE OPTIONS #</a:t>
+            </a:r>
+            <a:r>
+              <a:rPr lang="en-US" dirty="0" smtClean="0">
+                <a:solidFill>
+                  <a:schemeClr val="accent1">
+                    <a:lumMod val="75000"/>
+                  </a:schemeClr>
+                </a:solidFill>
+              </a:rPr>
+              <a:t>38</a:t>
+            </a:r>
+          </a:p>
+          <a:p>
+            <a:r>
+              <a:rPr lang="en-US" dirty="0" smtClean="0">
+                <a:solidFill>
+                  <a:schemeClr val="accent1">
+                    <a:lumMod val="75000"/>
+                  </a:schemeClr>
+                </a:solidFill>
+              </a:rPr>
+              <a:t>#</a:t>
+            </a:r>
+            <a:r>
+              <a:rPr lang="en-US" dirty="0">
+                <a:solidFill>
+                  <a:schemeClr val="accent1">
+                    <a:lumMod val="75000"/>
+                  </a:schemeClr>
+                </a:solidFill>
+              </a:rPr>
+              <a:t>DEFINE CLAMP #</a:t>
+            </a:r>
+            <a:r>
+              <a:rPr lang="en-US" dirty="0" smtClean="0">
+                <a:solidFill>
+                  <a:schemeClr val="accent1">
+                    <a:lumMod val="75000"/>
+                  </a:schemeClr>
+                </a:solidFill>
+              </a:rPr>
+              <a:t>37</a:t>
+            </a:r>
+          </a:p>
+          <a:p>
+            <a:r>
+              <a:rPr lang="en-US" dirty="0" smtClean="0">
+                <a:solidFill>
+                  <a:schemeClr val="accent1">
+                    <a:lumMod val="75000"/>
+                  </a:schemeClr>
+                </a:solidFill>
+              </a:rPr>
+              <a:t>...</a:t>
+            </a:r>
+          </a:p>
+          <a:p>
+            <a:r>
+              <a:rPr lang="en-US" dirty="0" smtClean="0">
+                <a:solidFill>
+                  <a:schemeClr val="accent1">
+                    <a:lumMod val="75000"/>
+                  </a:schemeClr>
+                </a:solidFill>
+              </a:rPr>
+              <a:t>MOV </a:t>
+            </a:r>
+            <a:r>
+              <a:rPr lang="en-US" dirty="0">
+                <a:solidFill>
+                  <a:schemeClr val="accent1">
+                    <a:lumMod val="75000"/>
+                  </a:schemeClr>
+                </a:solidFill>
+              </a:rPr>
+              <a:t>ACC, </a:t>
+            </a:r>
+            <a:r>
+              <a:rPr lang="en-US" dirty="0" smtClean="0">
+                <a:solidFill>
+                  <a:schemeClr val="accent1">
+                    <a:lumMod val="75000"/>
+                  </a:schemeClr>
+                </a:solidFill>
+              </a:rPr>
+              <a:t>OPTIONS</a:t>
+            </a:r>
+          </a:p>
+          <a:p>
+            <a:r>
+              <a:rPr lang="en-US" dirty="0" smtClean="0">
+                <a:solidFill>
+                  <a:schemeClr val="accent1">
+                    <a:lumMod val="75000"/>
+                  </a:schemeClr>
+                </a:solidFill>
+              </a:rPr>
+              <a:t>MOV </a:t>
+            </a:r>
+            <a:r>
+              <a:rPr lang="en-US" dirty="0">
+                <a:solidFill>
+                  <a:schemeClr val="accent1">
+                    <a:lumMod val="75000"/>
+                  </a:schemeClr>
+                </a:solidFill>
+              </a:rPr>
+              <a:t>ACC, CLAMP+1</a:t>
+            </a:r>
+          </a:p>
+        </p:txBody>
+      </p:sp>
+      <p:sp>
+        <p:nvSpPr>
+          <p:cNvPr id="6" name="Explosion 2 5"/>
+          <p:cNvSpPr/>
+          <p:nvPr/>
+        </p:nvSpPr>
+        <p:spPr>
+          <a:xfrm>
+            <a:off x="6168571" y="3651731"/>
+            <a:ext cx="6063017" cy="2487812"/>
+          </a:xfrm>
+          <a:prstGeom prst="irregularSeal2">
+            <a:avLst/>
+          </a:prstGeom>
+        </p:spPr>
+        <p:style>
+          <a:lnRef idx="2">
+            <a:schemeClr val="accent1">
+              <a:shade val="50000"/>
+            </a:schemeClr>
+          </a:lnRef>
+          <a:fillRef idx="1">
+            <a:schemeClr val="accent1"/>
+          </a:fillRef>
+          <a:effectRef idx="0">
+            <a:schemeClr val="accent1"/>
+          </a:effectRef>
+          <a:fontRef idx="minor">
+            <a:schemeClr val="lt1"/>
+          </a:fontRef>
+        </p:style>
+        <p:txBody>
+          <a:bodyPr rtlCol="0" anchor="ctr"/>
+          <a:lstStyle/>
+          <a:p>
+            <a:pPr algn="ctr"/>
+            <a:r>
+              <a:rPr lang="en-US" dirty="0" err="1" smtClean="0"/>
+              <a:t>Ở</a:t>
+            </a:r>
+            <a:r>
+              <a:rPr lang="en-US" dirty="0" smtClean="0"/>
+              <a:t> </a:t>
+            </a:r>
+            <a:r>
+              <a:rPr lang="en-US" dirty="0" err="1" smtClean="0"/>
+              <a:t>hai</a:t>
+            </a:r>
+            <a:r>
+              <a:rPr lang="en-US" dirty="0" smtClean="0"/>
+              <a:t> </a:t>
+            </a:r>
+            <a:r>
+              <a:rPr lang="en-US" dirty="0" err="1" smtClean="0"/>
+              <a:t>câu</a:t>
+            </a:r>
+            <a:r>
+              <a:rPr lang="en-US" dirty="0" smtClean="0"/>
+              <a:t> </a:t>
+            </a:r>
+            <a:r>
+              <a:rPr lang="en-US" dirty="0" err="1" smtClean="0"/>
+              <a:t>lệnh</a:t>
+            </a:r>
+            <a:r>
+              <a:rPr lang="en-US" dirty="0" smtClean="0"/>
+              <a:t> ACC </a:t>
+            </a:r>
+            <a:r>
+              <a:rPr lang="en-US" dirty="0" err="1" smtClean="0"/>
+              <a:t>đều</a:t>
+            </a:r>
+            <a:r>
+              <a:rPr lang="en-US" dirty="0" smtClean="0"/>
+              <a:t> </a:t>
+            </a:r>
+            <a:r>
+              <a:rPr lang="en-US" dirty="0" err="1" smtClean="0"/>
+              <a:t>mang</a:t>
+            </a:r>
+            <a:r>
+              <a:rPr lang="en-US" dirty="0" smtClean="0"/>
+              <a:t> </a:t>
+            </a:r>
+            <a:r>
+              <a:rPr lang="en-US" dirty="0" err="1" smtClean="0"/>
+              <a:t>giá</a:t>
+            </a:r>
+            <a:r>
+              <a:rPr lang="en-US" dirty="0" smtClean="0"/>
+              <a:t> </a:t>
+            </a:r>
+            <a:r>
+              <a:rPr lang="en-US" dirty="0" err="1" smtClean="0"/>
+              <a:t>trị</a:t>
+            </a:r>
+            <a:r>
+              <a:rPr lang="en-US" dirty="0" smtClean="0"/>
+              <a:t> </a:t>
+            </a:r>
+            <a:r>
+              <a:rPr lang="en-US" dirty="0" err="1" smtClean="0"/>
+              <a:t>vùng</a:t>
+            </a:r>
+            <a:r>
+              <a:rPr lang="en-US" dirty="0" smtClean="0"/>
+              <a:t> </a:t>
+            </a:r>
+            <a:r>
+              <a:rPr lang="en-US" dirty="0" err="1" smtClean="0"/>
+              <a:t>nhớ</a:t>
+            </a:r>
+            <a:r>
+              <a:rPr lang="en-US" dirty="0" smtClean="0"/>
+              <a:t> </a:t>
+            </a:r>
+            <a:r>
+              <a:rPr lang="en-US" dirty="0" err="1" smtClean="0"/>
+              <a:t>như</a:t>
+            </a:r>
+            <a:r>
+              <a:rPr lang="en-US" dirty="0" smtClean="0"/>
+              <a:t> </a:t>
+            </a:r>
+            <a:r>
+              <a:rPr lang="en-US" dirty="0" err="1" smtClean="0"/>
+              <a:t>nhau</a:t>
+            </a:r>
+            <a:r>
+              <a:rPr lang="en-US" dirty="0" smtClean="0"/>
+              <a:t> </a:t>
+            </a:r>
+            <a:r>
+              <a:rPr lang="en-US" dirty="0" err="1" smtClean="0"/>
+              <a:t>dù</a:t>
+            </a:r>
+            <a:r>
+              <a:rPr lang="en-US" dirty="0" smtClean="0"/>
+              <a:t> </a:t>
+            </a:r>
+            <a:r>
+              <a:rPr lang="en-US" dirty="0" err="1" smtClean="0"/>
+              <a:t>hình</a:t>
+            </a:r>
+            <a:r>
+              <a:rPr lang="en-US" dirty="0" smtClean="0"/>
+              <a:t> </a:t>
+            </a:r>
+            <a:r>
+              <a:rPr lang="en-US" dirty="0" err="1" smtClean="0"/>
+              <a:t>như</a:t>
+            </a:r>
+            <a:r>
+              <a:rPr lang="en-US" dirty="0" smtClean="0"/>
+              <a:t> </a:t>
+            </a:r>
+            <a:r>
+              <a:rPr lang="en-US" dirty="0" err="1" smtClean="0"/>
+              <a:t>khác</a:t>
+            </a:r>
+            <a:r>
+              <a:rPr lang="en-US" dirty="0" smtClean="0"/>
+              <a:t> </a:t>
+            </a:r>
+            <a:r>
+              <a:rPr lang="en-US" dirty="0" err="1" smtClean="0"/>
+              <a:t>nhau</a:t>
+            </a:r>
+            <a:endParaRPr lang="en-US" dirty="0"/>
+          </a:p>
+        </p:txBody>
+      </p:sp>
+      <p:sp>
+        <p:nvSpPr>
+          <p:cNvPr id="8" name="Right Arrow 7"/>
+          <p:cNvSpPr/>
+          <p:nvPr/>
+        </p:nvSpPr>
+        <p:spPr>
+          <a:xfrm>
+            <a:off x="4441371" y="4895637"/>
+            <a:ext cx="1611085" cy="416592"/>
+          </a:xfrm>
+          <a:prstGeom prst="rightArrow">
+            <a:avLst/>
+          </a:prstGeom>
+        </p:spPr>
+        <p:style>
+          <a:lnRef idx="2">
+            <a:schemeClr val="accent1">
+              <a:shade val="50000"/>
+            </a:schemeClr>
+          </a:lnRef>
+          <a:fillRef idx="1">
+            <a:schemeClr val="accent1"/>
+          </a:fillRef>
+          <a:effectRef idx="0">
+            <a:schemeClr val="accent1"/>
+          </a:effectRef>
+          <a:fontRef idx="minor">
+            <a:schemeClr val="lt1"/>
+          </a:fontRef>
+        </p:style>
+        <p:txBody>
+          <a:bodyPr rtlCol="0" anchor="ctr"/>
+          <a:lstStyle/>
+          <a:p>
+            <a:pPr algn="ctr"/>
+            <a:endParaRPr lang="en-US"/>
+          </a:p>
+        </p:txBody>
+      </p:sp>
+    </p:spTree>
+    <p:extLst>
+      <p:ext uri="{BB962C8B-B14F-4D97-AF65-F5344CB8AC3E}">
+        <p14:creationId xmlns:p14="http://schemas.microsoft.com/office/powerpoint/2010/main" val="1857514657"/>
+      </p:ext>
+    </p:extLst>
+  </p:cSld>
+  <p:clrMapOvr>
+    <a:masterClrMapping/>
+  </p:clrMapOvr>
+</p:sld>
+</file>
+
+<file path=ppt/slides/slide33.xml><?xml version="1.0" encoding="utf-8"?>
+<p:sld xmlns:a="http://schemas.openxmlformats.org/drawingml/2006/main" xmlns:r="http://schemas.openxmlformats.org/officeDocument/2006/relationships" xmlns:p="http://schemas.openxmlformats.org/presentationml/2006/main">
+  <p:cSld>
+    <p:spTree>
+      <p:nvGrpSpPr>
+        <p:cNvPr id="1" name=""/>
+        <p:cNvGrpSpPr/>
+        <p:nvPr/>
+      </p:nvGrpSpPr>
+      <p:grpSpPr>
+        <a:xfrm>
+          <a:off x="0" y="0"/>
+          <a:ext cx="0" cy="0"/>
+          <a:chOff x="0" y="0"/>
+          <a:chExt cx="0" cy="0"/>
+        </a:xfrm>
+      </p:grpSpPr>
+      <p:sp>
+        <p:nvSpPr>
+          <p:cNvPr id="2" name="Title 1"/>
+          <p:cNvSpPr>
+            <a:spLocks noGrp="1"/>
+          </p:cNvSpPr>
+          <p:nvPr>
+            <p:ph type="title"/>
+          </p:nvPr>
+        </p:nvSpPr>
+        <p:spPr>
+          <a:xfrm>
+            <a:off x="1614939" y="0"/>
+            <a:ext cx="10018713" cy="1752599"/>
+          </a:xfrm>
+        </p:spPr>
+        <p:txBody>
+          <a:bodyPr/>
+          <a:lstStyle/>
+          <a:p>
+            <a:r>
+              <a:rPr lang="en-US" dirty="0" smtClean="0"/>
+              <a:t>3.2 </a:t>
+            </a:r>
+            <a:r>
+              <a:rPr lang="en-US" dirty="0" err="1" smtClean="0"/>
+              <a:t>Suy</a:t>
+            </a:r>
+            <a:r>
+              <a:rPr lang="en-US" dirty="0" smtClean="0"/>
+              <a:t> </a:t>
+            </a:r>
+            <a:r>
+              <a:rPr lang="en-US" dirty="0" err="1" smtClean="0"/>
+              <a:t>luận</a:t>
+            </a:r>
+            <a:r>
+              <a:rPr lang="en-US" dirty="0" smtClean="0"/>
+              <a:t> </a:t>
+            </a:r>
+            <a:r>
+              <a:rPr lang="en-US" dirty="0" err="1" smtClean="0"/>
+              <a:t>kiểu</a:t>
+            </a:r>
+            <a:r>
+              <a:rPr lang="en-US" dirty="0" smtClean="0"/>
+              <a:t> </a:t>
+            </a:r>
+            <a:r>
+              <a:rPr lang="mr-IN" dirty="0" smtClean="0"/>
+              <a:t>–</a:t>
+            </a:r>
+            <a:r>
+              <a:rPr lang="en-US" dirty="0"/>
+              <a:t> </a:t>
+            </a:r>
+            <a:r>
+              <a:rPr lang="en-US" dirty="0" err="1"/>
+              <a:t>Tìm</a:t>
+            </a:r>
+            <a:r>
+              <a:rPr lang="en-US" dirty="0"/>
+              <a:t> </a:t>
+            </a:r>
+            <a:r>
+              <a:rPr lang="en-US" dirty="0" err="1"/>
+              <a:t>kiếm</a:t>
+            </a:r>
+            <a:r>
+              <a:rPr lang="en-US" dirty="0"/>
+              <a:t> </a:t>
+            </a:r>
+            <a:r>
+              <a:rPr lang="en-US" dirty="0" err="1"/>
+              <a:t>mối</a:t>
+            </a:r>
+            <a:r>
+              <a:rPr lang="en-US" dirty="0"/>
+              <a:t> </a:t>
+            </a:r>
+            <a:r>
+              <a:rPr lang="en-US" dirty="0" err="1"/>
+              <a:t>quan</a:t>
+            </a:r>
+            <a:r>
+              <a:rPr lang="en-US" dirty="0"/>
+              <a:t> </a:t>
+            </a:r>
+            <a:r>
+              <a:rPr lang="en-US" dirty="0" err="1"/>
+              <a:t>hệ</a:t>
+            </a:r>
+            <a:r>
+              <a:rPr lang="en-US" dirty="0"/>
+              <a:t> </a:t>
+            </a:r>
+            <a:r>
+              <a:rPr lang="en-US" dirty="0" err="1"/>
+              <a:t>giữa</a:t>
+            </a:r>
+            <a:r>
+              <a:rPr lang="en-US" dirty="0"/>
+              <a:t> </a:t>
+            </a:r>
+            <a:r>
+              <a:rPr lang="en-US" dirty="0" err="1"/>
+              <a:t>các</a:t>
+            </a:r>
+            <a:r>
+              <a:rPr lang="en-US" dirty="0"/>
+              <a:t> </a:t>
+            </a:r>
+            <a:r>
+              <a:rPr lang="en-US" dirty="0" err="1"/>
+              <a:t>biến</a:t>
+            </a:r>
+            <a:r>
+              <a:rPr lang="en-US" dirty="0"/>
+              <a:t>  </a:t>
+            </a:r>
+          </a:p>
+        </p:txBody>
+      </p:sp>
+      <p:sp>
+        <p:nvSpPr>
+          <p:cNvPr id="19" name="TextBox 18"/>
+          <p:cNvSpPr txBox="1"/>
+          <p:nvPr/>
+        </p:nvSpPr>
+        <p:spPr>
+          <a:xfrm>
+            <a:off x="12046857" y="5936343"/>
+            <a:ext cx="184731" cy="369332"/>
+          </a:xfrm>
+          <a:prstGeom prst="rect">
+            <a:avLst/>
+          </a:prstGeom>
+          <a:noFill/>
+        </p:spPr>
+        <p:txBody>
+          <a:bodyPr wrap="none" rtlCol="0">
+            <a:spAutoFit/>
+          </a:bodyPr>
+          <a:lstStyle/>
+          <a:p>
+            <a:endParaRPr lang="en-US"/>
+          </a:p>
+        </p:txBody>
+      </p:sp>
+      <p:sp>
+        <p:nvSpPr>
+          <p:cNvPr id="4" name="TextBox 3"/>
+          <p:cNvSpPr txBox="1"/>
+          <p:nvPr/>
+        </p:nvSpPr>
+        <p:spPr>
+          <a:xfrm>
+            <a:off x="1986980" y="1937265"/>
+            <a:ext cx="9274629" cy="3416320"/>
+          </a:xfrm>
+          <a:prstGeom prst="rect">
+            <a:avLst/>
+          </a:prstGeom>
+          <a:noFill/>
+        </p:spPr>
+        <p:txBody>
+          <a:bodyPr wrap="square" rtlCol="0">
+            <a:spAutoFit/>
+          </a:bodyPr>
+          <a:lstStyle/>
+          <a:p>
+            <a:r>
+              <a:rPr lang="en-US" dirty="0" err="1" smtClean="0"/>
+              <a:t>Giải</a:t>
+            </a:r>
+            <a:r>
+              <a:rPr lang="en-US" dirty="0" smtClean="0"/>
+              <a:t> </a:t>
+            </a:r>
+            <a:r>
+              <a:rPr lang="en-US" dirty="0" err="1" smtClean="0"/>
+              <a:t>pháp</a:t>
+            </a:r>
+            <a:r>
+              <a:rPr lang="en-US" dirty="0" smtClean="0"/>
+              <a:t> Constant propagation </a:t>
+            </a:r>
+            <a:r>
+              <a:rPr lang="en-US" dirty="0" err="1" smtClean="0"/>
+              <a:t>trả</a:t>
+            </a:r>
+            <a:r>
+              <a:rPr lang="en-US" dirty="0" smtClean="0"/>
+              <a:t> </a:t>
+            </a:r>
+            <a:r>
+              <a:rPr lang="en-US" dirty="0" err="1" smtClean="0"/>
+              <a:t>về</a:t>
+            </a:r>
+            <a:r>
+              <a:rPr lang="en-US" dirty="0" smtClean="0"/>
+              <a:t> </a:t>
+            </a:r>
+            <a:r>
+              <a:rPr lang="en-US" dirty="0" err="1" smtClean="0"/>
+              <a:t>giá</a:t>
+            </a:r>
+            <a:r>
+              <a:rPr lang="en-US" dirty="0" smtClean="0"/>
+              <a:t> </a:t>
+            </a:r>
+            <a:r>
+              <a:rPr lang="en-US" dirty="0" err="1" smtClean="0"/>
+              <a:t>trị</a:t>
+            </a:r>
+            <a:r>
+              <a:rPr lang="en-US" dirty="0" smtClean="0"/>
+              <a:t> </a:t>
+            </a:r>
+            <a:r>
+              <a:rPr lang="en-US" dirty="0" err="1" smtClean="0"/>
+              <a:t>thực</a:t>
+            </a:r>
+            <a:r>
+              <a:rPr lang="en-US" dirty="0" smtClean="0"/>
+              <a:t> </a:t>
+            </a:r>
+            <a:r>
+              <a:rPr lang="en-US" dirty="0" err="1" smtClean="0"/>
+              <a:t>sự</a:t>
+            </a:r>
+            <a:r>
+              <a:rPr lang="en-US" dirty="0" smtClean="0"/>
+              <a:t> (con </a:t>
+            </a:r>
+            <a:r>
+              <a:rPr lang="en-US" dirty="0" err="1" smtClean="0"/>
+              <a:t>số</a:t>
+            </a:r>
+            <a:r>
+              <a:rPr lang="en-US" dirty="0" smtClean="0"/>
+              <a:t>) </a:t>
+            </a:r>
+            <a:r>
+              <a:rPr lang="en-US" dirty="0" err="1" smtClean="0"/>
+              <a:t>của</a:t>
+            </a:r>
+            <a:r>
+              <a:rPr lang="en-US" dirty="0" smtClean="0"/>
+              <a:t> </a:t>
+            </a:r>
+            <a:r>
+              <a:rPr lang="en-US" dirty="0" err="1" smtClean="0"/>
+              <a:t>một</a:t>
+            </a:r>
+            <a:r>
+              <a:rPr lang="en-US" dirty="0" smtClean="0"/>
+              <a:t> </a:t>
+            </a:r>
+            <a:r>
+              <a:rPr lang="en-US" dirty="0" err="1" smtClean="0"/>
+              <a:t>biến</a:t>
+            </a:r>
+            <a:r>
+              <a:rPr lang="en-US" dirty="0" smtClean="0"/>
+              <a:t>. </a:t>
+            </a:r>
+            <a:r>
+              <a:rPr lang="en-US" dirty="0" err="1" smtClean="0"/>
+              <a:t>Nhưng</a:t>
+            </a:r>
+            <a:r>
+              <a:rPr lang="en-US" dirty="0" smtClean="0"/>
+              <a:t> </a:t>
+            </a:r>
+            <a:r>
+              <a:rPr lang="en-US" dirty="0" err="1" smtClean="0"/>
+              <a:t>mối</a:t>
+            </a:r>
+            <a:r>
+              <a:rPr lang="en-US" dirty="0" smtClean="0"/>
+              <a:t> </a:t>
+            </a:r>
+            <a:r>
+              <a:rPr lang="en-US" dirty="0" err="1" smtClean="0"/>
+              <a:t>quan</a:t>
+            </a:r>
+            <a:r>
+              <a:rPr lang="en-US" dirty="0" smtClean="0"/>
+              <a:t> </a:t>
+            </a:r>
+            <a:r>
+              <a:rPr lang="en-US" dirty="0" err="1" smtClean="0"/>
+              <a:t>hệ</a:t>
+            </a:r>
+            <a:r>
+              <a:rPr lang="en-US" dirty="0" smtClean="0"/>
+              <a:t> </a:t>
+            </a:r>
+            <a:r>
+              <a:rPr lang="en-US" dirty="0" err="1" smtClean="0"/>
+              <a:t>cần</a:t>
+            </a:r>
+            <a:r>
+              <a:rPr lang="en-US" dirty="0" smtClean="0"/>
+              <a:t> </a:t>
+            </a:r>
+            <a:r>
+              <a:rPr lang="en-US" dirty="0" err="1" smtClean="0"/>
+              <a:t>tìm</a:t>
+            </a:r>
+            <a:r>
+              <a:rPr lang="en-US" dirty="0" smtClean="0"/>
+              <a:t> </a:t>
+            </a:r>
+            <a:r>
+              <a:rPr lang="en-US" dirty="0" err="1" smtClean="0"/>
+              <a:t>kiếm</a:t>
+            </a:r>
+            <a:r>
+              <a:rPr lang="en-US" dirty="0" smtClean="0"/>
+              <a:t> </a:t>
+            </a:r>
+            <a:r>
+              <a:rPr lang="en-US" dirty="0" err="1" smtClean="0"/>
+              <a:t>là</a:t>
+            </a:r>
+            <a:r>
+              <a:rPr lang="en-US" dirty="0" smtClean="0"/>
+              <a:t> </a:t>
+            </a:r>
+            <a:r>
+              <a:rPr lang="en-US" dirty="0" err="1" smtClean="0"/>
+              <a:t>giữa</a:t>
+            </a:r>
+            <a:r>
+              <a:rPr lang="en-US" dirty="0" smtClean="0"/>
+              <a:t> </a:t>
+            </a:r>
+            <a:r>
+              <a:rPr lang="en-US" dirty="0" err="1" smtClean="0"/>
+              <a:t>biến</a:t>
+            </a:r>
+            <a:r>
+              <a:rPr lang="en-US" dirty="0" smtClean="0"/>
+              <a:t> byte </a:t>
+            </a:r>
+            <a:r>
+              <a:rPr lang="mr-IN" dirty="0" smtClean="0"/>
+              <a:t>–</a:t>
+            </a:r>
+            <a:r>
+              <a:rPr lang="en-US" dirty="0" smtClean="0"/>
+              <a:t> </a:t>
+            </a:r>
+            <a:r>
+              <a:rPr lang="en-US" dirty="0" err="1" smtClean="0"/>
+              <a:t>biến</a:t>
+            </a:r>
+            <a:r>
+              <a:rPr lang="en-US" dirty="0" smtClean="0"/>
+              <a:t> bit. </a:t>
+            </a:r>
+            <a:r>
+              <a:rPr lang="en-US" dirty="0" err="1" smtClean="0"/>
+              <a:t>Vì</a:t>
+            </a:r>
+            <a:r>
+              <a:rPr lang="en-US" dirty="0" smtClean="0"/>
+              <a:t> </a:t>
+            </a:r>
+            <a:r>
+              <a:rPr lang="en-US" dirty="0" err="1" smtClean="0"/>
+              <a:t>vậy</a:t>
+            </a:r>
+            <a:r>
+              <a:rPr lang="en-US" dirty="0" smtClean="0"/>
+              <a:t>, </a:t>
+            </a:r>
+            <a:r>
+              <a:rPr lang="en-US" dirty="0" err="1" smtClean="0"/>
+              <a:t>cần</a:t>
+            </a:r>
+            <a:r>
+              <a:rPr lang="en-US" dirty="0" smtClean="0"/>
+              <a:t> </a:t>
+            </a:r>
+            <a:r>
+              <a:rPr lang="en-US" dirty="0" err="1" smtClean="0"/>
+              <a:t>có</a:t>
+            </a:r>
+            <a:r>
+              <a:rPr lang="en-US" dirty="0" smtClean="0"/>
+              <a:t> </a:t>
+            </a:r>
+            <a:r>
+              <a:rPr lang="en-US" dirty="0" err="1" smtClean="0"/>
+              <a:t>một</a:t>
+            </a:r>
+            <a:r>
+              <a:rPr lang="en-US" dirty="0" smtClean="0"/>
+              <a:t> </a:t>
+            </a:r>
+            <a:r>
+              <a:rPr lang="en-US" dirty="0" err="1" smtClean="0"/>
+              <a:t>giải</a:t>
+            </a:r>
+            <a:r>
+              <a:rPr lang="en-US" dirty="0" smtClean="0"/>
+              <a:t> </a:t>
+            </a:r>
+            <a:r>
+              <a:rPr lang="en-US" dirty="0" err="1" smtClean="0"/>
+              <a:t>pháp</a:t>
+            </a:r>
+            <a:r>
+              <a:rPr lang="en-US" dirty="0" smtClean="0"/>
+              <a:t> </a:t>
+            </a:r>
+            <a:r>
+              <a:rPr lang="en-US" dirty="0" err="1" smtClean="0"/>
+              <a:t>để</a:t>
+            </a:r>
+            <a:r>
+              <a:rPr lang="en-US" dirty="0" smtClean="0"/>
+              <a:t> </a:t>
+            </a:r>
+            <a:r>
+              <a:rPr lang="en-US" dirty="0" err="1" smtClean="0"/>
+              <a:t>chuyển</a:t>
+            </a:r>
+            <a:r>
+              <a:rPr lang="en-US" dirty="0" smtClean="0"/>
+              <a:t> </a:t>
+            </a:r>
+            <a:r>
+              <a:rPr lang="en-US" dirty="0" err="1" smtClean="0"/>
+              <a:t>đổi</a:t>
+            </a:r>
+            <a:r>
+              <a:rPr lang="en-US" dirty="0" smtClean="0"/>
+              <a:t> </a:t>
+            </a:r>
+            <a:r>
+              <a:rPr lang="en-US" dirty="0" err="1" smtClean="0"/>
+              <a:t>giữa</a:t>
+            </a:r>
+            <a:r>
+              <a:rPr lang="en-US" dirty="0" smtClean="0"/>
+              <a:t> con </a:t>
+            </a:r>
+            <a:r>
+              <a:rPr lang="en-US" dirty="0" err="1" smtClean="0"/>
+              <a:t>số</a:t>
+            </a:r>
+            <a:r>
+              <a:rPr lang="en-US" dirty="0" smtClean="0"/>
+              <a:t> </a:t>
+            </a:r>
+            <a:r>
+              <a:rPr lang="en-US" dirty="0" err="1" smtClean="0"/>
+              <a:t>đó</a:t>
+            </a:r>
+            <a:r>
+              <a:rPr lang="en-US" dirty="0" smtClean="0"/>
+              <a:t> </a:t>
+            </a:r>
+            <a:r>
+              <a:rPr lang="en-US" dirty="0" err="1" smtClean="0"/>
+              <a:t>thành</a:t>
+            </a:r>
+            <a:r>
+              <a:rPr lang="en-US" dirty="0" smtClean="0"/>
+              <a:t> </a:t>
+            </a:r>
+            <a:r>
+              <a:rPr lang="en-US" dirty="0" err="1" smtClean="0"/>
+              <a:t>biến</a:t>
+            </a:r>
+            <a:r>
+              <a:rPr lang="en-US" dirty="0" smtClean="0"/>
+              <a:t> byte </a:t>
+            </a:r>
+            <a:r>
+              <a:rPr lang="en-US" dirty="0" err="1" smtClean="0"/>
+              <a:t>đại</a:t>
+            </a:r>
+            <a:r>
+              <a:rPr lang="en-US" dirty="0" smtClean="0"/>
+              <a:t> </a:t>
+            </a:r>
+            <a:r>
+              <a:rPr lang="en-US" dirty="0" err="1" smtClean="0"/>
+              <a:t>diện</a:t>
+            </a:r>
+            <a:r>
+              <a:rPr lang="en-US" dirty="0" smtClean="0"/>
+              <a:t> </a:t>
+            </a:r>
+            <a:r>
+              <a:rPr lang="en-US" dirty="0" err="1" smtClean="0"/>
+              <a:t>cho</a:t>
+            </a:r>
+            <a:r>
+              <a:rPr lang="en-US" dirty="0" smtClean="0"/>
+              <a:t> </a:t>
+            </a:r>
+            <a:r>
+              <a:rPr lang="en-US" dirty="0" err="1" smtClean="0"/>
+              <a:t>nó</a:t>
+            </a:r>
+            <a:r>
+              <a:rPr lang="en-US" dirty="0" smtClean="0"/>
+              <a:t>. </a:t>
+            </a:r>
+            <a:r>
+              <a:rPr lang="en-US" dirty="0" err="1" smtClean="0"/>
+              <a:t>Có</a:t>
+            </a:r>
+            <a:r>
+              <a:rPr lang="en-US" dirty="0" smtClean="0"/>
+              <a:t> 2 </a:t>
+            </a:r>
+            <a:r>
+              <a:rPr lang="en-US" dirty="0" err="1" smtClean="0"/>
+              <a:t>phương</a:t>
+            </a:r>
+            <a:r>
+              <a:rPr lang="en-US" dirty="0" smtClean="0"/>
+              <a:t> </a:t>
+            </a:r>
+            <a:r>
+              <a:rPr lang="en-US" dirty="0" err="1" smtClean="0"/>
+              <a:t>pháp</a:t>
+            </a:r>
+            <a:r>
+              <a:rPr lang="en-US" dirty="0" smtClean="0"/>
+              <a:t> </a:t>
+            </a:r>
+            <a:r>
+              <a:rPr lang="en-US" dirty="0" err="1" smtClean="0"/>
+              <a:t>để</a:t>
+            </a:r>
+            <a:r>
+              <a:rPr lang="en-US" dirty="0" smtClean="0"/>
+              <a:t> </a:t>
+            </a:r>
+            <a:r>
+              <a:rPr lang="en-US" dirty="0" err="1" smtClean="0"/>
+              <a:t>thực</a:t>
+            </a:r>
+            <a:r>
+              <a:rPr lang="en-US" dirty="0" smtClean="0"/>
+              <a:t> </a:t>
+            </a:r>
+            <a:r>
+              <a:rPr lang="en-US" dirty="0" err="1" smtClean="0"/>
+              <a:t>hiện</a:t>
+            </a:r>
+            <a:r>
+              <a:rPr lang="en-US" dirty="0" smtClean="0"/>
+              <a:t> </a:t>
+            </a:r>
+            <a:r>
+              <a:rPr lang="en-US" dirty="0" err="1" smtClean="0"/>
+              <a:t>việc</a:t>
+            </a:r>
+            <a:r>
+              <a:rPr lang="en-US" dirty="0" smtClean="0"/>
+              <a:t> </a:t>
+            </a:r>
+            <a:r>
+              <a:rPr lang="en-US" dirty="0" err="1" smtClean="0"/>
+              <a:t>đó</a:t>
+            </a:r>
+            <a:r>
+              <a:rPr lang="en-US" dirty="0" smtClean="0"/>
+              <a:t>:</a:t>
+            </a:r>
+          </a:p>
+          <a:p>
+            <a:pPr marL="285750" indent="-285750">
+              <a:buFont typeface="Arial" charset="0"/>
+              <a:buChar char="•"/>
+            </a:pPr>
+            <a:r>
+              <a:rPr lang="en-US" dirty="0" err="1" smtClean="0"/>
+              <a:t>Ở</a:t>
+            </a:r>
+            <a:r>
+              <a:rPr lang="en-US" dirty="0" smtClean="0"/>
+              <a:t> </a:t>
+            </a:r>
+            <a:r>
+              <a:rPr lang="en-US" dirty="0" err="1"/>
+              <a:t>bất</a:t>
+            </a:r>
+            <a:r>
+              <a:rPr lang="en-US" dirty="0"/>
+              <a:t> </a:t>
+            </a:r>
+            <a:r>
+              <a:rPr lang="en-US" dirty="0" err="1"/>
+              <a:t>kỳ</a:t>
+            </a:r>
+            <a:r>
+              <a:rPr lang="en-US" dirty="0"/>
+              <a:t> </a:t>
+            </a:r>
+            <a:r>
+              <a:rPr lang="en-US" dirty="0" err="1"/>
+              <a:t>vị</a:t>
+            </a:r>
+            <a:r>
+              <a:rPr lang="en-US" dirty="0"/>
+              <a:t> </a:t>
+            </a:r>
+            <a:r>
+              <a:rPr lang="en-US" dirty="0" err="1"/>
+              <a:t>trí</a:t>
+            </a:r>
+            <a:r>
+              <a:rPr lang="en-US" dirty="0"/>
+              <a:t> </a:t>
+            </a:r>
+            <a:r>
+              <a:rPr lang="en-US" dirty="0" err="1"/>
+              <a:t>nào</a:t>
+            </a:r>
+            <a:r>
+              <a:rPr lang="en-US" dirty="0"/>
+              <a:t> </a:t>
+            </a:r>
+            <a:r>
+              <a:rPr lang="en-US" dirty="0" err="1"/>
+              <a:t>cần</a:t>
+            </a:r>
+            <a:r>
+              <a:rPr lang="en-US" dirty="0"/>
+              <a:t> </a:t>
+            </a:r>
+            <a:r>
+              <a:rPr lang="en-US" dirty="0" err="1"/>
+              <a:t>biết</a:t>
+            </a:r>
+            <a:r>
+              <a:rPr lang="en-US" dirty="0"/>
+              <a:t> </a:t>
+            </a:r>
+            <a:r>
+              <a:rPr lang="en-US" dirty="0" err="1"/>
+              <a:t>được</a:t>
+            </a:r>
+            <a:r>
+              <a:rPr lang="en-US" dirty="0"/>
+              <a:t> </a:t>
+            </a:r>
+            <a:r>
+              <a:rPr lang="en-US" dirty="0" err="1"/>
+              <a:t>biến</a:t>
+            </a:r>
+            <a:r>
+              <a:rPr lang="en-US" dirty="0"/>
+              <a:t> byte </a:t>
+            </a:r>
+            <a:r>
+              <a:rPr lang="en-US" dirty="0" err="1"/>
+              <a:t>đang</a:t>
+            </a:r>
+            <a:r>
+              <a:rPr lang="en-US" dirty="0"/>
+              <a:t> </a:t>
+            </a:r>
+            <a:r>
+              <a:rPr lang="en-US" dirty="0" err="1"/>
+              <a:t>quy</a:t>
+            </a:r>
+            <a:r>
+              <a:rPr lang="en-US" dirty="0"/>
+              <a:t> </a:t>
+            </a:r>
+            <a:r>
+              <a:rPr lang="en-US" dirty="0" err="1"/>
+              <a:t>định</a:t>
+            </a:r>
+            <a:r>
+              <a:rPr lang="en-US" dirty="0"/>
+              <a:t> </a:t>
+            </a:r>
+            <a:r>
+              <a:rPr lang="en-US" dirty="0" err="1"/>
+              <a:t>vùng</a:t>
+            </a:r>
+            <a:r>
+              <a:rPr lang="en-US" dirty="0"/>
+              <a:t> </a:t>
+            </a:r>
+            <a:r>
+              <a:rPr lang="en-US" dirty="0" err="1"/>
+              <a:t>nhớ</a:t>
+            </a:r>
+            <a:r>
+              <a:rPr lang="en-US" dirty="0"/>
+              <a:t> </a:t>
+            </a:r>
+            <a:r>
+              <a:rPr lang="en-US" dirty="0" err="1"/>
+              <a:t>lưu</a:t>
+            </a:r>
+            <a:r>
+              <a:rPr lang="en-US" dirty="0"/>
+              <a:t> </a:t>
+            </a:r>
+            <a:r>
+              <a:rPr lang="en-US" dirty="0" err="1"/>
+              <a:t>bởi</a:t>
+            </a:r>
+            <a:r>
+              <a:rPr lang="en-US" dirty="0"/>
+              <a:t> ACC, </a:t>
+            </a:r>
+            <a:r>
+              <a:rPr lang="en-US" dirty="0" err="1"/>
+              <a:t>lấy</a:t>
+            </a:r>
+            <a:r>
+              <a:rPr lang="en-US" dirty="0"/>
+              <a:t> </a:t>
+            </a:r>
+            <a:r>
+              <a:rPr lang="en-US" dirty="0" err="1"/>
+              <a:t>giá</a:t>
+            </a:r>
+            <a:r>
+              <a:rPr lang="en-US" dirty="0"/>
+              <a:t> </a:t>
+            </a:r>
+            <a:r>
+              <a:rPr lang="en-US" dirty="0" err="1"/>
+              <a:t>trị</a:t>
+            </a:r>
+            <a:r>
+              <a:rPr lang="en-US" dirty="0"/>
+              <a:t> </a:t>
+            </a:r>
+            <a:r>
+              <a:rPr lang="en-US" dirty="0" err="1"/>
+              <a:t>thực</a:t>
+            </a:r>
+            <a:r>
+              <a:rPr lang="en-US" dirty="0"/>
+              <a:t> </a:t>
+            </a:r>
+            <a:r>
+              <a:rPr lang="en-US" dirty="0" err="1"/>
+              <a:t>sự</a:t>
+            </a:r>
+            <a:r>
+              <a:rPr lang="en-US" dirty="0"/>
+              <a:t> </a:t>
+            </a:r>
+            <a:r>
+              <a:rPr lang="en-US" dirty="0" err="1"/>
+              <a:t>của</a:t>
+            </a:r>
+            <a:r>
+              <a:rPr lang="en-US" dirty="0"/>
+              <a:t> </a:t>
+            </a:r>
+            <a:r>
+              <a:rPr lang="en-US" dirty="0" err="1"/>
+              <a:t>địa</a:t>
+            </a:r>
+            <a:r>
+              <a:rPr lang="en-US" dirty="0"/>
+              <a:t> </a:t>
+            </a:r>
+            <a:r>
+              <a:rPr lang="en-US" dirty="0" err="1"/>
+              <a:t>chỉ</a:t>
+            </a:r>
+            <a:r>
+              <a:rPr lang="en-US" dirty="0"/>
+              <a:t> </a:t>
+            </a:r>
+            <a:r>
+              <a:rPr lang="en-US" dirty="0" err="1"/>
+              <a:t>vùng</a:t>
+            </a:r>
+            <a:r>
+              <a:rPr lang="en-US" dirty="0"/>
+              <a:t> </a:t>
+            </a:r>
+            <a:r>
+              <a:rPr lang="en-US" dirty="0" err="1"/>
+              <a:t>nhớ</a:t>
+            </a:r>
+            <a:r>
+              <a:rPr lang="en-US" dirty="0"/>
+              <a:t> </a:t>
+            </a:r>
+            <a:r>
+              <a:rPr lang="en-US" dirty="0" err="1"/>
+              <a:t>đó</a:t>
+            </a:r>
+            <a:r>
+              <a:rPr lang="en-US" dirty="0"/>
+              <a:t> </a:t>
+            </a:r>
+            <a:r>
+              <a:rPr lang="en-US" dirty="0" err="1"/>
+              <a:t>và</a:t>
+            </a:r>
+            <a:r>
+              <a:rPr lang="en-US" dirty="0"/>
+              <a:t> </a:t>
+            </a:r>
+            <a:r>
+              <a:rPr lang="en-US" dirty="0" err="1"/>
+              <a:t>dò</a:t>
+            </a:r>
+            <a:r>
+              <a:rPr lang="en-US" dirty="0"/>
+              <a:t> </a:t>
+            </a:r>
+            <a:r>
+              <a:rPr lang="en-US" dirty="0" err="1"/>
+              <a:t>tìm</a:t>
+            </a:r>
+            <a:r>
+              <a:rPr lang="en-US" dirty="0"/>
+              <a:t> </a:t>
+            </a:r>
+            <a:r>
+              <a:rPr lang="en-US" dirty="0" err="1"/>
+              <a:t>trong</a:t>
+            </a:r>
+            <a:r>
+              <a:rPr lang="en-US" dirty="0"/>
+              <a:t> </a:t>
+            </a:r>
+            <a:r>
+              <a:rPr lang="en-US" dirty="0" err="1"/>
+              <a:t>bảng</a:t>
+            </a:r>
+            <a:r>
+              <a:rPr lang="en-US" dirty="0"/>
+              <a:t> </a:t>
+            </a:r>
+            <a:r>
+              <a:rPr lang="en-US" dirty="0" err="1"/>
+              <a:t>lưu</a:t>
+            </a:r>
+            <a:r>
+              <a:rPr lang="en-US" dirty="0"/>
+              <a:t> </a:t>
+            </a:r>
+            <a:r>
+              <a:rPr lang="en-US" dirty="0" err="1"/>
+              <a:t>trữ</a:t>
+            </a:r>
+            <a:r>
+              <a:rPr lang="en-US" dirty="0"/>
+              <a:t> </a:t>
+            </a:r>
+            <a:r>
+              <a:rPr lang="en-US" dirty="0" err="1"/>
+              <a:t>dữ</a:t>
+            </a:r>
+            <a:r>
+              <a:rPr lang="en-US" dirty="0"/>
+              <a:t> </a:t>
+            </a:r>
+            <a:r>
+              <a:rPr lang="en-US" dirty="0" err="1"/>
+              <a:t>liệu</a:t>
+            </a:r>
+            <a:r>
+              <a:rPr lang="en-US" dirty="0"/>
+              <a:t> </a:t>
+            </a:r>
+            <a:r>
+              <a:rPr lang="en-US" dirty="0" err="1"/>
+              <a:t>các</a:t>
+            </a:r>
+            <a:r>
+              <a:rPr lang="en-US" dirty="0"/>
+              <a:t> </a:t>
+            </a:r>
+            <a:r>
+              <a:rPr lang="en-US" dirty="0" err="1"/>
+              <a:t>câu</a:t>
+            </a:r>
+            <a:r>
+              <a:rPr lang="en-US" dirty="0"/>
+              <a:t> </a:t>
+            </a:r>
+            <a:r>
+              <a:rPr lang="en-US" dirty="0" err="1"/>
+              <a:t>lệnh</a:t>
+            </a:r>
+            <a:r>
+              <a:rPr lang="en-US" dirty="0"/>
+              <a:t> </a:t>
+            </a:r>
+            <a:r>
+              <a:rPr lang="en-US" dirty="0" smtClean="0"/>
+              <a:t>#</a:t>
+            </a:r>
+            <a:r>
+              <a:rPr lang="en-US" dirty="0"/>
+              <a:t>DEFINE </a:t>
+            </a:r>
+            <a:r>
+              <a:rPr lang="en-US" dirty="0" err="1"/>
+              <a:t>để</a:t>
+            </a:r>
+            <a:r>
+              <a:rPr lang="en-US" dirty="0"/>
+              <a:t> </a:t>
+            </a:r>
+            <a:r>
+              <a:rPr lang="en-US" dirty="0" err="1"/>
+              <a:t>tìm</a:t>
+            </a:r>
+            <a:r>
+              <a:rPr lang="en-US" dirty="0"/>
+              <a:t> </a:t>
+            </a:r>
+            <a:r>
+              <a:rPr lang="en-US" dirty="0" err="1"/>
+              <a:t>ra</a:t>
+            </a:r>
+            <a:r>
+              <a:rPr lang="en-US" dirty="0"/>
+              <a:t> </a:t>
+            </a:r>
+            <a:r>
+              <a:rPr lang="en-US" dirty="0" err="1"/>
+              <a:t>biến</a:t>
+            </a:r>
+            <a:r>
+              <a:rPr lang="en-US" dirty="0"/>
+              <a:t> byte </a:t>
+            </a:r>
+            <a:r>
+              <a:rPr lang="en-US" dirty="0" err="1"/>
+              <a:t>tương</a:t>
+            </a:r>
+            <a:r>
+              <a:rPr lang="en-US" dirty="0"/>
+              <a:t> </a:t>
+            </a:r>
+            <a:r>
+              <a:rPr lang="en-US" dirty="0" err="1"/>
+              <a:t>ứng</a:t>
+            </a:r>
+            <a:r>
+              <a:rPr lang="en-US" dirty="0"/>
+              <a:t> </a:t>
+            </a:r>
+            <a:r>
+              <a:rPr lang="en-US" dirty="0" err="1"/>
+              <a:t>với</a:t>
+            </a:r>
+            <a:r>
+              <a:rPr lang="en-US" dirty="0"/>
+              <a:t> </a:t>
+            </a:r>
+            <a:r>
+              <a:rPr lang="en-US" dirty="0" err="1"/>
+              <a:t>giá</a:t>
+            </a:r>
+            <a:r>
+              <a:rPr lang="en-US" dirty="0"/>
+              <a:t> </a:t>
+            </a:r>
+            <a:r>
+              <a:rPr lang="en-US" dirty="0" err="1"/>
+              <a:t>trị</a:t>
+            </a:r>
+            <a:r>
+              <a:rPr lang="en-US" dirty="0"/>
+              <a:t> </a:t>
+            </a:r>
+            <a:r>
+              <a:rPr lang="en-US" dirty="0" err="1" smtClean="0"/>
+              <a:t>đó</a:t>
+            </a:r>
+            <a:endParaRPr lang="en-US" dirty="0" smtClean="0"/>
+          </a:p>
+          <a:p>
+            <a:pPr marL="285750" indent="-285750">
+              <a:buFont typeface="Arial" charset="0"/>
+              <a:buChar char="•"/>
+            </a:pPr>
+            <a:r>
+              <a:rPr lang="en-US" dirty="0" err="1"/>
+              <a:t>Tạm</a:t>
+            </a:r>
+            <a:r>
+              <a:rPr lang="en-US" dirty="0"/>
+              <a:t> </a:t>
+            </a:r>
+            <a:r>
+              <a:rPr lang="en-US" dirty="0" err="1"/>
+              <a:t>thời</a:t>
+            </a:r>
+            <a:r>
+              <a:rPr lang="en-US" dirty="0"/>
+              <a:t> </a:t>
+            </a:r>
+            <a:r>
+              <a:rPr lang="en-US" dirty="0" err="1"/>
+              <a:t>chấp</a:t>
+            </a:r>
+            <a:r>
+              <a:rPr lang="en-US" dirty="0"/>
+              <a:t> </a:t>
+            </a:r>
+            <a:r>
+              <a:rPr lang="en-US" dirty="0" err="1"/>
+              <a:t>nhận</a:t>
+            </a:r>
+            <a:r>
+              <a:rPr lang="en-US" dirty="0"/>
+              <a:t> </a:t>
+            </a:r>
+            <a:r>
+              <a:rPr lang="en-US" dirty="0" err="1"/>
+              <a:t>thay</a:t>
+            </a:r>
+            <a:r>
+              <a:rPr lang="en-US" dirty="0"/>
+              <a:t> </a:t>
+            </a:r>
+            <a:r>
+              <a:rPr lang="en-US" dirty="0" err="1"/>
+              <a:t>vì</a:t>
+            </a:r>
+            <a:r>
+              <a:rPr lang="en-US" dirty="0"/>
+              <a:t> </a:t>
+            </a:r>
+            <a:r>
+              <a:rPr lang="en-US" dirty="0" err="1"/>
+              <a:t>tìm</a:t>
+            </a:r>
+            <a:r>
+              <a:rPr lang="en-US" dirty="0"/>
+              <a:t> </a:t>
+            </a:r>
+            <a:r>
+              <a:rPr lang="en-US" dirty="0" err="1"/>
+              <a:t>kiếm</a:t>
+            </a:r>
+            <a:r>
+              <a:rPr lang="en-US" dirty="0"/>
+              <a:t> </a:t>
+            </a:r>
+            <a:r>
+              <a:rPr lang="en-US" dirty="0" err="1"/>
+              <a:t>mối</a:t>
+            </a:r>
+            <a:r>
+              <a:rPr lang="en-US" dirty="0"/>
+              <a:t> </a:t>
+            </a:r>
+            <a:r>
+              <a:rPr lang="en-US" dirty="0" err="1"/>
+              <a:t>quan</a:t>
+            </a:r>
+            <a:r>
+              <a:rPr lang="en-US" dirty="0"/>
+              <a:t> </a:t>
+            </a:r>
+            <a:r>
+              <a:rPr lang="en-US" dirty="0" err="1"/>
+              <a:t>hệ</a:t>
+            </a:r>
+            <a:r>
+              <a:rPr lang="en-US" dirty="0"/>
+              <a:t> </a:t>
+            </a:r>
+            <a:r>
+              <a:rPr lang="en-US" dirty="0" err="1"/>
+              <a:t>giữa</a:t>
+            </a:r>
+            <a:r>
+              <a:rPr lang="en-US" dirty="0"/>
+              <a:t> </a:t>
+            </a:r>
+            <a:r>
+              <a:rPr lang="en-US" dirty="0" err="1"/>
+              <a:t>biến</a:t>
+            </a:r>
+            <a:r>
+              <a:rPr lang="en-US" dirty="0"/>
+              <a:t> byte - </a:t>
+            </a:r>
+            <a:r>
+              <a:rPr lang="en-US" dirty="0" err="1"/>
+              <a:t>biến</a:t>
+            </a:r>
+            <a:r>
+              <a:rPr lang="en-US" dirty="0"/>
+              <a:t> bit </a:t>
+            </a:r>
+            <a:r>
+              <a:rPr lang="en-US" dirty="0" err="1"/>
+              <a:t>thì</a:t>
+            </a:r>
+            <a:r>
+              <a:rPr lang="en-US" dirty="0"/>
+              <a:t> </a:t>
+            </a:r>
+            <a:r>
+              <a:rPr lang="en-US" dirty="0" err="1"/>
+              <a:t>trình</a:t>
+            </a:r>
+            <a:r>
+              <a:rPr lang="en-US" dirty="0"/>
+              <a:t> </a:t>
+            </a:r>
+            <a:r>
+              <a:rPr lang="en-US" dirty="0" err="1"/>
+              <a:t>dịch</a:t>
+            </a:r>
+            <a:r>
+              <a:rPr lang="en-US" dirty="0"/>
+              <a:t> </a:t>
+            </a:r>
+            <a:r>
+              <a:rPr lang="en-US" dirty="0" err="1"/>
+              <a:t>ngược</a:t>
+            </a:r>
+            <a:r>
+              <a:rPr lang="en-US" dirty="0"/>
+              <a:t> </a:t>
+            </a:r>
+            <a:r>
+              <a:rPr lang="en-US" dirty="0" err="1"/>
+              <a:t>sẽ</a:t>
+            </a:r>
+            <a:r>
+              <a:rPr lang="en-US" dirty="0"/>
+              <a:t> </a:t>
+            </a:r>
+            <a:r>
+              <a:rPr lang="en-US" dirty="0" err="1"/>
+              <a:t>tìm</a:t>
+            </a:r>
+            <a:r>
+              <a:rPr lang="en-US" dirty="0"/>
+              <a:t> </a:t>
+            </a:r>
+            <a:r>
+              <a:rPr lang="en-US" dirty="0" err="1"/>
+              <a:t>kiếm</a:t>
+            </a:r>
+            <a:r>
+              <a:rPr lang="en-US" dirty="0"/>
+              <a:t> </a:t>
+            </a:r>
+            <a:r>
+              <a:rPr lang="en-US" dirty="0" err="1"/>
+              <a:t>mối</a:t>
+            </a:r>
+            <a:r>
+              <a:rPr lang="en-US" dirty="0"/>
+              <a:t> </a:t>
+            </a:r>
+            <a:r>
+              <a:rPr lang="en-US" dirty="0" err="1"/>
+              <a:t>quan</a:t>
+            </a:r>
+            <a:r>
+              <a:rPr lang="en-US" dirty="0"/>
+              <a:t> </a:t>
+            </a:r>
+            <a:r>
+              <a:rPr lang="en-US" dirty="0" err="1"/>
+              <a:t>hệ</a:t>
+            </a:r>
+            <a:r>
+              <a:rPr lang="en-US" dirty="0"/>
+              <a:t> </a:t>
+            </a:r>
+            <a:r>
+              <a:rPr lang="en-US" dirty="0" err="1"/>
+              <a:t>giữa</a:t>
+            </a:r>
+            <a:r>
+              <a:rPr lang="en-US" dirty="0"/>
+              <a:t> </a:t>
+            </a:r>
+            <a:r>
+              <a:rPr lang="en-US" dirty="0" err="1"/>
+              <a:t>giá</a:t>
+            </a:r>
+            <a:r>
+              <a:rPr lang="en-US" dirty="0"/>
+              <a:t> </a:t>
+            </a:r>
+            <a:r>
+              <a:rPr lang="en-US" dirty="0" err="1"/>
+              <a:t>trị</a:t>
+            </a:r>
+            <a:r>
+              <a:rPr lang="en-US" dirty="0"/>
+              <a:t> </a:t>
+            </a:r>
+            <a:r>
+              <a:rPr lang="en-US" dirty="0" err="1"/>
+              <a:t>trực</a:t>
+            </a:r>
+            <a:r>
+              <a:rPr lang="en-US" dirty="0"/>
+              <a:t> </a:t>
+            </a:r>
+            <a:r>
+              <a:rPr lang="en-US" dirty="0" err="1"/>
+              <a:t>tiếp</a:t>
+            </a:r>
+            <a:r>
+              <a:rPr lang="en-US" dirty="0"/>
+              <a:t> - </a:t>
+            </a:r>
+            <a:r>
+              <a:rPr lang="en-US" dirty="0" err="1"/>
+              <a:t>biến</a:t>
+            </a:r>
+            <a:r>
+              <a:rPr lang="en-US" dirty="0"/>
+              <a:t> bit. </a:t>
+            </a:r>
+            <a:r>
+              <a:rPr lang="en-US" dirty="0" err="1"/>
+              <a:t>Giá</a:t>
+            </a:r>
+            <a:r>
+              <a:rPr lang="en-US" dirty="0"/>
+              <a:t> </a:t>
+            </a:r>
+            <a:r>
+              <a:rPr lang="en-US" dirty="0" err="1"/>
+              <a:t>trị</a:t>
+            </a:r>
+            <a:r>
+              <a:rPr lang="en-US" dirty="0"/>
+              <a:t> </a:t>
+            </a:r>
+            <a:r>
+              <a:rPr lang="en-US" dirty="0" err="1"/>
+              <a:t>này</a:t>
+            </a:r>
+            <a:r>
+              <a:rPr lang="en-US" dirty="0"/>
+              <a:t> </a:t>
+            </a:r>
+            <a:r>
+              <a:rPr lang="en-US" dirty="0" err="1"/>
+              <a:t>chính</a:t>
+            </a:r>
+            <a:r>
+              <a:rPr lang="en-US" dirty="0"/>
+              <a:t> </a:t>
+            </a:r>
+            <a:r>
+              <a:rPr lang="en-US" dirty="0" err="1"/>
+              <a:t>là</a:t>
+            </a:r>
+            <a:r>
+              <a:rPr lang="en-US" dirty="0"/>
+              <a:t> </a:t>
+            </a:r>
+            <a:r>
+              <a:rPr lang="en-US" dirty="0" err="1"/>
+              <a:t>địa</a:t>
+            </a:r>
+            <a:r>
+              <a:rPr lang="en-US" dirty="0"/>
+              <a:t> </a:t>
+            </a:r>
+            <a:r>
+              <a:rPr lang="en-US" dirty="0" err="1"/>
+              <a:t>chỉ</a:t>
+            </a:r>
+            <a:r>
+              <a:rPr lang="en-US" dirty="0"/>
+              <a:t> </a:t>
+            </a:r>
+            <a:r>
+              <a:rPr lang="en-US" dirty="0" err="1"/>
+              <a:t>vùng</a:t>
+            </a:r>
+            <a:r>
+              <a:rPr lang="en-US" dirty="0"/>
+              <a:t> </a:t>
+            </a:r>
+            <a:r>
+              <a:rPr lang="en-US" dirty="0" err="1"/>
+              <a:t>nhớ</a:t>
+            </a:r>
+            <a:r>
+              <a:rPr lang="en-US" dirty="0"/>
+              <a:t> </a:t>
+            </a:r>
+            <a:r>
+              <a:rPr lang="en-US" dirty="0" err="1"/>
+              <a:t>mà</a:t>
+            </a:r>
+            <a:r>
+              <a:rPr lang="en-US" dirty="0"/>
+              <a:t> </a:t>
+            </a:r>
+            <a:r>
+              <a:rPr lang="en-US" dirty="0" err="1"/>
+              <a:t>thanh</a:t>
+            </a:r>
+            <a:r>
+              <a:rPr lang="en-US" dirty="0"/>
+              <a:t> </a:t>
+            </a:r>
+            <a:r>
+              <a:rPr lang="en-US" dirty="0" err="1"/>
+              <a:t>ghi</a:t>
+            </a:r>
+            <a:r>
+              <a:rPr lang="en-US" dirty="0"/>
+              <a:t> ACC </a:t>
+            </a:r>
+            <a:r>
+              <a:rPr lang="en-US" dirty="0" err="1"/>
+              <a:t>đang</a:t>
+            </a:r>
+            <a:r>
+              <a:rPr lang="en-US" dirty="0"/>
+              <a:t> </a:t>
+            </a:r>
+            <a:r>
+              <a:rPr lang="en-US" dirty="0" err="1"/>
+              <a:t>lưu</a:t>
+            </a:r>
+            <a:r>
+              <a:rPr lang="en-US" dirty="0"/>
+              <a:t> </a:t>
+            </a:r>
+            <a:r>
+              <a:rPr lang="en-US" dirty="0" err="1"/>
+              <a:t>trữ</a:t>
+            </a:r>
+            <a:r>
+              <a:rPr lang="en-US" dirty="0"/>
+              <a:t> </a:t>
+            </a:r>
+            <a:r>
+              <a:rPr lang="en-US" dirty="0" err="1"/>
+              <a:t>tại</a:t>
+            </a:r>
+            <a:r>
+              <a:rPr lang="en-US" dirty="0"/>
+              <a:t> </a:t>
+            </a:r>
+            <a:r>
+              <a:rPr lang="en-US" dirty="0" err="1"/>
+              <a:t>thời</a:t>
+            </a:r>
+            <a:r>
+              <a:rPr lang="en-US" dirty="0"/>
+              <a:t> </a:t>
+            </a:r>
+            <a:r>
+              <a:rPr lang="en-US" dirty="0" err="1"/>
+              <a:t>điểm</a:t>
+            </a:r>
+            <a:r>
+              <a:rPr lang="en-US" dirty="0"/>
+              <a:t> </a:t>
+            </a:r>
+            <a:r>
+              <a:rPr lang="en-US" dirty="0" err="1"/>
+              <a:t>sử</a:t>
+            </a:r>
+            <a:r>
+              <a:rPr lang="en-US" dirty="0"/>
+              <a:t> </a:t>
+            </a:r>
+            <a:r>
+              <a:rPr lang="en-US" dirty="0" err="1"/>
+              <a:t>dụng</a:t>
+            </a:r>
+            <a:r>
+              <a:rPr lang="en-US" dirty="0"/>
+              <a:t> </a:t>
+            </a:r>
+            <a:r>
+              <a:rPr lang="en-US" dirty="0" err="1"/>
+              <a:t>biết</a:t>
+            </a:r>
+            <a:r>
+              <a:rPr lang="en-US" dirty="0"/>
+              <a:t> bit. Sau </a:t>
+            </a:r>
+            <a:r>
+              <a:rPr lang="en-US" dirty="0" err="1"/>
+              <a:t>khi</a:t>
+            </a:r>
+            <a:r>
+              <a:rPr lang="en-US" dirty="0"/>
+              <a:t> </a:t>
+            </a:r>
+            <a:r>
+              <a:rPr lang="en-US" dirty="0" err="1"/>
+              <a:t>tìm</a:t>
+            </a:r>
+            <a:r>
+              <a:rPr lang="en-US" dirty="0"/>
+              <a:t> </a:t>
+            </a:r>
+            <a:r>
+              <a:rPr lang="en-US" dirty="0" err="1"/>
+              <a:t>ra</a:t>
+            </a:r>
+            <a:r>
+              <a:rPr lang="en-US" dirty="0"/>
+              <a:t> </a:t>
+            </a:r>
+            <a:r>
+              <a:rPr lang="en-US" dirty="0" err="1"/>
+              <a:t>các</a:t>
+            </a:r>
+            <a:r>
+              <a:rPr lang="en-US" dirty="0"/>
+              <a:t> </a:t>
+            </a:r>
+            <a:r>
+              <a:rPr lang="en-US" dirty="0" err="1"/>
+              <a:t>bộ</a:t>
+            </a:r>
+            <a:r>
+              <a:rPr lang="en-US" dirty="0"/>
+              <a:t> </a:t>
+            </a:r>
+            <a:r>
+              <a:rPr lang="en-US" dirty="0" err="1"/>
+              <a:t>giá</a:t>
+            </a:r>
+            <a:r>
+              <a:rPr lang="en-US" dirty="0"/>
+              <a:t> </a:t>
+            </a:r>
+            <a:r>
+              <a:rPr lang="en-US" dirty="0" err="1"/>
+              <a:t>trị</a:t>
+            </a:r>
+            <a:r>
+              <a:rPr lang="en-US" dirty="0"/>
+              <a:t> - </a:t>
+            </a:r>
+            <a:r>
+              <a:rPr lang="en-US" dirty="0" err="1"/>
+              <a:t>biến</a:t>
+            </a:r>
+            <a:r>
+              <a:rPr lang="en-US" dirty="0"/>
+              <a:t> bit, </a:t>
+            </a:r>
+            <a:r>
+              <a:rPr lang="en-US" dirty="0" err="1"/>
+              <a:t>thêm</a:t>
+            </a:r>
+            <a:r>
+              <a:rPr lang="en-US" dirty="0"/>
+              <a:t> </a:t>
+            </a:r>
+            <a:r>
+              <a:rPr lang="en-US" dirty="0" err="1"/>
+              <a:t>vào</a:t>
+            </a:r>
+            <a:r>
+              <a:rPr lang="en-US" dirty="0"/>
+              <a:t> </a:t>
+            </a:r>
+            <a:r>
+              <a:rPr lang="en-US" dirty="0" err="1"/>
+              <a:t>trình</a:t>
+            </a:r>
+            <a:r>
+              <a:rPr lang="en-US" dirty="0"/>
+              <a:t> </a:t>
+            </a:r>
+            <a:r>
+              <a:rPr lang="en-US" dirty="0" err="1"/>
+              <a:t>dịch</a:t>
+            </a:r>
+            <a:r>
+              <a:rPr lang="en-US" dirty="0"/>
+              <a:t> </a:t>
+            </a:r>
+            <a:r>
+              <a:rPr lang="en-US" dirty="0" err="1"/>
+              <a:t>ngược</a:t>
+            </a:r>
+            <a:r>
+              <a:rPr lang="en-US" dirty="0"/>
+              <a:t> </a:t>
+            </a:r>
+            <a:r>
+              <a:rPr lang="en-US" dirty="0" err="1"/>
+              <a:t>một</a:t>
+            </a:r>
+            <a:r>
+              <a:rPr lang="en-US" dirty="0"/>
+              <a:t> </a:t>
+            </a:r>
+            <a:r>
+              <a:rPr lang="en-US" dirty="0" err="1"/>
+              <a:t>bước</a:t>
+            </a:r>
+            <a:r>
+              <a:rPr lang="en-US" dirty="0"/>
+              <a:t> </a:t>
+            </a:r>
+            <a:r>
+              <a:rPr lang="en-US" dirty="0" err="1"/>
+              <a:t>chuyển</a:t>
+            </a:r>
+            <a:r>
+              <a:rPr lang="en-US" dirty="0"/>
+              <a:t> </a:t>
+            </a:r>
+            <a:r>
+              <a:rPr lang="en-US" dirty="0" err="1"/>
+              <a:t>đổi</a:t>
+            </a:r>
+            <a:r>
+              <a:rPr lang="en-US" dirty="0"/>
+              <a:t> </a:t>
+            </a:r>
+            <a:r>
+              <a:rPr lang="en-US" dirty="0" err="1"/>
+              <a:t>từ</a:t>
+            </a:r>
+            <a:r>
+              <a:rPr lang="en-US" dirty="0"/>
+              <a:t> </a:t>
+            </a:r>
+            <a:r>
+              <a:rPr lang="en-US" dirty="0" err="1"/>
+              <a:t>giá</a:t>
+            </a:r>
+            <a:r>
+              <a:rPr lang="en-US" dirty="0"/>
+              <a:t> </a:t>
+            </a:r>
+            <a:r>
+              <a:rPr lang="en-US" dirty="0" err="1"/>
+              <a:t>trị</a:t>
+            </a:r>
+            <a:r>
+              <a:rPr lang="en-US" dirty="0"/>
+              <a:t> sang </a:t>
+            </a:r>
+            <a:r>
+              <a:rPr lang="en-US" dirty="0" err="1"/>
+              <a:t>biến</a:t>
+            </a:r>
+            <a:r>
+              <a:rPr lang="en-US" dirty="0"/>
+              <a:t> byte </a:t>
+            </a:r>
+            <a:r>
+              <a:rPr lang="en-US" dirty="0" err="1"/>
+              <a:t>tương</a:t>
+            </a:r>
+            <a:r>
+              <a:rPr lang="en-US" dirty="0"/>
+              <a:t> </a:t>
+            </a:r>
+            <a:r>
+              <a:rPr lang="en-US" dirty="0" err="1"/>
+              <a:t>ứng</a:t>
+            </a:r>
+            <a:r>
+              <a:rPr lang="en-US" dirty="0"/>
+              <a:t> </a:t>
+            </a:r>
+            <a:r>
+              <a:rPr lang="en-US" dirty="0" err="1"/>
+              <a:t>dựa</a:t>
+            </a:r>
+            <a:r>
+              <a:rPr lang="en-US" dirty="0"/>
+              <a:t> </a:t>
+            </a:r>
+            <a:r>
+              <a:rPr lang="en-US" dirty="0" err="1"/>
+              <a:t>vào</a:t>
+            </a:r>
+            <a:r>
+              <a:rPr lang="en-US" dirty="0"/>
+              <a:t> </a:t>
+            </a:r>
+            <a:r>
+              <a:rPr lang="en-US" dirty="0" err="1"/>
+              <a:t>các</a:t>
+            </a:r>
+            <a:r>
+              <a:rPr lang="en-US" dirty="0"/>
+              <a:t> </a:t>
+            </a:r>
+            <a:r>
+              <a:rPr lang="en-US" dirty="0" err="1"/>
+              <a:t>câu</a:t>
+            </a:r>
+            <a:r>
+              <a:rPr lang="en-US" dirty="0"/>
+              <a:t> </a:t>
+            </a:r>
+            <a:r>
+              <a:rPr lang="en-US" dirty="0" err="1"/>
+              <a:t>lệnh</a:t>
+            </a:r>
+            <a:r>
+              <a:rPr lang="en-US" dirty="0"/>
+              <a:t> </a:t>
+            </a:r>
+            <a:r>
+              <a:rPr lang="en-US" dirty="0" err="1"/>
+              <a:t>khai</a:t>
+            </a:r>
+            <a:r>
+              <a:rPr lang="en-US" dirty="0"/>
+              <a:t> </a:t>
+            </a:r>
+            <a:r>
+              <a:rPr lang="en-US" dirty="0" err="1"/>
+              <a:t>báo</a:t>
+            </a:r>
+            <a:r>
+              <a:rPr lang="en-US" dirty="0"/>
+              <a:t> </a:t>
+            </a:r>
+            <a:r>
+              <a:rPr lang="en-US" dirty="0" err="1"/>
+              <a:t>giá</a:t>
+            </a:r>
+            <a:r>
+              <a:rPr lang="en-US" dirty="0"/>
+              <a:t> </a:t>
+            </a:r>
+            <a:r>
+              <a:rPr lang="en-US" dirty="0" err="1"/>
+              <a:t>trị</a:t>
+            </a:r>
+            <a:r>
+              <a:rPr lang="en-US" dirty="0"/>
+              <a:t> </a:t>
+            </a:r>
+            <a:r>
+              <a:rPr lang="en-US" dirty="0" err="1"/>
+              <a:t>biến</a:t>
+            </a:r>
+            <a:r>
+              <a:rPr lang="en-US" dirty="0"/>
+              <a:t> byte </a:t>
+            </a:r>
+            <a:r>
+              <a:rPr lang="en-US" dirty="0" err="1"/>
+              <a:t>ở</a:t>
+            </a:r>
+            <a:r>
+              <a:rPr lang="en-US" dirty="0"/>
+              <a:t> </a:t>
+            </a:r>
+            <a:r>
+              <a:rPr lang="en-US" dirty="0" err="1"/>
+              <a:t>chương</a:t>
+            </a:r>
+            <a:r>
+              <a:rPr lang="en-US" dirty="0"/>
+              <a:t> </a:t>
+            </a:r>
+            <a:r>
+              <a:rPr lang="en-US" dirty="0" err="1"/>
+              <a:t>trình</a:t>
+            </a:r>
+            <a:r>
+              <a:rPr lang="en-US" dirty="0"/>
+              <a:t> </a:t>
+            </a:r>
+            <a:r>
+              <a:rPr lang="en-US" dirty="0" err="1"/>
+              <a:t>đầu</a:t>
+            </a:r>
+            <a:r>
+              <a:rPr lang="en-US" dirty="0"/>
+              <a:t> </a:t>
+            </a:r>
+            <a:r>
+              <a:rPr lang="en-US" dirty="0" err="1" smtClean="0"/>
+              <a:t>vào</a:t>
+            </a:r>
+            <a:endParaRPr lang="en-US" dirty="0" smtClean="0"/>
+          </a:p>
+          <a:p>
+            <a:pPr marL="742950" lvl="1" indent="-285750">
+              <a:buFont typeface="Arial" charset="0"/>
+              <a:buChar char="•"/>
+            </a:pPr>
+            <a:endParaRPr lang="en-US" dirty="0"/>
+          </a:p>
+        </p:txBody>
+      </p:sp>
+    </p:spTree>
+    <p:extLst>
+      <p:ext uri="{BB962C8B-B14F-4D97-AF65-F5344CB8AC3E}">
+        <p14:creationId xmlns:p14="http://schemas.microsoft.com/office/powerpoint/2010/main" val="1499516155"/>
+      </p:ext>
+    </p:extLst>
+  </p:cSld>
+  <p:clrMapOvr>
+    <a:masterClrMapping/>
+  </p:clrMapOvr>
+</p:sld>
+</file>
+
+<file path=ppt/slides/slide34.xml><?xml version="1.0" encoding="utf-8"?>
+<p:sld xmlns:a="http://schemas.openxmlformats.org/drawingml/2006/main" xmlns:r="http://schemas.openxmlformats.org/officeDocument/2006/relationships" xmlns:p="http://schemas.openxmlformats.org/presentationml/2006/main">
+  <p:cSld>
+    <p:spTree>
+      <p:nvGrpSpPr>
+        <p:cNvPr id="1" name=""/>
+        <p:cNvGrpSpPr/>
+        <p:nvPr/>
+      </p:nvGrpSpPr>
+      <p:grpSpPr>
+        <a:xfrm>
+          <a:off x="0" y="0"/>
+          <a:ext cx="0" cy="0"/>
+          <a:chOff x="0" y="0"/>
+          <a:chExt cx="0" cy="0"/>
+        </a:xfrm>
+      </p:grpSpPr>
+      <p:sp>
+        <p:nvSpPr>
+          <p:cNvPr id="2" name="Title 1"/>
+          <p:cNvSpPr>
+            <a:spLocks noGrp="1"/>
+          </p:cNvSpPr>
+          <p:nvPr>
+            <p:ph type="title"/>
+          </p:nvPr>
+        </p:nvSpPr>
+        <p:spPr>
+          <a:xfrm>
+            <a:off x="1614939" y="0"/>
+            <a:ext cx="10018713" cy="1752599"/>
+          </a:xfrm>
+        </p:spPr>
+        <p:txBody>
+          <a:bodyPr/>
+          <a:lstStyle/>
+          <a:p>
+            <a:r>
+              <a:rPr lang="en-US" dirty="0" smtClean="0"/>
+              <a:t>3.2 </a:t>
+            </a:r>
+            <a:r>
+              <a:rPr lang="en-US" dirty="0" err="1" smtClean="0"/>
+              <a:t>Suy</a:t>
+            </a:r>
+            <a:r>
+              <a:rPr lang="en-US" dirty="0" smtClean="0"/>
+              <a:t> </a:t>
+            </a:r>
+            <a:r>
+              <a:rPr lang="en-US" dirty="0" err="1" smtClean="0"/>
+              <a:t>luận</a:t>
+            </a:r>
+            <a:r>
+              <a:rPr lang="en-US" dirty="0" smtClean="0"/>
+              <a:t> </a:t>
+            </a:r>
+            <a:r>
+              <a:rPr lang="en-US" dirty="0" err="1" smtClean="0"/>
+              <a:t>kiểu</a:t>
+            </a:r>
+            <a:r>
+              <a:rPr lang="en-US" dirty="0" smtClean="0"/>
+              <a:t> </a:t>
+            </a:r>
+            <a:r>
+              <a:rPr lang="mr-IN" dirty="0" smtClean="0"/>
+              <a:t>–</a:t>
+            </a:r>
+            <a:r>
+              <a:rPr lang="en-US" dirty="0"/>
+              <a:t> </a:t>
+            </a:r>
+            <a:r>
+              <a:rPr lang="en-US" dirty="0" err="1"/>
+              <a:t>Tìm</a:t>
+            </a:r>
+            <a:r>
+              <a:rPr lang="en-US" dirty="0"/>
+              <a:t> </a:t>
+            </a:r>
+            <a:r>
+              <a:rPr lang="en-US" dirty="0" err="1"/>
+              <a:t>kiếm</a:t>
+            </a:r>
+            <a:r>
+              <a:rPr lang="en-US" dirty="0"/>
+              <a:t> </a:t>
+            </a:r>
+            <a:r>
+              <a:rPr lang="en-US" dirty="0" err="1"/>
+              <a:t>mối</a:t>
+            </a:r>
+            <a:r>
+              <a:rPr lang="en-US" dirty="0"/>
+              <a:t> </a:t>
+            </a:r>
+            <a:r>
+              <a:rPr lang="en-US" dirty="0" err="1"/>
+              <a:t>quan</a:t>
+            </a:r>
+            <a:r>
+              <a:rPr lang="en-US" dirty="0"/>
+              <a:t> </a:t>
+            </a:r>
+            <a:r>
+              <a:rPr lang="en-US" dirty="0" err="1"/>
+              <a:t>hệ</a:t>
+            </a:r>
+            <a:r>
+              <a:rPr lang="en-US" dirty="0"/>
+              <a:t> </a:t>
+            </a:r>
+            <a:r>
+              <a:rPr lang="en-US" dirty="0" err="1"/>
+              <a:t>giữa</a:t>
+            </a:r>
+            <a:r>
+              <a:rPr lang="en-US" dirty="0"/>
+              <a:t> </a:t>
+            </a:r>
+            <a:r>
+              <a:rPr lang="en-US" dirty="0" err="1"/>
+              <a:t>các</a:t>
+            </a:r>
+            <a:r>
+              <a:rPr lang="en-US" dirty="0"/>
+              <a:t> </a:t>
+            </a:r>
+            <a:r>
+              <a:rPr lang="en-US" dirty="0" err="1"/>
+              <a:t>biến</a:t>
+            </a:r>
+            <a:r>
+              <a:rPr lang="en-US" dirty="0"/>
+              <a:t>  </a:t>
+            </a:r>
+          </a:p>
+        </p:txBody>
+      </p:sp>
+      <p:sp>
+        <p:nvSpPr>
+          <p:cNvPr id="19" name="TextBox 18"/>
+          <p:cNvSpPr txBox="1"/>
+          <p:nvPr/>
+        </p:nvSpPr>
+        <p:spPr>
+          <a:xfrm>
+            <a:off x="12046857" y="5936343"/>
+            <a:ext cx="184731" cy="369332"/>
+          </a:xfrm>
+          <a:prstGeom prst="rect">
+            <a:avLst/>
+          </a:prstGeom>
+          <a:noFill/>
+        </p:spPr>
+        <p:txBody>
+          <a:bodyPr wrap="none" rtlCol="0">
+            <a:spAutoFit/>
+          </a:bodyPr>
+          <a:lstStyle/>
+          <a:p>
+            <a:endParaRPr lang="en-US"/>
+          </a:p>
+        </p:txBody>
+      </p:sp>
+      <p:pic>
+        <p:nvPicPr>
+          <p:cNvPr id="5" name="Picture 4"/>
+          <p:cNvPicPr>
+            <a:picLocks noChangeAspect="1"/>
+          </p:cNvPicPr>
+          <p:nvPr/>
+        </p:nvPicPr>
+        <p:blipFill>
+          <a:blip r:embed="rId2">
+            <a:extLst>
+              <a:ext uri="{28A0092B-C50C-407E-A947-70E740481C1C}">
+                <a14:useLocalDpi xmlns:a14="http://schemas.microsoft.com/office/drawing/2010/main" val="0"/>
+              </a:ext>
+            </a:extLst>
+          </a:blip>
+          <a:stretch>
+            <a:fillRect/>
+          </a:stretch>
+        </p:blipFill>
+        <p:spPr>
+          <a:xfrm>
+            <a:off x="4038825" y="1522185"/>
+            <a:ext cx="7173875" cy="2585358"/>
+          </a:xfrm>
+          <a:prstGeom prst="rect">
+            <a:avLst/>
+          </a:prstGeom>
+        </p:spPr>
+      </p:pic>
+      <p:pic>
+        <p:nvPicPr>
+          <p:cNvPr id="6" name="Picture 5"/>
+          <p:cNvPicPr>
+            <a:picLocks noChangeAspect="1"/>
+          </p:cNvPicPr>
+          <p:nvPr/>
+        </p:nvPicPr>
+        <p:blipFill>
+          <a:blip r:embed="rId3">
+            <a:extLst>
+              <a:ext uri="{28A0092B-C50C-407E-A947-70E740481C1C}">
+                <a14:useLocalDpi xmlns:a14="http://schemas.microsoft.com/office/drawing/2010/main" val="0"/>
+              </a:ext>
+            </a:extLst>
+          </a:blip>
+          <a:stretch>
+            <a:fillRect/>
+          </a:stretch>
+        </p:blipFill>
+        <p:spPr>
+          <a:xfrm>
+            <a:off x="5085857" y="4312131"/>
+            <a:ext cx="5509571" cy="2545869"/>
+          </a:xfrm>
+          <a:prstGeom prst="rect">
+            <a:avLst/>
+          </a:prstGeom>
+        </p:spPr>
+      </p:pic>
+      <p:sp>
+        <p:nvSpPr>
+          <p:cNvPr id="3" name="TextBox 2"/>
+          <p:cNvSpPr txBox="1"/>
+          <p:nvPr/>
+        </p:nvSpPr>
+        <p:spPr>
+          <a:xfrm>
+            <a:off x="1614939" y="2491698"/>
+            <a:ext cx="2002934" cy="646331"/>
+          </a:xfrm>
+          <a:prstGeom prst="rect">
+            <a:avLst/>
+          </a:prstGeom>
+          <a:noFill/>
+        </p:spPr>
+        <p:txBody>
+          <a:bodyPr wrap="square" rtlCol="0">
+            <a:spAutoFit/>
+          </a:bodyPr>
+          <a:lstStyle/>
+          <a:p>
+            <a:r>
+              <a:rPr lang="en-US" dirty="0" err="1" smtClean="0"/>
+              <a:t>Sơ</a:t>
+            </a:r>
+            <a:r>
+              <a:rPr lang="en-US" dirty="0" smtClean="0"/>
+              <a:t> </a:t>
+            </a:r>
+            <a:r>
+              <a:rPr lang="en-US" dirty="0" err="1" smtClean="0"/>
+              <a:t>đồ</a:t>
+            </a:r>
+            <a:r>
+              <a:rPr lang="en-US" dirty="0" smtClean="0"/>
+              <a:t> </a:t>
+            </a:r>
+            <a:r>
+              <a:rPr lang="en-US" dirty="0" err="1" smtClean="0"/>
+              <a:t>khối</a:t>
+            </a:r>
+            <a:r>
+              <a:rPr lang="en-US" dirty="0" smtClean="0"/>
+              <a:t> </a:t>
+            </a:r>
+            <a:r>
+              <a:rPr lang="en-US" dirty="0" err="1" smtClean="0"/>
+              <a:t>cách</a:t>
+            </a:r>
+            <a:r>
+              <a:rPr lang="en-US" dirty="0" smtClean="0"/>
+              <a:t> </a:t>
+            </a:r>
+            <a:r>
+              <a:rPr lang="en-US" dirty="0" err="1" smtClean="0"/>
+              <a:t>giải</a:t>
+            </a:r>
+            <a:r>
+              <a:rPr lang="en-US" dirty="0" smtClean="0"/>
+              <a:t> </a:t>
+            </a:r>
+            <a:r>
+              <a:rPr lang="en-US" dirty="0" err="1" smtClean="0"/>
+              <a:t>quyết</a:t>
+            </a:r>
+            <a:r>
+              <a:rPr lang="en-US" dirty="0" smtClean="0"/>
+              <a:t> </a:t>
+            </a:r>
+            <a:r>
+              <a:rPr lang="en-US" dirty="0" err="1" smtClean="0"/>
+              <a:t>số</a:t>
+            </a:r>
+            <a:r>
+              <a:rPr lang="en-US" dirty="0" smtClean="0"/>
+              <a:t> 1</a:t>
+            </a:r>
+            <a:endParaRPr lang="en-US" dirty="0"/>
+          </a:p>
+        </p:txBody>
+      </p:sp>
+      <p:sp>
+        <p:nvSpPr>
+          <p:cNvPr id="8" name="TextBox 7"/>
+          <p:cNvSpPr txBox="1"/>
+          <p:nvPr/>
+        </p:nvSpPr>
+        <p:spPr>
+          <a:xfrm>
+            <a:off x="2035891" y="5261899"/>
+            <a:ext cx="2002934" cy="646331"/>
+          </a:xfrm>
+          <a:prstGeom prst="rect">
+            <a:avLst/>
+          </a:prstGeom>
+          <a:noFill/>
+        </p:spPr>
+        <p:txBody>
+          <a:bodyPr wrap="square" rtlCol="0">
+            <a:spAutoFit/>
+          </a:bodyPr>
+          <a:lstStyle/>
+          <a:p>
+            <a:r>
+              <a:rPr lang="en-US" dirty="0" err="1" smtClean="0"/>
+              <a:t>Sơ</a:t>
+            </a:r>
+            <a:r>
+              <a:rPr lang="en-US" dirty="0" smtClean="0"/>
+              <a:t> </a:t>
+            </a:r>
+            <a:r>
+              <a:rPr lang="en-US" dirty="0" err="1" smtClean="0"/>
+              <a:t>đồ</a:t>
+            </a:r>
+            <a:r>
+              <a:rPr lang="en-US" dirty="0" smtClean="0"/>
+              <a:t> </a:t>
+            </a:r>
+            <a:r>
+              <a:rPr lang="en-US" dirty="0" err="1" smtClean="0"/>
+              <a:t>khối</a:t>
+            </a:r>
+            <a:r>
+              <a:rPr lang="en-US" dirty="0" smtClean="0"/>
+              <a:t> </a:t>
+            </a:r>
+            <a:r>
+              <a:rPr lang="en-US" dirty="0" err="1" smtClean="0"/>
+              <a:t>cách</a:t>
+            </a:r>
+            <a:r>
+              <a:rPr lang="en-US" dirty="0" smtClean="0"/>
+              <a:t> </a:t>
+            </a:r>
+            <a:r>
+              <a:rPr lang="en-US" dirty="0" err="1" smtClean="0"/>
+              <a:t>giải</a:t>
+            </a:r>
+            <a:r>
+              <a:rPr lang="en-US" dirty="0" smtClean="0"/>
+              <a:t> </a:t>
+            </a:r>
+            <a:r>
+              <a:rPr lang="en-US" dirty="0" err="1" smtClean="0"/>
+              <a:t>quyết</a:t>
+            </a:r>
+            <a:r>
+              <a:rPr lang="en-US" dirty="0" smtClean="0"/>
+              <a:t> </a:t>
+            </a:r>
+            <a:r>
+              <a:rPr lang="en-US" dirty="0" err="1" smtClean="0"/>
+              <a:t>số</a:t>
+            </a:r>
+            <a:r>
+              <a:rPr lang="en-US" dirty="0" smtClean="0"/>
+              <a:t> 2</a:t>
+            </a:r>
+            <a:endParaRPr lang="en-US" dirty="0"/>
+          </a:p>
+        </p:txBody>
+      </p:sp>
+    </p:spTree>
+    <p:extLst>
+      <p:ext uri="{BB962C8B-B14F-4D97-AF65-F5344CB8AC3E}">
+        <p14:creationId xmlns:p14="http://schemas.microsoft.com/office/powerpoint/2010/main" val="596897691"/>
+      </p:ext>
+    </p:extLst>
+  </p:cSld>
+  <p:clrMapOvr>
+    <a:masterClrMapping/>
+  </p:clrMapOvr>
+</p:sld>
+</file>
+
+<file path=ppt/slides/slide35.xml><?xml version="1.0" encoding="utf-8"?>
+<p:sld xmlns:a="http://schemas.openxmlformats.org/drawingml/2006/main" xmlns:r="http://schemas.openxmlformats.org/officeDocument/2006/relationships" xmlns:p="http://schemas.openxmlformats.org/presentationml/2006/main">
+  <p:cSld>
+    <p:spTree>
+      <p:nvGrpSpPr>
+        <p:cNvPr id="1" name=""/>
+        <p:cNvGrpSpPr/>
+        <p:nvPr/>
+      </p:nvGrpSpPr>
+      <p:grpSpPr>
+        <a:xfrm>
+          <a:off x="0" y="0"/>
+          <a:ext cx="0" cy="0"/>
+          <a:chOff x="0" y="0"/>
+          <a:chExt cx="0" cy="0"/>
+        </a:xfrm>
+      </p:grpSpPr>
+      <p:sp>
+        <p:nvSpPr>
+          <p:cNvPr id="2" name="Title 1"/>
+          <p:cNvSpPr>
+            <a:spLocks noGrp="1"/>
+          </p:cNvSpPr>
+          <p:nvPr>
+            <p:ph type="title"/>
+          </p:nvPr>
+        </p:nvSpPr>
+        <p:spPr>
+          <a:xfrm>
+            <a:off x="1614939" y="0"/>
+            <a:ext cx="10018713" cy="1752599"/>
+          </a:xfrm>
+        </p:spPr>
+        <p:txBody>
+          <a:bodyPr/>
+          <a:lstStyle/>
+          <a:p>
+            <a:r>
+              <a:rPr lang="en-US" dirty="0" smtClean="0"/>
+              <a:t>3.2 </a:t>
+            </a:r>
+            <a:r>
+              <a:rPr lang="en-US" dirty="0" err="1" smtClean="0"/>
+              <a:t>Suy</a:t>
+            </a:r>
+            <a:r>
+              <a:rPr lang="en-US" dirty="0" smtClean="0"/>
+              <a:t> </a:t>
+            </a:r>
+            <a:r>
+              <a:rPr lang="en-US" dirty="0" err="1" smtClean="0"/>
+              <a:t>luận</a:t>
+            </a:r>
+            <a:r>
+              <a:rPr lang="en-US" dirty="0" smtClean="0"/>
+              <a:t> </a:t>
+            </a:r>
+            <a:r>
+              <a:rPr lang="en-US" dirty="0" err="1" smtClean="0"/>
+              <a:t>kiểu</a:t>
+            </a:r>
+            <a:r>
+              <a:rPr lang="en-US" dirty="0" smtClean="0"/>
+              <a:t> </a:t>
+            </a:r>
+            <a:r>
+              <a:rPr lang="mr-IN" dirty="0" smtClean="0"/>
+              <a:t>–</a:t>
+            </a:r>
+            <a:r>
+              <a:rPr lang="en-US" dirty="0"/>
+              <a:t> </a:t>
+            </a:r>
+            <a:r>
+              <a:rPr lang="en-US" dirty="0" err="1"/>
+              <a:t>Tìm</a:t>
+            </a:r>
+            <a:r>
+              <a:rPr lang="en-US" dirty="0"/>
+              <a:t> </a:t>
+            </a:r>
+            <a:r>
+              <a:rPr lang="en-US" dirty="0" err="1"/>
+              <a:t>kiếm</a:t>
+            </a:r>
+            <a:r>
+              <a:rPr lang="en-US" dirty="0"/>
+              <a:t> </a:t>
+            </a:r>
+            <a:r>
+              <a:rPr lang="en-US" dirty="0" err="1"/>
+              <a:t>mối</a:t>
+            </a:r>
+            <a:r>
+              <a:rPr lang="en-US" dirty="0"/>
+              <a:t> </a:t>
+            </a:r>
+            <a:r>
+              <a:rPr lang="en-US" dirty="0" err="1"/>
+              <a:t>quan</a:t>
+            </a:r>
+            <a:r>
+              <a:rPr lang="en-US" dirty="0"/>
+              <a:t> </a:t>
+            </a:r>
+            <a:r>
+              <a:rPr lang="en-US" dirty="0" err="1"/>
+              <a:t>hệ</a:t>
+            </a:r>
+            <a:r>
+              <a:rPr lang="en-US" dirty="0"/>
+              <a:t> </a:t>
+            </a:r>
+            <a:r>
+              <a:rPr lang="en-US" dirty="0" err="1"/>
+              <a:t>giữa</a:t>
+            </a:r>
+            <a:r>
+              <a:rPr lang="en-US" dirty="0"/>
+              <a:t> </a:t>
+            </a:r>
+            <a:r>
+              <a:rPr lang="en-US" dirty="0" err="1"/>
+              <a:t>các</a:t>
+            </a:r>
+            <a:r>
+              <a:rPr lang="en-US" dirty="0"/>
+              <a:t> </a:t>
+            </a:r>
+            <a:r>
+              <a:rPr lang="en-US" dirty="0" err="1"/>
+              <a:t>biến</a:t>
+            </a:r>
+            <a:r>
+              <a:rPr lang="en-US" dirty="0"/>
+              <a:t>  </a:t>
+            </a:r>
+          </a:p>
+        </p:txBody>
+      </p:sp>
+      <p:sp>
+        <p:nvSpPr>
+          <p:cNvPr id="19" name="TextBox 18"/>
+          <p:cNvSpPr txBox="1"/>
+          <p:nvPr/>
+        </p:nvSpPr>
+        <p:spPr>
+          <a:xfrm>
+            <a:off x="12046857" y="5936343"/>
+            <a:ext cx="184731" cy="369332"/>
+          </a:xfrm>
+          <a:prstGeom prst="rect">
+            <a:avLst/>
+          </a:prstGeom>
+          <a:noFill/>
+        </p:spPr>
+        <p:txBody>
+          <a:bodyPr wrap="none" rtlCol="0">
+            <a:spAutoFit/>
+          </a:bodyPr>
+          <a:lstStyle/>
+          <a:p>
+            <a:endParaRPr lang="en-US"/>
+          </a:p>
+        </p:txBody>
+      </p:sp>
+      <p:sp>
+        <p:nvSpPr>
+          <p:cNvPr id="4" name="TextBox 3"/>
+          <p:cNvSpPr txBox="1"/>
+          <p:nvPr/>
+        </p:nvSpPr>
+        <p:spPr>
+          <a:xfrm>
+            <a:off x="1973943" y="1973943"/>
+            <a:ext cx="9659709" cy="923330"/>
+          </a:xfrm>
+          <a:prstGeom prst="rect">
+            <a:avLst/>
+          </a:prstGeom>
+          <a:noFill/>
+        </p:spPr>
+        <p:txBody>
+          <a:bodyPr wrap="square" rtlCol="0">
+            <a:spAutoFit/>
+          </a:bodyPr>
+          <a:lstStyle/>
+          <a:p>
+            <a:r>
+              <a:rPr lang="en-US" dirty="0"/>
+              <a:t>Qua </a:t>
+            </a:r>
+            <a:r>
+              <a:rPr lang="en-US" dirty="0" err="1"/>
+              <a:t>hai</a:t>
+            </a:r>
+            <a:r>
+              <a:rPr lang="en-US" dirty="0"/>
+              <a:t> </a:t>
+            </a:r>
+            <a:r>
+              <a:rPr lang="en-US" dirty="0" err="1"/>
+              <a:t>sơ</a:t>
+            </a:r>
+            <a:r>
+              <a:rPr lang="en-US" dirty="0"/>
+              <a:t> </a:t>
+            </a:r>
+            <a:r>
+              <a:rPr lang="en-US" dirty="0" err="1"/>
+              <a:t>đồ</a:t>
+            </a:r>
+            <a:r>
+              <a:rPr lang="en-US" dirty="0"/>
+              <a:t> </a:t>
+            </a:r>
+            <a:r>
+              <a:rPr lang="en-US" dirty="0" err="1"/>
+              <a:t>trên</a:t>
+            </a:r>
+            <a:r>
+              <a:rPr lang="en-US" dirty="0"/>
+              <a:t>, </a:t>
+            </a:r>
+            <a:r>
+              <a:rPr lang="en-US" dirty="0" err="1"/>
+              <a:t>dễ</a:t>
+            </a:r>
+            <a:r>
+              <a:rPr lang="en-US" dirty="0"/>
+              <a:t> </a:t>
+            </a:r>
+            <a:r>
+              <a:rPr lang="en-US" dirty="0" err="1"/>
+              <a:t>dàng</a:t>
+            </a:r>
+            <a:r>
+              <a:rPr lang="en-US" dirty="0"/>
+              <a:t> </a:t>
+            </a:r>
+            <a:r>
+              <a:rPr lang="en-US" dirty="0" err="1"/>
+              <a:t>nhận</a:t>
+            </a:r>
+            <a:r>
+              <a:rPr lang="en-US" dirty="0"/>
+              <a:t> </a:t>
+            </a:r>
+            <a:r>
+              <a:rPr lang="en-US" dirty="0" err="1"/>
+              <a:t>ra</a:t>
+            </a:r>
+            <a:r>
+              <a:rPr lang="en-US" dirty="0"/>
+              <a:t> </a:t>
+            </a:r>
+            <a:r>
+              <a:rPr lang="en-US" dirty="0" err="1"/>
+              <a:t>giải</a:t>
+            </a:r>
+            <a:r>
+              <a:rPr lang="en-US" dirty="0"/>
+              <a:t> </a:t>
+            </a:r>
+            <a:r>
+              <a:rPr lang="en-US" dirty="0" err="1"/>
+              <a:t>pháp</a:t>
+            </a:r>
+            <a:r>
+              <a:rPr lang="en-US" dirty="0"/>
+              <a:t> </a:t>
+            </a:r>
+            <a:r>
+              <a:rPr lang="en-US" dirty="0" err="1"/>
+              <a:t>thứ</a:t>
+            </a:r>
+            <a:r>
+              <a:rPr lang="en-US" dirty="0"/>
+              <a:t> </a:t>
+            </a:r>
+            <a:r>
+              <a:rPr lang="en-US" dirty="0" err="1"/>
+              <a:t>hai</a:t>
+            </a:r>
+            <a:r>
+              <a:rPr lang="en-US" dirty="0"/>
+              <a:t> </a:t>
+            </a:r>
+            <a:r>
+              <a:rPr lang="en-US" dirty="0" err="1"/>
+              <a:t>sẽ</a:t>
+            </a:r>
+            <a:r>
+              <a:rPr lang="en-US" dirty="0"/>
+              <a:t> </a:t>
+            </a:r>
+            <a:r>
+              <a:rPr lang="en-US" dirty="0" err="1"/>
+              <a:t>giúp</a:t>
+            </a:r>
+            <a:r>
+              <a:rPr lang="en-US" dirty="0"/>
+              <a:t> </a:t>
+            </a:r>
+            <a:r>
+              <a:rPr lang="en-US" dirty="0" err="1"/>
+              <a:t>tiết</a:t>
+            </a:r>
+            <a:r>
+              <a:rPr lang="en-US" dirty="0"/>
+              <a:t> </a:t>
+            </a:r>
+            <a:r>
+              <a:rPr lang="en-US" dirty="0" err="1"/>
+              <a:t>kiệm</a:t>
+            </a:r>
+            <a:r>
+              <a:rPr lang="en-US" dirty="0"/>
+              <a:t> </a:t>
+            </a:r>
+            <a:r>
+              <a:rPr lang="en-US" dirty="0" err="1"/>
+              <a:t>thời</a:t>
+            </a:r>
+            <a:r>
+              <a:rPr lang="en-US" dirty="0"/>
+              <a:t> </a:t>
+            </a:r>
+            <a:r>
+              <a:rPr lang="en-US" dirty="0" err="1"/>
+              <a:t>gian</a:t>
+            </a:r>
+            <a:r>
+              <a:rPr lang="en-US" dirty="0"/>
+              <a:t> </a:t>
+            </a:r>
+            <a:r>
+              <a:rPr lang="en-US" dirty="0" err="1"/>
+              <a:t>xử</a:t>
+            </a:r>
+            <a:r>
+              <a:rPr lang="en-US" dirty="0"/>
+              <a:t> </a:t>
+            </a:r>
+            <a:r>
+              <a:rPr lang="en-US" dirty="0" err="1"/>
+              <a:t>lý</a:t>
+            </a:r>
+            <a:r>
+              <a:rPr lang="en-US" dirty="0"/>
+              <a:t> </a:t>
+            </a:r>
+            <a:r>
+              <a:rPr lang="en-US" dirty="0" err="1"/>
+              <a:t>chương</a:t>
+            </a:r>
+            <a:r>
+              <a:rPr lang="en-US" dirty="0"/>
+              <a:t> </a:t>
+            </a:r>
+            <a:r>
+              <a:rPr lang="en-US" dirty="0" err="1"/>
+              <a:t>trình</a:t>
+            </a:r>
+            <a:r>
+              <a:rPr lang="en-US" dirty="0"/>
+              <a:t> </a:t>
+            </a:r>
+            <a:r>
+              <a:rPr lang="en-US" dirty="0" err="1"/>
+              <a:t>hơn</a:t>
+            </a:r>
+            <a:r>
+              <a:rPr lang="en-US" dirty="0"/>
+              <a:t>, </a:t>
+            </a:r>
+            <a:r>
+              <a:rPr lang="en-US" dirty="0" err="1"/>
+              <a:t>nhờ</a:t>
+            </a:r>
+            <a:r>
+              <a:rPr lang="en-US" dirty="0"/>
+              <a:t> </a:t>
+            </a:r>
+            <a:r>
+              <a:rPr lang="en-US" dirty="0" err="1"/>
+              <a:t>vào</a:t>
+            </a:r>
+            <a:r>
+              <a:rPr lang="en-US" dirty="0"/>
+              <a:t> </a:t>
+            </a:r>
+            <a:r>
+              <a:rPr lang="en-US" dirty="0" err="1"/>
+              <a:t>việc</a:t>
+            </a:r>
+            <a:r>
+              <a:rPr lang="en-US" dirty="0"/>
+              <a:t> </a:t>
+            </a:r>
+            <a:r>
+              <a:rPr lang="en-US" dirty="0" err="1"/>
+              <a:t>chỉ</a:t>
+            </a:r>
+            <a:r>
+              <a:rPr lang="en-US" dirty="0"/>
+              <a:t> </a:t>
+            </a:r>
+            <a:r>
+              <a:rPr lang="en-US" dirty="0" err="1"/>
+              <a:t>cần</a:t>
+            </a:r>
+            <a:r>
+              <a:rPr lang="en-US" dirty="0"/>
+              <a:t> </a:t>
+            </a:r>
+            <a:r>
+              <a:rPr lang="en-US" dirty="0" err="1"/>
+              <a:t>truy</a:t>
+            </a:r>
+            <a:r>
+              <a:rPr lang="en-US" dirty="0"/>
+              <a:t> </a:t>
+            </a:r>
+            <a:r>
+              <a:rPr lang="en-US" dirty="0" err="1"/>
+              <a:t>xuất</a:t>
+            </a:r>
+            <a:r>
+              <a:rPr lang="en-US" dirty="0"/>
+              <a:t> </a:t>
+            </a:r>
+            <a:r>
+              <a:rPr lang="en-US" dirty="0" err="1"/>
+              <a:t>bảng</a:t>
+            </a:r>
+            <a:r>
+              <a:rPr lang="en-US" dirty="0"/>
+              <a:t> </a:t>
+            </a:r>
+            <a:r>
+              <a:rPr lang="en-US" dirty="0" err="1"/>
+              <a:t>dữ</a:t>
+            </a:r>
+            <a:r>
+              <a:rPr lang="en-US" dirty="0"/>
+              <a:t> </a:t>
+            </a:r>
+            <a:r>
+              <a:rPr lang="en-US" dirty="0" err="1"/>
+              <a:t>liệu</a:t>
+            </a:r>
+            <a:r>
+              <a:rPr lang="en-US" dirty="0"/>
+              <a:t> </a:t>
+            </a:r>
+            <a:r>
+              <a:rPr lang="en-US" dirty="0" err="1"/>
+              <a:t>ở</a:t>
+            </a:r>
+            <a:r>
+              <a:rPr lang="en-US" dirty="0"/>
+              <a:t> </a:t>
+            </a:r>
+            <a:r>
+              <a:rPr lang="en-US" dirty="0" err="1"/>
+              <a:t>cuối</a:t>
+            </a:r>
+            <a:r>
+              <a:rPr lang="en-US" dirty="0"/>
+              <a:t> </a:t>
+            </a:r>
+            <a:r>
+              <a:rPr lang="en-US" dirty="0" err="1"/>
+              <a:t>giai</a:t>
+            </a:r>
+            <a:r>
+              <a:rPr lang="en-US" dirty="0"/>
+              <a:t> </a:t>
+            </a:r>
+            <a:r>
+              <a:rPr lang="en-US" dirty="0" err="1"/>
+              <a:t>đoạn</a:t>
+            </a:r>
+            <a:r>
+              <a:rPr lang="en-US" dirty="0"/>
+              <a:t> </a:t>
+            </a:r>
+            <a:r>
+              <a:rPr lang="en-US" dirty="0" err="1"/>
+              <a:t>tìm</a:t>
+            </a:r>
+            <a:r>
+              <a:rPr lang="en-US" dirty="0"/>
+              <a:t> </a:t>
+            </a:r>
+            <a:r>
+              <a:rPr lang="en-US" dirty="0" err="1"/>
+              <a:t>kiếm</a:t>
+            </a:r>
+            <a:r>
+              <a:rPr lang="en-US" dirty="0"/>
+              <a:t>. </a:t>
+            </a:r>
+            <a:r>
+              <a:rPr lang="en-US" dirty="0" err="1"/>
+              <a:t>Còn</a:t>
+            </a:r>
+            <a:r>
+              <a:rPr lang="en-US" dirty="0"/>
+              <a:t> </a:t>
+            </a:r>
+            <a:r>
+              <a:rPr lang="en-US" dirty="0" err="1"/>
+              <a:t>giải</a:t>
+            </a:r>
+            <a:r>
+              <a:rPr lang="en-US" dirty="0"/>
+              <a:t> </a:t>
+            </a:r>
+            <a:r>
+              <a:rPr lang="en-US" dirty="0" err="1"/>
+              <a:t>pháp</a:t>
+            </a:r>
+            <a:r>
+              <a:rPr lang="en-US" dirty="0"/>
+              <a:t> </a:t>
+            </a:r>
+            <a:r>
+              <a:rPr lang="en-US" dirty="0" err="1"/>
+              <a:t>đầu</a:t>
+            </a:r>
+            <a:r>
+              <a:rPr lang="en-US" dirty="0"/>
+              <a:t> </a:t>
+            </a:r>
+            <a:r>
+              <a:rPr lang="en-US" dirty="0" err="1"/>
+              <a:t>tiên</a:t>
+            </a:r>
+            <a:r>
+              <a:rPr lang="en-US" dirty="0"/>
+              <a:t> </a:t>
+            </a:r>
+            <a:r>
+              <a:rPr lang="en-US" dirty="0" err="1"/>
+              <a:t>không</a:t>
+            </a:r>
+            <a:r>
+              <a:rPr lang="en-US" dirty="0"/>
+              <a:t> </a:t>
+            </a:r>
+            <a:r>
+              <a:rPr lang="en-US" dirty="0" err="1"/>
+              <a:t>hiệu</a:t>
+            </a:r>
+            <a:r>
+              <a:rPr lang="en-US" dirty="0"/>
+              <a:t> </a:t>
+            </a:r>
+            <a:r>
+              <a:rPr lang="en-US" dirty="0" err="1"/>
+              <a:t>quả</a:t>
+            </a:r>
+            <a:r>
+              <a:rPr lang="en-US" dirty="0"/>
+              <a:t> do </a:t>
+            </a:r>
+            <a:r>
+              <a:rPr lang="en-US" dirty="0" err="1"/>
+              <a:t>mỗi</a:t>
+            </a:r>
+            <a:r>
+              <a:rPr lang="en-US" dirty="0"/>
+              <a:t> </a:t>
+            </a:r>
+            <a:r>
+              <a:rPr lang="en-US" dirty="0" err="1"/>
+              <a:t>lần</a:t>
+            </a:r>
+            <a:r>
+              <a:rPr lang="en-US" dirty="0"/>
+              <a:t> </a:t>
+            </a:r>
+            <a:r>
+              <a:rPr lang="en-US" dirty="0" err="1"/>
+              <a:t>cần</a:t>
+            </a:r>
+            <a:r>
+              <a:rPr lang="en-US" dirty="0"/>
+              <a:t> </a:t>
+            </a:r>
+            <a:r>
+              <a:rPr lang="en-US" dirty="0" err="1"/>
+              <a:t>kiểm</a:t>
+            </a:r>
+            <a:r>
+              <a:rPr lang="en-US" dirty="0"/>
+              <a:t> </a:t>
+            </a:r>
+            <a:r>
+              <a:rPr lang="en-US" dirty="0" err="1"/>
+              <a:t>tra</a:t>
+            </a:r>
+            <a:r>
+              <a:rPr lang="en-US" dirty="0"/>
+              <a:t> </a:t>
+            </a:r>
+            <a:r>
+              <a:rPr lang="en-US" dirty="0" err="1"/>
+              <a:t>giá</a:t>
+            </a:r>
+            <a:r>
+              <a:rPr lang="en-US" dirty="0"/>
+              <a:t> </a:t>
+            </a:r>
+            <a:r>
+              <a:rPr lang="en-US" dirty="0" err="1"/>
+              <a:t>trị</a:t>
+            </a:r>
+            <a:r>
+              <a:rPr lang="en-US" dirty="0"/>
+              <a:t> </a:t>
+            </a:r>
+            <a:r>
+              <a:rPr lang="en-US" dirty="0" err="1"/>
+              <a:t>của</a:t>
+            </a:r>
+            <a:r>
+              <a:rPr lang="en-US" dirty="0"/>
+              <a:t> </a:t>
+            </a:r>
+            <a:r>
+              <a:rPr lang="en-US" dirty="0" err="1"/>
+              <a:t>thanh</a:t>
+            </a:r>
+            <a:r>
+              <a:rPr lang="en-US" dirty="0"/>
+              <a:t> </a:t>
+            </a:r>
+            <a:r>
+              <a:rPr lang="en-US" dirty="0" err="1"/>
+              <a:t>ghi</a:t>
+            </a:r>
+            <a:r>
+              <a:rPr lang="en-US" dirty="0"/>
+              <a:t> </a:t>
+            </a:r>
+            <a:r>
+              <a:rPr lang="en-US" dirty="0" smtClean="0"/>
+              <a:t>ACC </a:t>
+            </a:r>
+            <a:r>
+              <a:rPr lang="en-US" dirty="0" err="1"/>
+              <a:t>lại</a:t>
+            </a:r>
+            <a:r>
+              <a:rPr lang="en-US" dirty="0"/>
+              <a:t> </a:t>
+            </a:r>
+            <a:r>
+              <a:rPr lang="en-US" dirty="0" err="1"/>
+              <a:t>phải</a:t>
+            </a:r>
+            <a:r>
+              <a:rPr lang="en-US" dirty="0"/>
+              <a:t> </a:t>
+            </a:r>
+            <a:r>
+              <a:rPr lang="en-US" dirty="0" err="1"/>
+              <a:t>tìm</a:t>
+            </a:r>
+            <a:r>
+              <a:rPr lang="en-US" dirty="0"/>
+              <a:t> </a:t>
+            </a:r>
+            <a:r>
+              <a:rPr lang="en-US" dirty="0" err="1"/>
+              <a:t>kiếm</a:t>
+            </a:r>
+            <a:r>
+              <a:rPr lang="en-US" dirty="0"/>
+              <a:t> </a:t>
+            </a:r>
+            <a:r>
+              <a:rPr lang="en-US" dirty="0" err="1"/>
+              <a:t>dữ</a:t>
+            </a:r>
+            <a:r>
+              <a:rPr lang="en-US" dirty="0"/>
+              <a:t> </a:t>
+            </a:r>
+            <a:r>
+              <a:rPr lang="en-US" dirty="0" err="1"/>
+              <a:t>liệu</a:t>
+            </a:r>
+            <a:r>
+              <a:rPr lang="en-US" dirty="0"/>
+              <a:t>.</a:t>
+            </a:r>
+          </a:p>
+        </p:txBody>
+      </p:sp>
+      <p:sp>
+        <p:nvSpPr>
+          <p:cNvPr id="7" name="Explosion 2 6"/>
+          <p:cNvSpPr/>
+          <p:nvPr/>
+        </p:nvSpPr>
+        <p:spPr>
+          <a:xfrm>
+            <a:off x="4020456" y="3118617"/>
+            <a:ext cx="4673600" cy="2764189"/>
+          </a:xfrm>
+          <a:prstGeom prst="irregularSeal2">
+            <a:avLst/>
+          </a:prstGeom>
+        </p:spPr>
+        <p:style>
+          <a:lnRef idx="2">
+            <a:schemeClr val="accent1">
+              <a:shade val="50000"/>
+            </a:schemeClr>
+          </a:lnRef>
+          <a:fillRef idx="1">
+            <a:schemeClr val="accent1"/>
+          </a:fillRef>
+          <a:effectRef idx="0">
+            <a:schemeClr val="accent1"/>
+          </a:effectRef>
+          <a:fontRef idx="minor">
+            <a:schemeClr val="lt1"/>
+          </a:fontRef>
+        </p:style>
+        <p:txBody>
+          <a:bodyPr rtlCol="0" anchor="ctr"/>
+          <a:lstStyle/>
+          <a:p>
+            <a:pPr algn="ctr"/>
+            <a:r>
+              <a:rPr lang="en-US" dirty="0" err="1" smtClean="0"/>
+              <a:t>Giải</a:t>
+            </a:r>
+            <a:r>
+              <a:rPr lang="en-US" dirty="0" smtClean="0"/>
+              <a:t> </a:t>
+            </a:r>
+            <a:r>
+              <a:rPr lang="en-US" dirty="0" err="1" smtClean="0"/>
+              <a:t>pháp</a:t>
+            </a:r>
+            <a:r>
+              <a:rPr lang="en-US" dirty="0" smtClean="0"/>
+              <a:t> </a:t>
+            </a:r>
+            <a:r>
+              <a:rPr lang="en-US" dirty="0" err="1" smtClean="0"/>
+              <a:t>thứ</a:t>
+            </a:r>
+            <a:r>
+              <a:rPr lang="en-US" dirty="0" smtClean="0"/>
+              <a:t> </a:t>
+            </a:r>
+            <a:r>
+              <a:rPr lang="en-US" dirty="0" err="1" smtClean="0"/>
+              <a:t>hai</a:t>
+            </a:r>
+            <a:r>
+              <a:rPr lang="en-US" dirty="0" smtClean="0"/>
+              <a:t> </a:t>
+            </a:r>
+            <a:r>
+              <a:rPr lang="en-US" dirty="0" err="1" smtClean="0"/>
+              <a:t>sẽ</a:t>
+            </a:r>
+            <a:r>
+              <a:rPr lang="en-US" dirty="0" smtClean="0"/>
+              <a:t> </a:t>
+            </a:r>
+            <a:r>
+              <a:rPr lang="en-US" dirty="0" err="1" smtClean="0"/>
+              <a:t>được</a:t>
+            </a:r>
+            <a:r>
+              <a:rPr lang="en-US" dirty="0" smtClean="0"/>
+              <a:t> </a:t>
+            </a:r>
+            <a:r>
+              <a:rPr lang="en-US" dirty="0" err="1" smtClean="0"/>
+              <a:t>sử</a:t>
+            </a:r>
+            <a:r>
+              <a:rPr lang="en-US" dirty="0" smtClean="0"/>
+              <a:t> </a:t>
+            </a:r>
+            <a:r>
+              <a:rPr lang="en-US" dirty="0" err="1" smtClean="0"/>
+              <a:t>dụng</a:t>
+            </a:r>
+            <a:endParaRPr lang="en-US" dirty="0"/>
+          </a:p>
+        </p:txBody>
+      </p:sp>
+    </p:spTree>
+    <p:extLst>
+      <p:ext uri="{BB962C8B-B14F-4D97-AF65-F5344CB8AC3E}">
+        <p14:creationId xmlns:p14="http://schemas.microsoft.com/office/powerpoint/2010/main" val="695810739"/>
+      </p:ext>
+    </p:extLst>
+  </p:cSld>
+  <p:clrMapOvr>
+    <a:masterClrMapping/>
+  </p:clrMapOvr>
+</p:sld>
+</file>
+
+<file path=ppt/slides/slide36.xml><?xml version="1.0" encoding="utf-8"?>
+<p:sld xmlns:a="http://schemas.openxmlformats.org/drawingml/2006/main" xmlns:r="http://schemas.openxmlformats.org/officeDocument/2006/relationships" xmlns:p="http://schemas.openxmlformats.org/presentationml/2006/main">
+  <p:cSld>
+    <p:spTree>
+      <p:nvGrpSpPr>
+        <p:cNvPr id="1" name=""/>
+        <p:cNvGrpSpPr/>
+        <p:nvPr/>
+      </p:nvGrpSpPr>
+      <p:grpSpPr>
+        <a:xfrm>
+          <a:off x="0" y="0"/>
+          <a:ext cx="0" cy="0"/>
+          <a:chOff x="0" y="0"/>
+          <a:chExt cx="0" cy="0"/>
+        </a:xfrm>
+      </p:grpSpPr>
+      <p:sp>
+        <p:nvSpPr>
+          <p:cNvPr id="2" name="Title 1"/>
+          <p:cNvSpPr>
+            <a:spLocks noGrp="1"/>
+          </p:cNvSpPr>
+          <p:nvPr>
+            <p:ph type="title"/>
+          </p:nvPr>
+        </p:nvSpPr>
+        <p:spPr>
+          <a:xfrm>
+            <a:off x="1614939" y="0"/>
+            <a:ext cx="10018713" cy="1752599"/>
+          </a:xfrm>
+        </p:spPr>
+        <p:txBody>
+          <a:bodyPr/>
+          <a:lstStyle/>
+          <a:p>
+            <a:r>
+              <a:rPr lang="en-US" dirty="0" smtClean="0"/>
+              <a:t>3.2 </a:t>
+            </a:r>
+            <a:r>
+              <a:rPr lang="en-US" dirty="0" err="1" smtClean="0"/>
+              <a:t>Suy</a:t>
+            </a:r>
+            <a:r>
+              <a:rPr lang="en-US" dirty="0" smtClean="0"/>
+              <a:t> </a:t>
+            </a:r>
+            <a:r>
+              <a:rPr lang="en-US" dirty="0" err="1" smtClean="0"/>
+              <a:t>luận</a:t>
+            </a:r>
+            <a:r>
+              <a:rPr lang="en-US" dirty="0" smtClean="0"/>
+              <a:t> </a:t>
+            </a:r>
+            <a:r>
+              <a:rPr lang="en-US" dirty="0" err="1" smtClean="0"/>
+              <a:t>kiểu</a:t>
+            </a:r>
+            <a:r>
+              <a:rPr lang="en-US" dirty="0" smtClean="0"/>
+              <a:t> </a:t>
+            </a:r>
+            <a:r>
+              <a:rPr lang="mr-IN" dirty="0" smtClean="0"/>
+              <a:t>–</a:t>
+            </a:r>
+            <a:r>
+              <a:rPr lang="en-US" dirty="0"/>
+              <a:t> </a:t>
+            </a:r>
+            <a:r>
+              <a:rPr lang="en-US" dirty="0" err="1"/>
+              <a:t>Tìm</a:t>
+            </a:r>
+            <a:r>
+              <a:rPr lang="en-US" dirty="0"/>
+              <a:t> </a:t>
+            </a:r>
+            <a:r>
+              <a:rPr lang="en-US" dirty="0" err="1"/>
+              <a:t>kiếm</a:t>
+            </a:r>
+            <a:r>
+              <a:rPr lang="en-US" dirty="0"/>
+              <a:t> </a:t>
+            </a:r>
+            <a:r>
+              <a:rPr lang="en-US" dirty="0" err="1"/>
+              <a:t>mối</a:t>
+            </a:r>
+            <a:r>
+              <a:rPr lang="en-US" dirty="0"/>
+              <a:t> </a:t>
+            </a:r>
+            <a:r>
+              <a:rPr lang="en-US" dirty="0" err="1"/>
+              <a:t>quan</a:t>
+            </a:r>
+            <a:r>
+              <a:rPr lang="en-US" dirty="0"/>
+              <a:t> </a:t>
+            </a:r>
+            <a:r>
+              <a:rPr lang="en-US" dirty="0" err="1"/>
+              <a:t>hệ</a:t>
+            </a:r>
+            <a:r>
+              <a:rPr lang="en-US" dirty="0"/>
+              <a:t> </a:t>
+            </a:r>
+            <a:r>
+              <a:rPr lang="en-US" dirty="0" err="1"/>
+              <a:t>giữa</a:t>
+            </a:r>
+            <a:r>
+              <a:rPr lang="en-US" dirty="0"/>
+              <a:t> </a:t>
+            </a:r>
+            <a:r>
+              <a:rPr lang="en-US" dirty="0" err="1"/>
+              <a:t>các</a:t>
+            </a:r>
+            <a:r>
+              <a:rPr lang="en-US" dirty="0"/>
+              <a:t> </a:t>
+            </a:r>
+            <a:r>
+              <a:rPr lang="en-US" dirty="0" err="1"/>
+              <a:t>biến</a:t>
+            </a:r>
+            <a:r>
+              <a:rPr lang="en-US" dirty="0"/>
+              <a:t>  </a:t>
+            </a:r>
+          </a:p>
+        </p:txBody>
+      </p:sp>
+      <p:sp>
+        <p:nvSpPr>
+          <p:cNvPr id="19" name="TextBox 18"/>
+          <p:cNvSpPr txBox="1"/>
+          <p:nvPr/>
+        </p:nvSpPr>
+        <p:spPr>
+          <a:xfrm>
+            <a:off x="12046857" y="5936343"/>
+            <a:ext cx="184731" cy="369332"/>
+          </a:xfrm>
+          <a:prstGeom prst="rect">
+            <a:avLst/>
+          </a:prstGeom>
+          <a:noFill/>
+        </p:spPr>
+        <p:txBody>
+          <a:bodyPr wrap="none" rtlCol="0">
+            <a:spAutoFit/>
+          </a:bodyPr>
+          <a:lstStyle/>
+          <a:p>
+            <a:endParaRPr lang="en-US"/>
+          </a:p>
+        </p:txBody>
+      </p:sp>
+      <p:sp>
+        <p:nvSpPr>
+          <p:cNvPr id="4" name="TextBox 3"/>
+          <p:cNvSpPr txBox="1"/>
+          <p:nvPr/>
+        </p:nvSpPr>
+        <p:spPr>
+          <a:xfrm>
+            <a:off x="1794440" y="5751677"/>
+            <a:ext cx="9659709" cy="369332"/>
+          </a:xfrm>
+          <a:prstGeom prst="rect">
+            <a:avLst/>
+          </a:prstGeom>
+          <a:noFill/>
+        </p:spPr>
+        <p:txBody>
+          <a:bodyPr wrap="square" rtlCol="0">
+            <a:spAutoFit/>
+          </a:bodyPr>
+          <a:lstStyle/>
+          <a:p>
+            <a:pPr algn="ctr"/>
+            <a:r>
+              <a:rPr lang="en-US" dirty="0" err="1" smtClean="0"/>
+              <a:t>Các</a:t>
+            </a:r>
+            <a:r>
+              <a:rPr lang="en-US" dirty="0" smtClean="0"/>
+              <a:t> </a:t>
+            </a:r>
+            <a:r>
+              <a:rPr lang="en-US" dirty="0" err="1" smtClean="0"/>
+              <a:t>bước</a:t>
+            </a:r>
+            <a:r>
+              <a:rPr lang="en-US" dirty="0" smtClean="0"/>
+              <a:t> </a:t>
+            </a:r>
+            <a:r>
+              <a:rPr lang="en-US" dirty="0" err="1" smtClean="0"/>
+              <a:t>ghi</a:t>
+            </a:r>
+            <a:r>
+              <a:rPr lang="en-US" dirty="0" smtClean="0"/>
+              <a:t> </a:t>
+            </a:r>
+            <a:r>
+              <a:rPr lang="en-US" dirty="0" err="1" smtClean="0"/>
+              <a:t>nhận</a:t>
+            </a:r>
+            <a:r>
+              <a:rPr lang="en-US" dirty="0" smtClean="0"/>
+              <a:t> </a:t>
+            </a:r>
+            <a:r>
+              <a:rPr lang="en-US" dirty="0" err="1" smtClean="0"/>
+              <a:t>và</a:t>
+            </a:r>
+            <a:r>
+              <a:rPr lang="en-US" dirty="0" smtClean="0"/>
+              <a:t> </a:t>
+            </a:r>
+            <a:r>
+              <a:rPr lang="en-US" dirty="0" err="1" smtClean="0"/>
+              <a:t>kiểm</a:t>
+            </a:r>
+            <a:r>
+              <a:rPr lang="en-US" dirty="0" smtClean="0"/>
+              <a:t> </a:t>
+            </a:r>
+            <a:r>
+              <a:rPr lang="en-US" dirty="0" err="1" smtClean="0"/>
+              <a:t>tra</a:t>
+            </a:r>
+            <a:r>
+              <a:rPr lang="en-US" dirty="0" smtClean="0"/>
+              <a:t> </a:t>
+            </a:r>
+            <a:r>
+              <a:rPr lang="en-US" dirty="0" err="1" smtClean="0"/>
+              <a:t>dữ</a:t>
+            </a:r>
+            <a:r>
+              <a:rPr lang="en-US" dirty="0" smtClean="0"/>
+              <a:t> </a:t>
+            </a:r>
+            <a:r>
+              <a:rPr lang="en-US" dirty="0" err="1" smtClean="0"/>
+              <a:t>liệu</a:t>
+            </a:r>
+            <a:endParaRPr lang="en-US" dirty="0"/>
+          </a:p>
+        </p:txBody>
+      </p:sp>
+      <p:pic>
+        <p:nvPicPr>
+          <p:cNvPr id="3" name="Picture 2"/>
+          <p:cNvPicPr>
+            <a:picLocks noChangeAspect="1"/>
+          </p:cNvPicPr>
+          <p:nvPr/>
+        </p:nvPicPr>
+        <p:blipFill>
+          <a:blip r:embed="rId2">
+            <a:extLst>
+              <a:ext uri="{28A0092B-C50C-407E-A947-70E740481C1C}">
+                <a14:useLocalDpi xmlns:a14="http://schemas.microsoft.com/office/drawing/2010/main" val="0"/>
+              </a:ext>
+            </a:extLst>
+          </a:blip>
+          <a:stretch>
+            <a:fillRect/>
+          </a:stretch>
+        </p:blipFill>
+        <p:spPr>
+          <a:xfrm>
+            <a:off x="1175657" y="1752599"/>
+            <a:ext cx="10916288" cy="3588658"/>
+          </a:xfrm>
+          <a:prstGeom prst="rect">
+            <a:avLst/>
+          </a:prstGeom>
+        </p:spPr>
+      </p:pic>
+    </p:spTree>
+    <p:extLst>
+      <p:ext uri="{BB962C8B-B14F-4D97-AF65-F5344CB8AC3E}">
+        <p14:creationId xmlns:p14="http://schemas.microsoft.com/office/powerpoint/2010/main" val="635503391"/>
+      </p:ext>
+    </p:extLst>
+  </p:cSld>
+  <p:clrMapOvr>
+    <a:masterClrMapping/>
+  </p:clrMapOvr>
+</p:sld>
+</file>
+
+<file path=ppt/slides/slide37.xml><?xml version="1.0" encoding="utf-8"?>
+<p:sld xmlns:a="http://schemas.openxmlformats.org/drawingml/2006/main" xmlns:r="http://schemas.openxmlformats.org/officeDocument/2006/relationships" xmlns:p="http://schemas.openxmlformats.org/presentationml/2006/main">
+  <p:cSld>
+    <p:spTree>
+      <p:nvGrpSpPr>
+        <p:cNvPr id="1" name=""/>
+        <p:cNvGrpSpPr/>
+        <p:nvPr/>
+      </p:nvGrpSpPr>
+      <p:grpSpPr>
+        <a:xfrm>
+          <a:off x="0" y="0"/>
+          <a:ext cx="0" cy="0"/>
+          <a:chOff x="0" y="0"/>
+          <a:chExt cx="0" cy="0"/>
+        </a:xfrm>
+      </p:grpSpPr>
+      <p:sp>
+        <p:nvSpPr>
+          <p:cNvPr id="2" name="Title 1"/>
+          <p:cNvSpPr>
+            <a:spLocks noGrp="1"/>
+          </p:cNvSpPr>
+          <p:nvPr>
+            <p:ph type="title"/>
+          </p:nvPr>
+        </p:nvSpPr>
+        <p:spPr>
+          <a:xfrm>
+            <a:off x="1614939" y="0"/>
+            <a:ext cx="10018713" cy="1752599"/>
+          </a:xfrm>
+        </p:spPr>
+        <p:txBody>
+          <a:bodyPr/>
+          <a:lstStyle/>
+          <a:p>
+            <a:r>
+              <a:rPr lang="vi-VN" dirty="0" smtClean="0"/>
+              <a:t>4. Kết quả kiểm thử </a:t>
+            </a:r>
+            <a:endParaRPr lang="en-US" dirty="0"/>
+          </a:p>
+        </p:txBody>
+      </p:sp>
+      <p:sp>
+        <p:nvSpPr>
+          <p:cNvPr id="19" name="TextBox 18"/>
+          <p:cNvSpPr txBox="1"/>
+          <p:nvPr/>
+        </p:nvSpPr>
+        <p:spPr>
+          <a:xfrm>
+            <a:off x="12046857" y="5936343"/>
+            <a:ext cx="184731" cy="369332"/>
+          </a:xfrm>
+          <a:prstGeom prst="rect">
+            <a:avLst/>
+          </a:prstGeom>
+          <a:noFill/>
+        </p:spPr>
+        <p:txBody>
+          <a:bodyPr wrap="none" rtlCol="0">
+            <a:spAutoFit/>
+          </a:bodyPr>
+          <a:lstStyle/>
+          <a:p>
+            <a:endParaRPr lang="en-US"/>
+          </a:p>
+        </p:txBody>
+      </p:sp>
+    </p:spTree>
+    <p:extLst>
+      <p:ext uri="{BB962C8B-B14F-4D97-AF65-F5344CB8AC3E}">
+        <p14:creationId xmlns:p14="http://schemas.microsoft.com/office/powerpoint/2010/main" val="1100781175"/>
+      </p:ext>
+    </p:extLst>
+  </p:cSld>
+  <p:clrMapOvr>
+    <a:masterClrMapping/>
+  </p:clrMapOvr>
+</p:sld>
+</file>
+
+<file path=ppt/slides/slide38.xml><?xml version="1.0" encoding="utf-8"?>
+<p:sld xmlns:a="http://schemas.openxmlformats.org/drawingml/2006/main" xmlns:r="http://schemas.openxmlformats.org/officeDocument/2006/relationships" xmlns:p="http://schemas.openxmlformats.org/presentationml/2006/main">
+  <p:cSld>
+    <p:spTree>
+      <p:nvGrpSpPr>
+        <p:cNvPr id="1" name=""/>
+        <p:cNvGrpSpPr/>
+        <p:nvPr/>
+      </p:nvGrpSpPr>
+      <p:grpSpPr>
+        <a:xfrm>
+          <a:off x="0" y="0"/>
+          <a:ext cx="0" cy="0"/>
+          <a:chOff x="0" y="0"/>
+          <a:chExt cx="0" cy="0"/>
+        </a:xfrm>
+      </p:grpSpPr>
+      <p:sp>
+        <p:nvSpPr>
+          <p:cNvPr id="2" name="Title 1"/>
+          <p:cNvSpPr>
+            <a:spLocks noGrp="1"/>
+          </p:cNvSpPr>
+          <p:nvPr>
+            <p:ph type="title"/>
+          </p:nvPr>
+        </p:nvSpPr>
+        <p:spPr>
+          <a:xfrm>
+            <a:off x="1614939" y="0"/>
+            <a:ext cx="10018713" cy="1752599"/>
+          </a:xfrm>
+        </p:spPr>
+        <p:txBody>
+          <a:bodyPr/>
+          <a:lstStyle/>
+          <a:p>
+            <a:r>
+              <a:rPr lang="vi-VN" dirty="0"/>
+              <a:t>5</a:t>
+            </a:r>
+            <a:r>
+              <a:rPr lang="vi-VN" dirty="0" smtClean="0"/>
+              <a:t>. Kết luận</a:t>
+            </a:r>
+            <a:endParaRPr lang="en-US" dirty="0"/>
+          </a:p>
+        </p:txBody>
+      </p:sp>
+      <p:sp>
+        <p:nvSpPr>
+          <p:cNvPr id="19" name="TextBox 18"/>
+          <p:cNvSpPr txBox="1"/>
+          <p:nvPr/>
+        </p:nvSpPr>
+        <p:spPr>
+          <a:xfrm>
+            <a:off x="12046857" y="5936343"/>
+            <a:ext cx="184731" cy="369332"/>
+          </a:xfrm>
+          <a:prstGeom prst="rect">
+            <a:avLst/>
+          </a:prstGeom>
+          <a:noFill/>
+        </p:spPr>
+        <p:txBody>
+          <a:bodyPr wrap="none" rtlCol="0">
+            <a:spAutoFit/>
+          </a:bodyPr>
+          <a:lstStyle/>
+          <a:p>
+            <a:endParaRPr lang="en-US"/>
+          </a:p>
+        </p:txBody>
+      </p:sp>
+      <p:sp>
+        <p:nvSpPr>
+          <p:cNvPr id="3" name="TextBox 2"/>
+          <p:cNvSpPr txBox="1"/>
+          <p:nvPr/>
+        </p:nvSpPr>
+        <p:spPr>
+          <a:xfrm>
+            <a:off x="4426857" y="2409371"/>
+            <a:ext cx="184731" cy="369332"/>
+          </a:xfrm>
+          <a:prstGeom prst="rect">
+            <a:avLst/>
+          </a:prstGeom>
+          <a:noFill/>
+        </p:spPr>
+        <p:txBody>
+          <a:bodyPr wrap="none" rtlCol="0">
+            <a:spAutoFit/>
+          </a:bodyPr>
+          <a:lstStyle/>
+          <a:p>
+            <a:endParaRPr lang="en-US" dirty="0"/>
+          </a:p>
+        </p:txBody>
+      </p:sp>
+      <p:sp>
+        <p:nvSpPr>
+          <p:cNvPr id="4" name="TextBox 3"/>
+          <p:cNvSpPr txBox="1"/>
+          <p:nvPr/>
+        </p:nvSpPr>
+        <p:spPr>
+          <a:xfrm>
+            <a:off x="1614939" y="1578374"/>
+            <a:ext cx="9735232" cy="4247317"/>
+          </a:xfrm>
+          <a:prstGeom prst="rect">
+            <a:avLst/>
+          </a:prstGeom>
+          <a:noFill/>
+        </p:spPr>
+        <p:txBody>
+          <a:bodyPr wrap="square" rtlCol="0">
+            <a:spAutoFit/>
+          </a:bodyPr>
+          <a:lstStyle/>
+          <a:p>
+            <a:pPr marL="285750" indent="-285750">
+              <a:buFont typeface="Arial" charset="0"/>
+              <a:buChar char="•"/>
+            </a:pPr>
+            <a:r>
+              <a:rPr lang="en-US" dirty="0" err="1"/>
+              <a:t>Nhìn</a:t>
+            </a:r>
+            <a:r>
+              <a:rPr lang="en-US" dirty="0"/>
+              <a:t> </a:t>
+            </a:r>
+            <a:r>
+              <a:rPr lang="en-US" dirty="0" err="1"/>
+              <a:t>chung</a:t>
+            </a:r>
+            <a:r>
+              <a:rPr lang="en-US" dirty="0"/>
+              <a:t>, </a:t>
+            </a:r>
+            <a:r>
+              <a:rPr lang="en-US" dirty="0" err="1"/>
+              <a:t>luận</a:t>
+            </a:r>
+            <a:r>
+              <a:rPr lang="en-US" dirty="0"/>
+              <a:t> </a:t>
+            </a:r>
+            <a:r>
+              <a:rPr lang="en-US" dirty="0" err="1"/>
+              <a:t>văn</a:t>
+            </a:r>
+            <a:r>
+              <a:rPr lang="en-US" dirty="0"/>
+              <a:t> </a:t>
+            </a:r>
+            <a:r>
+              <a:rPr lang="en-US" dirty="0" err="1"/>
+              <a:t>đã</a:t>
+            </a:r>
+            <a:r>
+              <a:rPr lang="en-US" dirty="0"/>
+              <a:t> </a:t>
+            </a:r>
+            <a:r>
+              <a:rPr lang="en-US" dirty="0" err="1"/>
+              <a:t>hoàn</a:t>
+            </a:r>
+            <a:r>
+              <a:rPr lang="en-US" dirty="0"/>
+              <a:t> </a:t>
+            </a:r>
+            <a:r>
+              <a:rPr lang="en-US" dirty="0" err="1"/>
+              <a:t>thành</a:t>
+            </a:r>
+            <a:r>
+              <a:rPr lang="en-US" dirty="0"/>
+              <a:t> </a:t>
+            </a:r>
+            <a:r>
+              <a:rPr lang="en-US" dirty="0" err="1"/>
+              <a:t>mục</a:t>
+            </a:r>
+            <a:r>
+              <a:rPr lang="en-US" dirty="0"/>
+              <a:t> </a:t>
+            </a:r>
+            <a:r>
+              <a:rPr lang="en-US" dirty="0" err="1"/>
+              <a:t>tiêu</a:t>
+            </a:r>
+            <a:r>
+              <a:rPr lang="en-US" dirty="0"/>
+              <a:t> </a:t>
+            </a:r>
+            <a:r>
+              <a:rPr lang="en-US" dirty="0" err="1"/>
+              <a:t>đề</a:t>
+            </a:r>
+            <a:r>
+              <a:rPr lang="en-US" dirty="0"/>
+              <a:t> </a:t>
+            </a:r>
+            <a:r>
+              <a:rPr lang="en-US" dirty="0" err="1"/>
+              <a:t>ra</a:t>
+            </a:r>
+            <a:r>
+              <a:rPr lang="en-US" dirty="0"/>
+              <a:t> ban </a:t>
+            </a:r>
+            <a:r>
+              <a:rPr lang="en-US" dirty="0" err="1"/>
+              <a:t>đầu</a:t>
+            </a:r>
+            <a:r>
+              <a:rPr lang="en-US" dirty="0"/>
+              <a:t>, </a:t>
+            </a:r>
+            <a:r>
+              <a:rPr lang="en-US" dirty="0" err="1"/>
+              <a:t>giải</a:t>
+            </a:r>
+            <a:r>
+              <a:rPr lang="en-US" dirty="0"/>
+              <a:t> </a:t>
+            </a:r>
+            <a:r>
+              <a:rPr lang="en-US" dirty="0" err="1"/>
+              <a:t>quyết</a:t>
+            </a:r>
+            <a:r>
+              <a:rPr lang="en-US" dirty="0"/>
+              <a:t> </a:t>
+            </a:r>
+            <a:r>
+              <a:rPr lang="en-US" dirty="0" err="1"/>
+              <a:t>được</a:t>
+            </a:r>
+            <a:r>
+              <a:rPr lang="en-US" dirty="0"/>
+              <a:t> </a:t>
+            </a:r>
+            <a:r>
+              <a:rPr lang="en-US" dirty="0" err="1"/>
+              <a:t>bài</a:t>
+            </a:r>
+            <a:r>
+              <a:rPr lang="en-US" dirty="0"/>
+              <a:t> </a:t>
+            </a:r>
+            <a:r>
+              <a:rPr lang="en-US" dirty="0" err="1"/>
+              <a:t>toán</a:t>
+            </a:r>
+            <a:r>
+              <a:rPr lang="en-US" dirty="0"/>
+              <a:t> </a:t>
+            </a:r>
+            <a:r>
+              <a:rPr lang="en-US" dirty="0" err="1"/>
+              <a:t>về</a:t>
+            </a:r>
+            <a:r>
+              <a:rPr lang="en-US" dirty="0"/>
+              <a:t> </a:t>
+            </a:r>
+            <a:r>
+              <a:rPr lang="en-US" dirty="0" err="1"/>
+              <a:t>kiểu</a:t>
+            </a:r>
+            <a:r>
+              <a:rPr lang="en-US" dirty="0"/>
+              <a:t> </a:t>
+            </a:r>
+            <a:r>
+              <a:rPr lang="en-US" dirty="0" err="1"/>
+              <a:t>dữ</a:t>
+            </a:r>
+            <a:r>
+              <a:rPr lang="en-US" dirty="0"/>
+              <a:t> </a:t>
+            </a:r>
+            <a:r>
+              <a:rPr lang="en-US" dirty="0" err="1"/>
+              <a:t>liệu</a:t>
+            </a:r>
+            <a:r>
+              <a:rPr lang="en-US" dirty="0"/>
+              <a:t> bit </a:t>
+            </a:r>
+            <a:r>
+              <a:rPr lang="en-US" dirty="0" err="1"/>
+              <a:t>và</a:t>
+            </a:r>
+            <a:r>
+              <a:rPr lang="en-US" dirty="0"/>
+              <a:t> </a:t>
+            </a:r>
+            <a:r>
+              <a:rPr lang="en-US" dirty="0" err="1"/>
+              <a:t>câu</a:t>
+            </a:r>
+            <a:r>
+              <a:rPr lang="en-US" dirty="0"/>
+              <a:t> </a:t>
+            </a:r>
+            <a:r>
+              <a:rPr lang="en-US" dirty="0" err="1"/>
+              <a:t>lệnh</a:t>
+            </a:r>
+            <a:r>
+              <a:rPr lang="en-US" dirty="0"/>
+              <a:t> </a:t>
+            </a:r>
+            <a:r>
+              <a:rPr lang="en-US" dirty="0" err="1"/>
+              <a:t>xử</a:t>
+            </a:r>
+            <a:r>
+              <a:rPr lang="en-US" dirty="0"/>
+              <a:t> </a:t>
+            </a:r>
+            <a:r>
+              <a:rPr lang="en-US" dirty="0" err="1"/>
+              <a:t>lý</a:t>
+            </a:r>
+            <a:r>
+              <a:rPr lang="en-US" dirty="0"/>
+              <a:t> bit </a:t>
+            </a:r>
+            <a:r>
+              <a:rPr lang="en-US" dirty="0" err="1"/>
+              <a:t>trong</a:t>
+            </a:r>
+            <a:r>
+              <a:rPr lang="en-US" dirty="0"/>
+              <a:t> </a:t>
+            </a:r>
+            <a:r>
+              <a:rPr lang="en-US" dirty="0" err="1"/>
+              <a:t>mã</a:t>
+            </a:r>
+            <a:r>
+              <a:rPr lang="en-US" dirty="0"/>
+              <a:t> assembly </a:t>
+            </a:r>
+            <a:r>
+              <a:rPr lang="en-US" dirty="0" err="1"/>
+              <a:t>của</a:t>
+            </a:r>
+            <a:r>
+              <a:rPr lang="en-US" dirty="0"/>
+              <a:t> 8051. </a:t>
+            </a:r>
+            <a:r>
+              <a:rPr lang="en-US" dirty="0" err="1"/>
+              <a:t>Ngoài</a:t>
+            </a:r>
+            <a:r>
+              <a:rPr lang="en-US" dirty="0"/>
+              <a:t> </a:t>
+            </a:r>
+            <a:r>
+              <a:rPr lang="en-US" dirty="0" err="1"/>
+              <a:t>ra</a:t>
+            </a:r>
+            <a:r>
+              <a:rPr lang="en-US" dirty="0"/>
+              <a:t>, </a:t>
+            </a:r>
+            <a:r>
+              <a:rPr lang="en-US" dirty="0" err="1"/>
+              <a:t>luận</a:t>
+            </a:r>
+            <a:r>
+              <a:rPr lang="en-US" dirty="0"/>
+              <a:t> </a:t>
+            </a:r>
+            <a:r>
+              <a:rPr lang="en-US" dirty="0" err="1"/>
+              <a:t>văn</a:t>
+            </a:r>
+            <a:r>
+              <a:rPr lang="en-US" dirty="0"/>
+              <a:t> </a:t>
+            </a:r>
+            <a:r>
+              <a:rPr lang="en-US" dirty="0" err="1"/>
+              <a:t>đã</a:t>
+            </a:r>
+            <a:r>
+              <a:rPr lang="en-US" dirty="0"/>
+              <a:t> </a:t>
+            </a:r>
+            <a:r>
+              <a:rPr lang="en-US" dirty="0" err="1"/>
+              <a:t>chứng</a:t>
+            </a:r>
+            <a:r>
+              <a:rPr lang="en-US" dirty="0"/>
+              <a:t> minh </a:t>
+            </a:r>
+            <a:r>
+              <a:rPr lang="en-US" dirty="0" err="1"/>
+              <a:t>được</a:t>
+            </a:r>
+            <a:r>
+              <a:rPr lang="en-US" dirty="0"/>
+              <a:t> </a:t>
+            </a:r>
+            <a:r>
+              <a:rPr lang="en-US" dirty="0" err="1"/>
+              <a:t>tính</a:t>
+            </a:r>
+            <a:r>
+              <a:rPr lang="en-US" dirty="0"/>
+              <a:t> </a:t>
+            </a:r>
+            <a:r>
+              <a:rPr lang="en-US" dirty="0" err="1"/>
+              <a:t>thực</a:t>
+            </a:r>
+            <a:r>
+              <a:rPr lang="en-US" dirty="0"/>
+              <a:t> </a:t>
+            </a:r>
+            <a:r>
+              <a:rPr lang="en-US" dirty="0" err="1"/>
+              <a:t>tiễn</a:t>
+            </a:r>
+            <a:r>
+              <a:rPr lang="en-US" dirty="0"/>
+              <a:t> </a:t>
+            </a:r>
+            <a:r>
+              <a:rPr lang="en-US" dirty="0" err="1"/>
+              <a:t>của</a:t>
+            </a:r>
+            <a:r>
+              <a:rPr lang="en-US" dirty="0"/>
+              <a:t> </a:t>
+            </a:r>
+            <a:r>
+              <a:rPr lang="en-US" dirty="0" err="1"/>
+              <a:t>đề</a:t>
+            </a:r>
+            <a:r>
+              <a:rPr lang="en-US" dirty="0"/>
+              <a:t> </a:t>
+            </a:r>
+            <a:r>
+              <a:rPr lang="en-US" dirty="0" err="1"/>
+              <a:t>tài</a:t>
+            </a:r>
+            <a:r>
+              <a:rPr lang="en-US" dirty="0"/>
+              <a:t>, </a:t>
+            </a:r>
+            <a:r>
+              <a:rPr lang="en-US" dirty="0" err="1"/>
+              <a:t>khả</a:t>
+            </a:r>
+            <a:r>
+              <a:rPr lang="en-US" dirty="0"/>
+              <a:t> </a:t>
+            </a:r>
+            <a:r>
+              <a:rPr lang="en-US" dirty="0" err="1"/>
+              <a:t>năng</a:t>
+            </a:r>
+            <a:r>
+              <a:rPr lang="en-US" dirty="0"/>
+              <a:t> </a:t>
+            </a:r>
+            <a:r>
+              <a:rPr lang="en-US" dirty="0" err="1"/>
+              <a:t>áp</a:t>
+            </a:r>
+            <a:r>
+              <a:rPr lang="en-US" dirty="0"/>
+              <a:t> </a:t>
+            </a:r>
+            <a:r>
+              <a:rPr lang="en-US" dirty="0" err="1"/>
+              <a:t>dụng</a:t>
+            </a:r>
+            <a:r>
+              <a:rPr lang="en-US" dirty="0"/>
+              <a:t> </a:t>
+            </a:r>
+            <a:r>
+              <a:rPr lang="en-US" dirty="0" err="1"/>
+              <a:t>vào</a:t>
+            </a:r>
+            <a:r>
+              <a:rPr lang="en-US" dirty="0"/>
+              <a:t> </a:t>
+            </a:r>
+            <a:r>
+              <a:rPr lang="en-US" dirty="0" err="1"/>
+              <a:t>thực</a:t>
+            </a:r>
+            <a:r>
+              <a:rPr lang="en-US" dirty="0"/>
+              <a:t> </a:t>
+            </a:r>
+            <a:r>
+              <a:rPr lang="en-US" dirty="0" err="1"/>
+              <a:t>tế</a:t>
+            </a:r>
+            <a:r>
+              <a:rPr lang="en-US" dirty="0"/>
+              <a:t> </a:t>
+            </a:r>
+            <a:r>
+              <a:rPr lang="en-US" dirty="0" err="1"/>
+              <a:t>của</a:t>
+            </a:r>
+            <a:r>
+              <a:rPr lang="en-US" dirty="0"/>
+              <a:t> </a:t>
+            </a:r>
+            <a:r>
+              <a:rPr lang="en-US" dirty="0" err="1"/>
+              <a:t>các</a:t>
+            </a:r>
+            <a:r>
+              <a:rPr lang="en-US" dirty="0"/>
+              <a:t> </a:t>
+            </a:r>
+            <a:r>
+              <a:rPr lang="en-US" dirty="0" err="1"/>
+              <a:t>doanh</a:t>
+            </a:r>
+            <a:r>
+              <a:rPr lang="en-US" dirty="0"/>
+              <a:t> </a:t>
+            </a:r>
+            <a:r>
+              <a:rPr lang="en-US" dirty="0" err="1"/>
+              <a:t>nghiệp</a:t>
+            </a:r>
+            <a:r>
+              <a:rPr lang="en-US" dirty="0"/>
+              <a:t> </a:t>
+            </a:r>
+            <a:r>
+              <a:rPr lang="en-US" dirty="0" err="1"/>
+              <a:t>có</a:t>
+            </a:r>
+            <a:r>
+              <a:rPr lang="en-US" dirty="0"/>
+              <a:t> </a:t>
+            </a:r>
+            <a:r>
+              <a:rPr lang="en-US" dirty="0" err="1"/>
+              <a:t>nhu</a:t>
+            </a:r>
+            <a:r>
+              <a:rPr lang="en-US" dirty="0"/>
+              <a:t> </a:t>
+            </a:r>
+            <a:r>
+              <a:rPr lang="en-US" dirty="0" err="1"/>
+              <a:t>cầu</a:t>
+            </a:r>
+            <a:r>
+              <a:rPr lang="en-US" dirty="0"/>
+              <a:t> </a:t>
+            </a:r>
+            <a:r>
+              <a:rPr lang="en-US" dirty="0" err="1"/>
+              <a:t>dịch</a:t>
+            </a:r>
+            <a:r>
+              <a:rPr lang="en-US" dirty="0"/>
+              <a:t> </a:t>
+            </a:r>
+            <a:r>
+              <a:rPr lang="en-US" dirty="0" err="1"/>
+              <a:t>ngược</a:t>
+            </a:r>
+            <a:r>
+              <a:rPr lang="en-US" dirty="0"/>
+              <a:t>. </a:t>
+            </a:r>
+            <a:r>
+              <a:rPr lang="en-US" dirty="0" err="1"/>
+              <a:t>Cuối</a:t>
+            </a:r>
+            <a:r>
+              <a:rPr lang="en-US" dirty="0"/>
+              <a:t> </a:t>
+            </a:r>
+            <a:r>
+              <a:rPr lang="en-US" dirty="0" err="1"/>
+              <a:t>cùng</a:t>
+            </a:r>
+            <a:r>
+              <a:rPr lang="en-US" dirty="0"/>
+              <a:t>, </a:t>
+            </a:r>
+            <a:r>
+              <a:rPr lang="en-US" dirty="0" err="1"/>
+              <a:t>luận</a:t>
+            </a:r>
+            <a:r>
+              <a:rPr lang="en-US" dirty="0"/>
+              <a:t> </a:t>
+            </a:r>
+            <a:r>
+              <a:rPr lang="en-US" dirty="0" err="1"/>
+              <a:t>văn</a:t>
+            </a:r>
+            <a:r>
+              <a:rPr lang="en-US" dirty="0"/>
+              <a:t> </a:t>
+            </a:r>
+            <a:r>
+              <a:rPr lang="en-US" dirty="0" err="1"/>
+              <a:t>cũng</a:t>
+            </a:r>
+            <a:r>
+              <a:rPr lang="en-US" dirty="0"/>
+              <a:t> </a:t>
+            </a:r>
+            <a:r>
+              <a:rPr lang="en-US" dirty="0" err="1"/>
+              <a:t>đưa</a:t>
+            </a:r>
+            <a:r>
+              <a:rPr lang="en-US" dirty="0"/>
+              <a:t> </a:t>
+            </a:r>
+            <a:r>
+              <a:rPr lang="en-US" dirty="0" err="1"/>
+              <a:t>ra</a:t>
+            </a:r>
+            <a:r>
+              <a:rPr lang="en-US" dirty="0"/>
+              <a:t> </a:t>
+            </a:r>
+            <a:r>
+              <a:rPr lang="en-US" dirty="0" err="1"/>
+              <a:t>một</a:t>
+            </a:r>
+            <a:r>
+              <a:rPr lang="en-US" dirty="0"/>
+              <a:t> </a:t>
+            </a:r>
+            <a:r>
+              <a:rPr lang="en-US" dirty="0" err="1"/>
+              <a:t>phương</a:t>
+            </a:r>
+            <a:r>
+              <a:rPr lang="en-US" dirty="0"/>
+              <a:t> </a:t>
+            </a:r>
+            <a:r>
+              <a:rPr lang="en-US" dirty="0" err="1"/>
+              <a:t>pháp</a:t>
+            </a:r>
+            <a:r>
+              <a:rPr lang="en-US" dirty="0"/>
+              <a:t> </a:t>
+            </a:r>
+            <a:r>
+              <a:rPr lang="en-US" dirty="0" err="1"/>
+              <a:t>lập</a:t>
+            </a:r>
+            <a:r>
+              <a:rPr lang="en-US" dirty="0"/>
+              <a:t> </a:t>
+            </a:r>
+            <a:r>
+              <a:rPr lang="en-US" dirty="0" err="1"/>
+              <a:t>testcase</a:t>
+            </a:r>
+            <a:r>
+              <a:rPr lang="en-US" dirty="0"/>
+              <a:t> </a:t>
+            </a:r>
+            <a:r>
+              <a:rPr lang="en-US" dirty="0" err="1"/>
+              <a:t>và</a:t>
+            </a:r>
+            <a:r>
+              <a:rPr lang="en-US" dirty="0"/>
+              <a:t> </a:t>
+            </a:r>
+            <a:r>
+              <a:rPr lang="en-US" dirty="0" err="1"/>
+              <a:t>kiểm</a:t>
+            </a:r>
+            <a:r>
+              <a:rPr lang="en-US" dirty="0"/>
+              <a:t> </a:t>
+            </a:r>
+            <a:r>
+              <a:rPr lang="en-US" dirty="0" err="1"/>
+              <a:t>thử</a:t>
+            </a:r>
+            <a:r>
+              <a:rPr lang="en-US" dirty="0"/>
+              <a:t> </a:t>
+            </a:r>
+            <a:r>
+              <a:rPr lang="en-US" dirty="0" err="1"/>
+              <a:t>khoa</a:t>
+            </a:r>
+            <a:r>
+              <a:rPr lang="en-US" dirty="0"/>
+              <a:t> </a:t>
+            </a:r>
+            <a:r>
+              <a:rPr lang="en-US" dirty="0" err="1"/>
+              <a:t>học</a:t>
+            </a:r>
+            <a:r>
+              <a:rPr lang="en-US" dirty="0"/>
+              <a:t>, </a:t>
+            </a:r>
+            <a:r>
+              <a:rPr lang="en-US" dirty="0" err="1"/>
+              <a:t>đảm</a:t>
+            </a:r>
+            <a:r>
+              <a:rPr lang="en-US" dirty="0"/>
+              <a:t> </a:t>
+            </a:r>
+            <a:r>
+              <a:rPr lang="en-US" dirty="0" err="1"/>
+              <a:t>bảo</a:t>
+            </a:r>
+            <a:r>
+              <a:rPr lang="en-US" dirty="0"/>
+              <a:t> </a:t>
+            </a:r>
+            <a:r>
+              <a:rPr lang="en-US" dirty="0" err="1"/>
+              <a:t>đưa</a:t>
+            </a:r>
+            <a:r>
+              <a:rPr lang="en-US" dirty="0"/>
+              <a:t> </a:t>
+            </a:r>
+            <a:r>
+              <a:rPr lang="en-US" dirty="0" err="1"/>
+              <a:t>ra</a:t>
+            </a:r>
+            <a:r>
+              <a:rPr lang="en-US" dirty="0"/>
+              <a:t> </a:t>
+            </a:r>
+            <a:r>
+              <a:rPr lang="en-US" dirty="0" err="1"/>
+              <a:t>được</a:t>
+            </a:r>
+            <a:r>
+              <a:rPr lang="en-US" dirty="0"/>
+              <a:t> </a:t>
+            </a:r>
+            <a:r>
+              <a:rPr lang="en-US" dirty="0" err="1"/>
+              <a:t>các</a:t>
+            </a:r>
+            <a:r>
+              <a:rPr lang="en-US" dirty="0"/>
+              <a:t> </a:t>
+            </a:r>
+            <a:r>
+              <a:rPr lang="en-US" dirty="0" err="1"/>
+              <a:t>trường</a:t>
+            </a:r>
+            <a:r>
+              <a:rPr lang="en-US" dirty="0"/>
+              <a:t> </a:t>
+            </a:r>
+            <a:r>
+              <a:rPr lang="en-US" dirty="0" err="1"/>
+              <a:t>hợp</a:t>
+            </a:r>
+            <a:r>
+              <a:rPr lang="en-US" dirty="0"/>
+              <a:t> </a:t>
+            </a:r>
+            <a:r>
+              <a:rPr lang="en-US" dirty="0" err="1"/>
+              <a:t>có</a:t>
+            </a:r>
+            <a:r>
+              <a:rPr lang="en-US" dirty="0"/>
+              <a:t> </a:t>
+            </a:r>
+            <a:r>
+              <a:rPr lang="en-US" dirty="0" err="1"/>
+              <a:t>thể</a:t>
+            </a:r>
+            <a:r>
+              <a:rPr lang="en-US" dirty="0"/>
+              <a:t> </a:t>
+            </a:r>
+            <a:r>
+              <a:rPr lang="en-US" dirty="0" err="1"/>
+              <a:t>xảy</a:t>
+            </a:r>
+            <a:r>
+              <a:rPr lang="en-US" dirty="0"/>
+              <a:t> </a:t>
+            </a:r>
+            <a:r>
+              <a:rPr lang="en-US" dirty="0" err="1"/>
+              <a:t>ra</a:t>
+            </a:r>
+            <a:r>
+              <a:rPr lang="en-US" dirty="0"/>
+              <a:t> </a:t>
+            </a:r>
+            <a:r>
+              <a:rPr lang="en-US" dirty="0" err="1"/>
+              <a:t>ngoài</a:t>
+            </a:r>
+            <a:r>
+              <a:rPr lang="en-US" dirty="0"/>
+              <a:t> </a:t>
+            </a:r>
+            <a:r>
+              <a:rPr lang="en-US" dirty="0" err="1"/>
+              <a:t>thực</a:t>
+            </a:r>
+            <a:r>
+              <a:rPr lang="en-US" dirty="0"/>
+              <a:t> </a:t>
+            </a:r>
+            <a:r>
+              <a:rPr lang="en-US" dirty="0" err="1"/>
+              <a:t>tế</a:t>
+            </a:r>
+            <a:r>
+              <a:rPr lang="en-US" dirty="0"/>
+              <a:t> </a:t>
+            </a:r>
+            <a:r>
+              <a:rPr lang="en-US" dirty="0" err="1"/>
+              <a:t>và</a:t>
+            </a:r>
+            <a:r>
+              <a:rPr lang="en-US" dirty="0"/>
+              <a:t> </a:t>
+            </a:r>
+            <a:r>
+              <a:rPr lang="en-US" dirty="0" err="1"/>
+              <a:t>đặc</a:t>
+            </a:r>
+            <a:r>
+              <a:rPr lang="en-US" dirty="0"/>
+              <a:t> </a:t>
+            </a:r>
+            <a:r>
+              <a:rPr lang="en-US" dirty="0" err="1"/>
+              <a:t>biệt</a:t>
+            </a:r>
+            <a:r>
+              <a:rPr lang="en-US" dirty="0"/>
+              <a:t> </a:t>
+            </a:r>
+            <a:r>
+              <a:rPr lang="en-US" dirty="0" err="1"/>
+              <a:t>có</a:t>
+            </a:r>
+            <a:r>
+              <a:rPr lang="en-US" dirty="0"/>
+              <a:t> </a:t>
+            </a:r>
+            <a:r>
+              <a:rPr lang="en-US" dirty="0" err="1"/>
+              <a:t>một</a:t>
+            </a:r>
+            <a:r>
+              <a:rPr lang="en-US" dirty="0"/>
+              <a:t> </a:t>
+            </a:r>
+            <a:r>
+              <a:rPr lang="en-US" dirty="0" err="1"/>
+              <a:t>testcase</a:t>
+            </a:r>
+            <a:r>
+              <a:rPr lang="en-US" dirty="0"/>
+              <a:t> </a:t>
+            </a:r>
+            <a:r>
+              <a:rPr lang="en-US" dirty="0" err="1"/>
+              <a:t>là</a:t>
+            </a:r>
+            <a:r>
+              <a:rPr lang="en-US" dirty="0"/>
+              <a:t> </a:t>
+            </a:r>
+            <a:r>
+              <a:rPr lang="en-US" dirty="0" err="1"/>
+              <a:t>một</a:t>
+            </a:r>
+            <a:r>
+              <a:rPr lang="en-US" dirty="0"/>
+              <a:t> </a:t>
+            </a:r>
+            <a:r>
+              <a:rPr lang="en-US" dirty="0" err="1"/>
+              <a:t>đoạn</a:t>
+            </a:r>
+            <a:r>
+              <a:rPr lang="en-US" dirty="0"/>
+              <a:t> </a:t>
+            </a:r>
+            <a:r>
+              <a:rPr lang="en-US" dirty="0" err="1"/>
+              <a:t>mã</a:t>
+            </a:r>
+            <a:r>
+              <a:rPr lang="en-US" dirty="0"/>
+              <a:t> </a:t>
+            </a:r>
+            <a:r>
+              <a:rPr lang="en-US" dirty="0" err="1"/>
+              <a:t>thật</a:t>
+            </a:r>
+            <a:r>
+              <a:rPr lang="en-US" dirty="0"/>
+              <a:t> </a:t>
+            </a:r>
+            <a:r>
+              <a:rPr lang="en-US" dirty="0" err="1"/>
+              <a:t>của</a:t>
+            </a:r>
+            <a:r>
+              <a:rPr lang="en-US" dirty="0"/>
+              <a:t> </a:t>
+            </a:r>
+            <a:r>
+              <a:rPr lang="en-US" dirty="0" err="1"/>
+              <a:t>doanh</a:t>
+            </a:r>
+            <a:r>
+              <a:rPr lang="en-US" dirty="0"/>
+              <a:t> </a:t>
+            </a:r>
+            <a:r>
+              <a:rPr lang="en-US" dirty="0" err="1"/>
+              <a:t>nghiệp</a:t>
+            </a:r>
+            <a:r>
+              <a:rPr lang="en-US" dirty="0"/>
+              <a:t>. </a:t>
+            </a:r>
+            <a:r>
+              <a:rPr lang="en-US" dirty="0" err="1"/>
+              <a:t>Kết</a:t>
+            </a:r>
+            <a:r>
+              <a:rPr lang="en-US" dirty="0"/>
+              <a:t> </a:t>
+            </a:r>
+            <a:r>
+              <a:rPr lang="en-US" dirty="0" err="1"/>
+              <a:t>quả</a:t>
+            </a:r>
+            <a:r>
+              <a:rPr lang="en-US" dirty="0"/>
+              <a:t> </a:t>
+            </a:r>
+            <a:r>
+              <a:rPr lang="en-US" dirty="0" err="1"/>
+              <a:t>kiểm</a:t>
+            </a:r>
+            <a:r>
+              <a:rPr lang="en-US" dirty="0"/>
+              <a:t> </a:t>
+            </a:r>
+            <a:r>
+              <a:rPr lang="en-US" dirty="0" err="1"/>
+              <a:t>thử</a:t>
+            </a:r>
+            <a:r>
+              <a:rPr lang="en-US" dirty="0"/>
+              <a:t> </a:t>
+            </a:r>
+            <a:r>
+              <a:rPr lang="en-US" dirty="0" err="1"/>
+              <a:t>trên</a:t>
+            </a:r>
+            <a:r>
+              <a:rPr lang="en-US" dirty="0"/>
+              <a:t> </a:t>
+            </a:r>
+            <a:r>
+              <a:rPr lang="en-US" dirty="0" err="1"/>
+              <a:t>bộ</a:t>
+            </a:r>
+            <a:r>
+              <a:rPr lang="en-US" dirty="0"/>
+              <a:t> </a:t>
+            </a:r>
+            <a:r>
+              <a:rPr lang="en-US" dirty="0" err="1"/>
+              <a:t>testcase</a:t>
+            </a:r>
+            <a:r>
+              <a:rPr lang="en-US" dirty="0"/>
+              <a:t> </a:t>
+            </a:r>
+            <a:r>
+              <a:rPr lang="en-US" dirty="0" err="1"/>
+              <a:t>dành</a:t>
+            </a:r>
+            <a:r>
+              <a:rPr lang="en-US" dirty="0"/>
+              <a:t> </a:t>
+            </a:r>
+            <a:r>
+              <a:rPr lang="en-US" dirty="0" err="1"/>
+              <a:t>cho</a:t>
+            </a:r>
+            <a:r>
+              <a:rPr lang="en-US" dirty="0"/>
+              <a:t> </a:t>
+            </a:r>
+            <a:r>
+              <a:rPr lang="en-US" dirty="0" err="1"/>
+              <a:t>phương</a:t>
+            </a:r>
+            <a:r>
+              <a:rPr lang="en-US" dirty="0"/>
+              <a:t> </a:t>
+            </a:r>
+            <a:r>
+              <a:rPr lang="en-US" dirty="0" err="1"/>
+              <a:t>pháp</a:t>
+            </a:r>
+            <a:r>
+              <a:rPr lang="en-US" dirty="0"/>
+              <a:t> </a:t>
+            </a:r>
+            <a:r>
+              <a:rPr lang="en-US" dirty="0" err="1"/>
+              <a:t>Suy</a:t>
+            </a:r>
+            <a:r>
+              <a:rPr lang="en-US" dirty="0"/>
+              <a:t> </a:t>
+            </a:r>
+            <a:r>
+              <a:rPr lang="en-US" dirty="0" err="1"/>
+              <a:t>luận</a:t>
+            </a:r>
+            <a:r>
+              <a:rPr lang="en-US" dirty="0"/>
+              <a:t> </a:t>
+            </a:r>
+            <a:r>
+              <a:rPr lang="en-US" dirty="0" err="1"/>
+              <a:t>kiểu</a:t>
+            </a:r>
+            <a:r>
+              <a:rPr lang="en-US" dirty="0"/>
+              <a:t> </a:t>
+            </a:r>
+            <a:r>
+              <a:rPr lang="en-US" dirty="0" err="1"/>
+              <a:t>là</a:t>
+            </a:r>
+            <a:r>
+              <a:rPr lang="en-US" dirty="0"/>
+              <a:t> </a:t>
+            </a:r>
+            <a:r>
+              <a:rPr lang="en-US" dirty="0" err="1"/>
+              <a:t>chấp</a:t>
+            </a:r>
+            <a:r>
+              <a:rPr lang="en-US" dirty="0"/>
+              <a:t> </a:t>
+            </a:r>
+            <a:r>
+              <a:rPr lang="en-US" dirty="0" err="1"/>
+              <a:t>nhận</a:t>
+            </a:r>
+            <a:r>
+              <a:rPr lang="en-US" dirty="0"/>
+              <a:t> </a:t>
+            </a:r>
+            <a:r>
+              <a:rPr lang="en-US" dirty="0" err="1"/>
+              <a:t>được</a:t>
+            </a:r>
+            <a:r>
+              <a:rPr lang="en-US" dirty="0" smtClean="0"/>
+              <a:t>.</a:t>
+            </a:r>
+          </a:p>
+          <a:p>
+            <a:pPr marL="285750" indent="-285750">
+              <a:buFont typeface="Arial" charset="0"/>
+              <a:buChar char="•"/>
+            </a:pPr>
+            <a:endParaRPr lang="en-US" dirty="0"/>
+          </a:p>
+          <a:p>
+            <a:pPr marL="285750" indent="-285750">
+              <a:buFont typeface="Arial" charset="0"/>
+              <a:buChar char="•"/>
+            </a:pPr>
+            <a:endParaRPr lang="en-US" dirty="0" smtClean="0"/>
+          </a:p>
+          <a:p>
+            <a:pPr marL="285750" indent="-285750">
+              <a:buFont typeface="Arial" charset="0"/>
+              <a:buChar char="•"/>
+            </a:pPr>
+            <a:r>
+              <a:rPr lang="en-US" dirty="0" err="1" smtClean="0"/>
+              <a:t>Một</a:t>
+            </a:r>
+            <a:r>
+              <a:rPr lang="en-US" dirty="0" smtClean="0"/>
+              <a:t> </a:t>
+            </a:r>
+            <a:r>
+              <a:rPr lang="en-US" dirty="0" err="1" smtClean="0"/>
+              <a:t>số</a:t>
+            </a:r>
+            <a:r>
+              <a:rPr lang="en-US" dirty="0" smtClean="0"/>
+              <a:t> </a:t>
+            </a:r>
+            <a:r>
+              <a:rPr lang="en-US" dirty="0" err="1" smtClean="0"/>
+              <a:t>hướng</a:t>
+            </a:r>
+            <a:r>
+              <a:rPr lang="en-US" dirty="0" smtClean="0"/>
+              <a:t> </a:t>
+            </a:r>
+            <a:r>
+              <a:rPr lang="en-US" dirty="0" err="1" smtClean="0"/>
+              <a:t>phát</a:t>
+            </a:r>
+            <a:r>
+              <a:rPr lang="en-US" dirty="0" smtClean="0"/>
+              <a:t> </a:t>
+            </a:r>
+            <a:r>
+              <a:rPr lang="en-US" dirty="0" err="1" smtClean="0"/>
+              <a:t>triển</a:t>
+            </a:r>
+            <a:r>
+              <a:rPr lang="en-US" dirty="0" smtClean="0"/>
+              <a:t> </a:t>
+            </a:r>
+            <a:r>
+              <a:rPr lang="en-US" dirty="0" err="1" smtClean="0"/>
+              <a:t>về</a:t>
+            </a:r>
+            <a:r>
+              <a:rPr lang="en-US" dirty="0" smtClean="0"/>
+              <a:t> </a:t>
+            </a:r>
+            <a:r>
+              <a:rPr lang="en-US" dirty="0" err="1" smtClean="0"/>
+              <a:t>kỹ</a:t>
+            </a:r>
+            <a:r>
+              <a:rPr lang="en-US" dirty="0" smtClean="0"/>
+              <a:t> </a:t>
+            </a:r>
+            <a:r>
+              <a:rPr lang="en-US" dirty="0" err="1" smtClean="0"/>
+              <a:t>thuật</a:t>
+            </a:r>
+            <a:r>
+              <a:rPr lang="en-US" dirty="0" smtClean="0"/>
+              <a:t> </a:t>
+            </a:r>
+            <a:r>
+              <a:rPr lang="en-US" dirty="0" err="1" smtClean="0"/>
+              <a:t>dịch</a:t>
+            </a:r>
+            <a:r>
+              <a:rPr lang="en-US" dirty="0" smtClean="0"/>
+              <a:t> </a:t>
+            </a:r>
+            <a:r>
+              <a:rPr lang="en-US" dirty="0" err="1" smtClean="0"/>
+              <a:t>ngược</a:t>
+            </a:r>
+            <a:r>
+              <a:rPr lang="en-US" dirty="0" smtClean="0"/>
+              <a:t> </a:t>
+            </a:r>
+            <a:r>
+              <a:rPr lang="en-US" dirty="0" err="1" smtClean="0"/>
+              <a:t>trong</a:t>
+            </a:r>
+            <a:r>
+              <a:rPr lang="en-US" dirty="0" smtClean="0"/>
+              <a:t> </a:t>
+            </a:r>
+            <a:r>
+              <a:rPr lang="en-US" dirty="0" err="1" smtClean="0"/>
+              <a:t>tương</a:t>
+            </a:r>
+            <a:r>
+              <a:rPr lang="en-US" dirty="0" smtClean="0"/>
+              <a:t> </a:t>
+            </a:r>
+            <a:r>
+              <a:rPr lang="en-US" dirty="0" err="1" smtClean="0"/>
+              <a:t>lai</a:t>
+            </a:r>
+            <a:r>
+              <a:rPr lang="en-US" dirty="0" smtClean="0"/>
+              <a:t>:</a:t>
+            </a:r>
+          </a:p>
+          <a:p>
+            <a:pPr marL="742950" lvl="1" indent="-285750">
+              <a:buFont typeface="Arial" charset="0"/>
+              <a:buChar char="•"/>
+            </a:pPr>
+            <a:r>
+              <a:rPr lang="en-US" dirty="0" err="1" smtClean="0"/>
+              <a:t>Tiếp</a:t>
+            </a:r>
+            <a:r>
+              <a:rPr lang="en-US" dirty="0" smtClean="0"/>
+              <a:t> </a:t>
+            </a:r>
+            <a:r>
+              <a:rPr lang="en-US" dirty="0" err="1"/>
+              <a:t>tục</a:t>
+            </a:r>
+            <a:r>
+              <a:rPr lang="en-US" dirty="0"/>
+              <a:t> </a:t>
+            </a:r>
+            <a:r>
+              <a:rPr lang="en-US" dirty="0" err="1"/>
+              <a:t>mở</a:t>
+            </a:r>
+            <a:r>
+              <a:rPr lang="en-US" dirty="0"/>
+              <a:t> </a:t>
+            </a:r>
+            <a:r>
+              <a:rPr lang="en-US" dirty="0" err="1"/>
+              <a:t>rộng</a:t>
+            </a:r>
+            <a:r>
+              <a:rPr lang="en-US" dirty="0"/>
+              <a:t> </a:t>
+            </a:r>
+            <a:r>
+              <a:rPr lang="en-US" dirty="0" err="1"/>
+              <a:t>khả</a:t>
+            </a:r>
+            <a:r>
+              <a:rPr lang="en-US" dirty="0"/>
+              <a:t> </a:t>
+            </a:r>
+            <a:r>
+              <a:rPr lang="en-US" dirty="0" err="1"/>
+              <a:t>năng</a:t>
+            </a:r>
+            <a:r>
+              <a:rPr lang="en-US" dirty="0"/>
+              <a:t> </a:t>
+            </a:r>
+            <a:r>
+              <a:rPr lang="en-US" dirty="0" err="1"/>
+              <a:t>dịch</a:t>
+            </a:r>
+            <a:r>
+              <a:rPr lang="en-US" dirty="0"/>
+              <a:t> </a:t>
+            </a:r>
+            <a:r>
+              <a:rPr lang="en-US" dirty="0" err="1"/>
+              <a:t>ngược</a:t>
+            </a:r>
+            <a:r>
+              <a:rPr lang="en-US" dirty="0"/>
+              <a:t> </a:t>
+            </a:r>
+            <a:r>
+              <a:rPr lang="en-US" dirty="0" err="1"/>
+              <a:t>cho</a:t>
+            </a:r>
+            <a:r>
+              <a:rPr lang="en-US" dirty="0"/>
+              <a:t> </a:t>
+            </a:r>
+            <a:r>
+              <a:rPr lang="en-US" dirty="0" err="1"/>
+              <a:t>nhiều</a:t>
+            </a:r>
+            <a:r>
+              <a:rPr lang="en-US" dirty="0"/>
+              <a:t> </a:t>
+            </a:r>
+            <a:r>
+              <a:rPr lang="en-US" dirty="0" err="1"/>
+              <a:t>máy</a:t>
+            </a:r>
+            <a:r>
+              <a:rPr lang="en-US" dirty="0"/>
+              <a:t> </a:t>
+            </a:r>
+            <a:r>
+              <a:rPr lang="en-US" dirty="0" err="1"/>
+              <a:t>khác</a:t>
+            </a:r>
+            <a:r>
+              <a:rPr lang="en-US" dirty="0"/>
+              <a:t> </a:t>
+            </a:r>
+            <a:r>
+              <a:rPr lang="en-US" dirty="0" err="1"/>
+              <a:t>nhau</a:t>
+            </a:r>
+            <a:r>
+              <a:rPr lang="en-US" dirty="0" smtClean="0"/>
+              <a:t>.</a:t>
+            </a:r>
+          </a:p>
+          <a:p>
+            <a:pPr marL="742950" lvl="1" indent="-285750">
+              <a:buFont typeface="Arial" charset="0"/>
+              <a:buChar char="•"/>
+            </a:pPr>
+            <a:r>
+              <a:rPr lang="en-US" dirty="0" err="1" smtClean="0"/>
+              <a:t>Phân</a:t>
+            </a:r>
+            <a:r>
+              <a:rPr lang="en-US" dirty="0" smtClean="0"/>
+              <a:t> </a:t>
+            </a:r>
+            <a:r>
+              <a:rPr lang="en-US" dirty="0" err="1"/>
+              <a:t>tích</a:t>
+            </a:r>
+            <a:r>
+              <a:rPr lang="en-US" dirty="0"/>
+              <a:t> </a:t>
+            </a:r>
+            <a:r>
+              <a:rPr lang="en-US" dirty="0" err="1"/>
+              <a:t>và</a:t>
+            </a:r>
+            <a:r>
+              <a:rPr lang="en-US" dirty="0"/>
+              <a:t> </a:t>
+            </a:r>
+            <a:r>
+              <a:rPr lang="en-US" dirty="0" err="1"/>
+              <a:t>sửa</a:t>
+            </a:r>
+            <a:r>
+              <a:rPr lang="en-US" dirty="0"/>
+              <a:t> </a:t>
+            </a:r>
+            <a:r>
+              <a:rPr lang="en-US" dirty="0" err="1"/>
+              <a:t>lỗi</a:t>
+            </a:r>
+            <a:r>
+              <a:rPr lang="en-US" dirty="0"/>
+              <a:t> </a:t>
+            </a:r>
+            <a:r>
+              <a:rPr lang="en-US" dirty="0" err="1"/>
+              <a:t>sai</a:t>
+            </a:r>
+            <a:r>
+              <a:rPr lang="en-US" dirty="0"/>
+              <a:t> </a:t>
+            </a:r>
+            <a:r>
+              <a:rPr lang="en-US" dirty="0" err="1"/>
+              <a:t>của</a:t>
+            </a:r>
+            <a:r>
+              <a:rPr lang="en-US" dirty="0"/>
+              <a:t> </a:t>
+            </a:r>
+            <a:r>
+              <a:rPr lang="en-US" dirty="0" err="1"/>
+              <a:t>giải</a:t>
+            </a:r>
+            <a:r>
+              <a:rPr lang="en-US" dirty="0"/>
+              <a:t> </a:t>
+            </a:r>
+            <a:r>
+              <a:rPr lang="en-US" dirty="0" err="1"/>
+              <a:t>thuật</a:t>
+            </a:r>
+            <a:r>
+              <a:rPr lang="en-US" dirty="0"/>
+              <a:t> </a:t>
+            </a:r>
+            <a:r>
+              <a:rPr lang="en-US" dirty="0" err="1"/>
+              <a:t>phân</a:t>
+            </a:r>
+            <a:r>
+              <a:rPr lang="en-US" dirty="0"/>
+              <a:t> </a:t>
+            </a:r>
+            <a:r>
+              <a:rPr lang="en-US" dirty="0" err="1"/>
+              <a:t>tích</a:t>
+            </a:r>
+            <a:r>
+              <a:rPr lang="en-US" dirty="0"/>
+              <a:t> </a:t>
+            </a:r>
+            <a:r>
+              <a:rPr lang="en-US" dirty="0" err="1"/>
+              <a:t>dòng</a:t>
+            </a:r>
+            <a:r>
+              <a:rPr lang="en-US" dirty="0"/>
+              <a:t> </a:t>
+            </a:r>
+            <a:r>
+              <a:rPr lang="en-US" dirty="0" err="1"/>
+              <a:t>dữ</a:t>
+            </a:r>
+            <a:r>
+              <a:rPr lang="en-US" dirty="0"/>
+              <a:t> </a:t>
+            </a:r>
+            <a:r>
+              <a:rPr lang="en-US" dirty="0" err="1"/>
+              <a:t>liệu</a:t>
+            </a:r>
+            <a:r>
+              <a:rPr lang="en-US" dirty="0"/>
+              <a:t>.	</a:t>
+            </a:r>
+            <a:endParaRPr lang="en-US" dirty="0" smtClean="0"/>
+          </a:p>
+          <a:p>
+            <a:pPr marL="742950" lvl="1" indent="-285750">
+              <a:buFont typeface="Arial" charset="0"/>
+              <a:buChar char="•"/>
+            </a:pPr>
+            <a:r>
+              <a:rPr lang="en-US" dirty="0" err="1" smtClean="0"/>
+              <a:t>Cải</a:t>
+            </a:r>
+            <a:r>
+              <a:rPr lang="en-US" dirty="0" smtClean="0"/>
+              <a:t> </a:t>
+            </a:r>
+            <a:r>
+              <a:rPr lang="en-US" dirty="0" err="1"/>
+              <a:t>tiến</a:t>
+            </a:r>
+            <a:r>
+              <a:rPr lang="en-US" dirty="0"/>
+              <a:t> </a:t>
+            </a:r>
+            <a:r>
+              <a:rPr lang="en-US" dirty="0" err="1"/>
+              <a:t>chức</a:t>
+            </a:r>
+            <a:r>
+              <a:rPr lang="en-US" dirty="0"/>
+              <a:t> </a:t>
+            </a:r>
+            <a:r>
+              <a:rPr lang="en-US" dirty="0" err="1"/>
+              <a:t>năng</a:t>
+            </a:r>
+            <a:r>
+              <a:rPr lang="en-US" dirty="0"/>
+              <a:t> </a:t>
+            </a:r>
+            <a:r>
+              <a:rPr lang="en-US" dirty="0" err="1"/>
+              <a:t>nhận</a:t>
+            </a:r>
+            <a:r>
+              <a:rPr lang="en-US" dirty="0"/>
+              <a:t> </a:t>
+            </a:r>
+            <a:r>
+              <a:rPr lang="en-US" dirty="0" err="1"/>
+              <a:t>dạng</a:t>
+            </a:r>
+            <a:r>
+              <a:rPr lang="en-US" dirty="0"/>
+              <a:t> </a:t>
+            </a:r>
+            <a:r>
+              <a:rPr lang="en-US" dirty="0" err="1"/>
+              <a:t>kiểu</a:t>
+            </a:r>
+            <a:r>
+              <a:rPr lang="en-US" dirty="0"/>
+              <a:t> </a:t>
+            </a:r>
+            <a:r>
+              <a:rPr lang="en-US" dirty="0" err="1"/>
+              <a:t>của</a:t>
+            </a:r>
+            <a:r>
+              <a:rPr lang="en-US" dirty="0"/>
+              <a:t> Boomerang</a:t>
+            </a:r>
+            <a:r>
+              <a:rPr lang="en-US" dirty="0" smtClean="0"/>
+              <a:t>.</a:t>
+            </a:r>
+          </a:p>
+          <a:p>
+            <a:pPr marL="742950" lvl="1" indent="-285750">
+              <a:buFont typeface="Arial" charset="0"/>
+              <a:buChar char="•"/>
+            </a:pPr>
+            <a:r>
+              <a:rPr lang="en-US" dirty="0" err="1" smtClean="0"/>
+              <a:t>Áp</a:t>
+            </a:r>
+            <a:r>
+              <a:rPr lang="en-US" dirty="0" smtClean="0"/>
+              <a:t> </a:t>
+            </a:r>
+            <a:r>
+              <a:rPr lang="en-US" dirty="0" err="1"/>
+              <a:t>dụng</a:t>
+            </a:r>
+            <a:r>
+              <a:rPr lang="en-US" dirty="0"/>
+              <a:t> </a:t>
+            </a:r>
+            <a:r>
+              <a:rPr lang="en-US" dirty="0" err="1"/>
+              <a:t>các</a:t>
+            </a:r>
+            <a:r>
+              <a:rPr lang="en-US" dirty="0"/>
+              <a:t> </a:t>
+            </a:r>
+            <a:r>
+              <a:rPr lang="en-US" dirty="0" err="1"/>
+              <a:t>giải</a:t>
+            </a:r>
+            <a:r>
+              <a:rPr lang="en-US" dirty="0"/>
+              <a:t> </a:t>
+            </a:r>
+            <a:r>
+              <a:rPr lang="en-US" dirty="0" err="1"/>
+              <a:t>thuật</a:t>
+            </a:r>
+            <a:r>
+              <a:rPr lang="en-US" dirty="0"/>
+              <a:t> </a:t>
+            </a:r>
+            <a:r>
+              <a:rPr lang="en-US" dirty="0" err="1"/>
+              <a:t>nhận</a:t>
+            </a:r>
+            <a:r>
+              <a:rPr lang="en-US" dirty="0"/>
+              <a:t> </a:t>
+            </a:r>
+            <a:r>
+              <a:rPr lang="en-US" dirty="0" err="1"/>
+              <a:t>dạng</a:t>
+            </a:r>
+            <a:r>
+              <a:rPr lang="en-US" dirty="0"/>
+              <a:t> union </a:t>
+            </a:r>
+            <a:r>
+              <a:rPr lang="en-US" dirty="0" err="1"/>
+              <a:t>được</a:t>
+            </a:r>
+            <a:r>
+              <a:rPr lang="en-US" dirty="0"/>
+              <a:t> </a:t>
+            </a:r>
+            <a:r>
+              <a:rPr lang="en-US" dirty="0" err="1"/>
+              <a:t>trình</a:t>
+            </a:r>
+            <a:r>
+              <a:rPr lang="en-US" dirty="0"/>
+              <a:t> </a:t>
+            </a:r>
+            <a:r>
+              <a:rPr lang="en-US" dirty="0" err="1"/>
+              <a:t>bày</a:t>
+            </a:r>
+            <a:r>
+              <a:rPr lang="en-US" dirty="0"/>
+              <a:t> </a:t>
+            </a:r>
+            <a:r>
+              <a:rPr lang="en-US" dirty="0" err="1"/>
+              <a:t>trong</a:t>
+            </a:r>
+            <a:r>
+              <a:rPr lang="en-US" dirty="0"/>
+              <a:t> </a:t>
+            </a:r>
+            <a:r>
+              <a:rPr lang="en-US" dirty="0" err="1"/>
+              <a:t>luận</a:t>
+            </a:r>
+            <a:r>
+              <a:rPr lang="en-US" dirty="0"/>
+              <a:t> </a:t>
+            </a:r>
+            <a:r>
+              <a:rPr lang="en-US" dirty="0" err="1"/>
+              <a:t>văn</a:t>
+            </a:r>
+            <a:r>
+              <a:rPr lang="en-US" dirty="0"/>
+              <a:t> </a:t>
+            </a:r>
+            <a:r>
+              <a:rPr lang="en-US" dirty="0" err="1"/>
+              <a:t>này</a:t>
+            </a:r>
+            <a:r>
+              <a:rPr lang="en-US" dirty="0"/>
+              <a:t> </a:t>
+            </a:r>
+            <a:r>
+              <a:rPr lang="en-US" dirty="0" err="1"/>
+              <a:t>cho</a:t>
+            </a:r>
+            <a:r>
+              <a:rPr lang="en-US" dirty="0"/>
+              <a:t> </a:t>
+            </a:r>
+            <a:r>
+              <a:rPr lang="en-US" dirty="0" err="1"/>
+              <a:t>các</a:t>
+            </a:r>
+            <a:r>
+              <a:rPr lang="en-US" dirty="0"/>
+              <a:t> </a:t>
+            </a:r>
+            <a:r>
+              <a:rPr lang="en-US" dirty="0" err="1"/>
+              <a:t>kiến</a:t>
+            </a:r>
+            <a:r>
+              <a:rPr lang="en-US" dirty="0"/>
+              <a:t> </a:t>
+            </a:r>
+            <a:r>
+              <a:rPr lang="en-US" dirty="0" err="1"/>
+              <a:t>trúc</a:t>
+            </a:r>
+            <a:r>
+              <a:rPr lang="en-US" dirty="0"/>
+              <a:t> </a:t>
+            </a:r>
+            <a:r>
+              <a:rPr lang="en-US" dirty="0" err="1"/>
+              <a:t>máy</a:t>
+            </a:r>
+            <a:r>
+              <a:rPr lang="en-US" dirty="0"/>
+              <a:t> </a:t>
+            </a:r>
+            <a:r>
+              <a:rPr lang="en-US" dirty="0" err="1"/>
+              <a:t>có</a:t>
+            </a:r>
+            <a:r>
+              <a:rPr lang="en-US" dirty="0"/>
+              <a:t> </a:t>
+            </a:r>
+            <a:r>
+              <a:rPr lang="en-US" dirty="0" err="1"/>
+              <a:t>tính</a:t>
+            </a:r>
+            <a:r>
+              <a:rPr lang="en-US" dirty="0"/>
+              <a:t> </a:t>
+            </a:r>
+            <a:r>
+              <a:rPr lang="en-US" dirty="0" err="1"/>
+              <a:t>chất</a:t>
+            </a:r>
+            <a:r>
+              <a:rPr lang="en-US" dirty="0"/>
+              <a:t> </a:t>
+            </a:r>
+            <a:r>
+              <a:rPr lang="en-US" dirty="0" err="1"/>
+              <a:t>tương</a:t>
+            </a:r>
+            <a:r>
+              <a:rPr lang="en-US" dirty="0"/>
+              <a:t> </a:t>
+            </a:r>
+            <a:r>
+              <a:rPr lang="en-US" dirty="0" err="1"/>
+              <a:t>tự</a:t>
+            </a:r>
+            <a:r>
+              <a:rPr lang="en-US" dirty="0"/>
+              <a:t> 8051.</a:t>
+            </a:r>
+          </a:p>
+        </p:txBody>
+      </p:sp>
+    </p:spTree>
+    <p:extLst>
+      <p:ext uri="{BB962C8B-B14F-4D97-AF65-F5344CB8AC3E}">
+        <p14:creationId xmlns:p14="http://schemas.microsoft.com/office/powerpoint/2010/main" val="866035550"/>
+      </p:ext>
+    </p:extLst>
+  </p:cSld>
+  <p:clrMapOvr>
+    <a:masterClrMapping/>
+  </p:clrMapOvr>
+</p:sld>
+</file>
+
 <file path=ppt/slides/slide4.xml><?xml version="1.0" encoding="utf-8"?>
 <p:sld xmlns:a="http://schemas.openxmlformats.org/drawingml/2006/main" xmlns:r="http://schemas.openxmlformats.org/officeDocument/2006/relationships" xmlns:p="http://schemas.openxmlformats.org/presentationml/2006/main">
   <p:cSld>
